--- a/icons/CLANG icons.pptx
+++ b/icons/CLANG icons.pptx
@@ -8,6 +8,7 @@
     <p:sldId id="256" r:id="rId2"/>
     <p:sldId id="257" r:id="rId3"/>
     <p:sldId id="260" r:id="rId4"/>
+    <p:sldId id="261" r:id="rId5"/>
   </p:sldIdLst>
   <p:sldSz cx="12192000" cy="6858000"/>
   <p:notesSz cx="6858000" cy="9144000"/>
@@ -263,7 +264,7 @@
           <a:p>
             <a:fld id="{6D02CF25-9EB9-E243-A90A-2E4AC24C6B31}" type="datetimeFigureOut">
               <a:rPr lang="en-US" smtClean="0"/>
-              <a:t>2/9/26</a:t>
+              <a:t>2/10/26</a:t>
             </a:fld>
             <a:endParaRPr lang="en-US"/>
           </a:p>
@@ -463,7 +464,7 @@
           <a:p>
             <a:fld id="{6D02CF25-9EB9-E243-A90A-2E4AC24C6B31}" type="datetimeFigureOut">
               <a:rPr lang="en-US" smtClean="0"/>
-              <a:t>2/9/26</a:t>
+              <a:t>2/10/26</a:t>
             </a:fld>
             <a:endParaRPr lang="en-US"/>
           </a:p>
@@ -673,7 +674,7 @@
           <a:p>
             <a:fld id="{6D02CF25-9EB9-E243-A90A-2E4AC24C6B31}" type="datetimeFigureOut">
               <a:rPr lang="en-US" smtClean="0"/>
-              <a:t>2/9/26</a:t>
+              <a:t>2/10/26</a:t>
             </a:fld>
             <a:endParaRPr lang="en-US"/>
           </a:p>
@@ -873,7 +874,7 @@
           <a:p>
             <a:fld id="{6D02CF25-9EB9-E243-A90A-2E4AC24C6B31}" type="datetimeFigureOut">
               <a:rPr lang="en-US" smtClean="0"/>
-              <a:t>2/9/26</a:t>
+              <a:t>2/10/26</a:t>
             </a:fld>
             <a:endParaRPr lang="en-US"/>
           </a:p>
@@ -1149,7 +1150,7 @@
           <a:p>
             <a:fld id="{6D02CF25-9EB9-E243-A90A-2E4AC24C6B31}" type="datetimeFigureOut">
               <a:rPr lang="en-US" smtClean="0"/>
-              <a:t>2/9/26</a:t>
+              <a:t>2/10/26</a:t>
             </a:fld>
             <a:endParaRPr lang="en-US"/>
           </a:p>
@@ -1417,7 +1418,7 @@
           <a:p>
             <a:fld id="{6D02CF25-9EB9-E243-A90A-2E4AC24C6B31}" type="datetimeFigureOut">
               <a:rPr lang="en-US" smtClean="0"/>
-              <a:t>2/9/26</a:t>
+              <a:t>2/10/26</a:t>
             </a:fld>
             <a:endParaRPr lang="en-US"/>
           </a:p>
@@ -1832,7 +1833,7 @@
           <a:p>
             <a:fld id="{6D02CF25-9EB9-E243-A90A-2E4AC24C6B31}" type="datetimeFigureOut">
               <a:rPr lang="en-US" smtClean="0"/>
-              <a:t>2/9/26</a:t>
+              <a:t>2/10/26</a:t>
             </a:fld>
             <a:endParaRPr lang="en-US"/>
           </a:p>
@@ -1974,7 +1975,7 @@
           <a:p>
             <a:fld id="{6D02CF25-9EB9-E243-A90A-2E4AC24C6B31}" type="datetimeFigureOut">
               <a:rPr lang="en-US" smtClean="0"/>
-              <a:t>2/9/26</a:t>
+              <a:t>2/10/26</a:t>
             </a:fld>
             <a:endParaRPr lang="en-US"/>
           </a:p>
@@ -2087,7 +2088,7 @@
           <a:p>
             <a:fld id="{6D02CF25-9EB9-E243-A90A-2E4AC24C6B31}" type="datetimeFigureOut">
               <a:rPr lang="en-US" smtClean="0"/>
-              <a:t>2/9/26</a:t>
+              <a:t>2/10/26</a:t>
             </a:fld>
             <a:endParaRPr lang="en-US"/>
           </a:p>
@@ -2400,7 +2401,7 @@
           <a:p>
             <a:fld id="{6D02CF25-9EB9-E243-A90A-2E4AC24C6B31}" type="datetimeFigureOut">
               <a:rPr lang="en-US" smtClean="0"/>
-              <a:t>2/9/26</a:t>
+              <a:t>2/10/26</a:t>
             </a:fld>
             <a:endParaRPr lang="en-US"/>
           </a:p>
@@ -2689,7 +2690,7 @@
           <a:p>
             <a:fld id="{6D02CF25-9EB9-E243-A90A-2E4AC24C6B31}" type="datetimeFigureOut">
               <a:rPr lang="en-US" smtClean="0"/>
-              <a:t>2/9/26</a:t>
+              <a:t>2/10/26</a:t>
             </a:fld>
             <a:endParaRPr lang="en-US"/>
           </a:p>
@@ -2932,7 +2933,7 @@
           <a:p>
             <a:fld id="{6D02CF25-9EB9-E243-A90A-2E4AC24C6B31}" type="datetimeFigureOut">
               <a:rPr lang="en-US" smtClean="0"/>
-              <a:t>2/9/26</a:t>
+              <a:t>2/10/26</a:t>
             </a:fld>
             <a:endParaRPr lang="en-US"/>
           </a:p>
@@ -4048,12 +4049,4260 @@
           </a:p>
         </p:txBody>
       </p:sp>
+      <p:grpSp>
+        <p:nvGrpSpPr>
+          <p:cNvPr id="2" name="Graphic 2">
+            <a:extLst>
+              <a:ext uri="{FF2B5EF4-FFF2-40B4-BE49-F238E27FC236}">
+                <a16:creationId xmlns:a16="http://schemas.microsoft.com/office/drawing/2014/main" id="{BD3756CB-CC94-C823-3286-3CBA8B61F84C}"/>
+              </a:ext>
+            </a:extLst>
+          </p:cNvPr>
+          <p:cNvGrpSpPr/>
+          <p:nvPr/>
+        </p:nvGrpSpPr>
+        <p:grpSpPr>
+          <a:xfrm>
+            <a:off x="563849" y="3953538"/>
+            <a:ext cx="6611020" cy="1580942"/>
+            <a:chOff x="563849" y="3953538"/>
+            <a:chExt cx="6611020" cy="1580942"/>
+          </a:xfrm>
+        </p:grpSpPr>
+        <p:sp>
+          <p:nvSpPr>
+            <p:cNvPr id="4" name="Freeform 3">
+              <a:extLst>
+                <a:ext uri="{FF2B5EF4-FFF2-40B4-BE49-F238E27FC236}">
+                  <a16:creationId xmlns:a16="http://schemas.microsoft.com/office/drawing/2014/main" id="{EC7220DC-0293-E4D7-5149-203925FFCEBE}"/>
+                </a:ext>
+              </a:extLst>
+            </p:cNvPr>
+            <p:cNvSpPr/>
+            <p:nvPr/>
+          </p:nvSpPr>
+          <p:spPr>
+            <a:xfrm>
+              <a:off x="612196" y="4004563"/>
+              <a:ext cx="6562673" cy="1529917"/>
+            </a:xfrm>
+            <a:custGeom>
+              <a:avLst/>
+              <a:gdLst>
+                <a:gd name="csX0" fmla="*/ 627041 w 6562673"/>
+                <a:gd name="csY0" fmla="*/ -2 h 1529917"/>
+                <a:gd name="csX1" fmla="*/ 627041 w 6562673"/>
+                <a:gd name="csY1" fmla="*/ 437608 h 1529917"/>
+                <a:gd name="csX2" fmla="*/ 623767 w 6562673"/>
+                <a:gd name="csY2" fmla="*/ 437608 h 1529917"/>
+                <a:gd name="csX3" fmla="*/ 516006 w 6562673"/>
+                <a:gd name="csY3" fmla="*/ 341590 h 1529917"/>
+                <a:gd name="csX4" fmla="*/ 373880 w 6562673"/>
+                <a:gd name="csY4" fmla="*/ 307969 h 1529917"/>
+                <a:gd name="csX5" fmla="*/ 210605 w 6562673"/>
+                <a:gd name="csY5" fmla="*/ 346698 h 1529917"/>
+                <a:gd name="csX6" fmla="*/ 93028 w 6562673"/>
+                <a:gd name="csY6" fmla="*/ 445948 h 1529917"/>
+                <a:gd name="csX7" fmla="*/ 22909 w 6562673"/>
+                <a:gd name="csY7" fmla="*/ 590781 h 1529917"/>
+                <a:gd name="csX8" fmla="*/ -3 w 6562673"/>
+                <a:gd name="csY8" fmla="*/ 759027 h 1529917"/>
+                <a:gd name="csX9" fmla="*/ 22909 w 6562673"/>
+                <a:gd name="csY9" fmla="*/ 933993 h 1529917"/>
+                <a:gd name="csX10" fmla="*/ 93028 w 6562673"/>
+                <a:gd name="csY10" fmla="*/ 1083806 h 1529917"/>
+                <a:gd name="csX11" fmla="*/ 212242 w 6562673"/>
+                <a:gd name="csY11" fmla="*/ 1186544 h 1529917"/>
+                <a:gd name="csX12" fmla="*/ 378791 w 6562673"/>
+                <a:gd name="csY12" fmla="*/ 1223531 h 1529917"/>
+                <a:gd name="csX13" fmla="*/ 527460 w 6562673"/>
+                <a:gd name="csY13" fmla="*/ 1193270 h 1529917"/>
+                <a:gd name="csX14" fmla="*/ 635220 w 6562673"/>
+                <a:gd name="csY14" fmla="*/ 1090526 h 1529917"/>
+                <a:gd name="csX15" fmla="*/ 638495 w 6562673"/>
+                <a:gd name="csY15" fmla="*/ 1090526 h 1529917"/>
+                <a:gd name="csX16" fmla="*/ 638495 w 6562673"/>
+                <a:gd name="csY16" fmla="*/ 1201610 h 1529917"/>
+                <a:gd name="csX17" fmla="*/ 858921 w 6562673"/>
+                <a:gd name="csY17" fmla="*/ 1201610 h 1529917"/>
+                <a:gd name="csX18" fmla="*/ 858921 w 6562673"/>
+                <a:gd name="csY18" fmla="*/ -28 h 1529917"/>
+                <a:gd name="csX19" fmla="*/ 1456886 w 6562673"/>
+                <a:gd name="csY19" fmla="*/ 307969 h 1529917"/>
+                <a:gd name="csX20" fmla="*/ 1277246 w 6562673"/>
+                <a:gd name="csY20" fmla="*/ 341590 h 1529917"/>
+                <a:gd name="csX21" fmla="*/ 1140153 w 6562673"/>
+                <a:gd name="csY21" fmla="*/ 434241 h 1529917"/>
+                <a:gd name="csX22" fmla="*/ 1051909 w 6562673"/>
+                <a:gd name="csY22" fmla="*/ 578947 h 1529917"/>
+                <a:gd name="csX23" fmla="*/ 1020939 w 6562673"/>
+                <a:gd name="csY23" fmla="*/ 767488 h 1529917"/>
+                <a:gd name="csX24" fmla="*/ 1051909 w 6562673"/>
+                <a:gd name="csY24" fmla="*/ 955908 h 1529917"/>
+                <a:gd name="csX25" fmla="*/ 1140153 w 6562673"/>
+                <a:gd name="csY25" fmla="*/ 1100613 h 1529917"/>
+                <a:gd name="csX26" fmla="*/ 1277246 w 6562673"/>
+                <a:gd name="csY26" fmla="*/ 1191523 h 1529917"/>
+                <a:gd name="csX27" fmla="*/ 1456886 w 6562673"/>
+                <a:gd name="csY27" fmla="*/ 1223531 h 1529917"/>
+                <a:gd name="csX28" fmla="*/ 1636525 w 6562673"/>
+                <a:gd name="csY28" fmla="*/ 1191523 h 1529917"/>
+                <a:gd name="csX29" fmla="*/ 1775250 w 6562673"/>
+                <a:gd name="csY29" fmla="*/ 1100613 h 1529917"/>
+                <a:gd name="csX30" fmla="*/ 1863494 w 6562673"/>
+                <a:gd name="csY30" fmla="*/ 955908 h 1529917"/>
+                <a:gd name="csX31" fmla="*/ 1894464 w 6562673"/>
+                <a:gd name="csY31" fmla="*/ 767488 h 1529917"/>
+                <a:gd name="csX32" fmla="*/ 1863494 w 6562673"/>
+                <a:gd name="csY32" fmla="*/ 578947 h 1529917"/>
+                <a:gd name="csX33" fmla="*/ 1775250 w 6562673"/>
+                <a:gd name="csY33" fmla="*/ 434241 h 1529917"/>
+                <a:gd name="csX34" fmla="*/ 1636525 w 6562673"/>
+                <a:gd name="csY34" fmla="*/ 341590 h 1529917"/>
+                <a:gd name="csX35" fmla="*/ 1456886 w 6562673"/>
+                <a:gd name="csY35" fmla="*/ 307969 h 1529917"/>
+                <a:gd name="csX36" fmla="*/ 4145583 w 6562673"/>
+                <a:gd name="csY36" fmla="*/ 307969 h 1529917"/>
+                <a:gd name="csX37" fmla="*/ 3988857 w 6562673"/>
+                <a:gd name="csY37" fmla="*/ 343337 h 1529917"/>
+                <a:gd name="csX38" fmla="*/ 3876191 w 6562673"/>
+                <a:gd name="csY38" fmla="*/ 439228 h 1529917"/>
+                <a:gd name="csX39" fmla="*/ 3805949 w 6562673"/>
+                <a:gd name="csY39" fmla="*/ 577212 h 1529917"/>
+                <a:gd name="csX40" fmla="*/ 3783165 w 6562673"/>
+                <a:gd name="csY40" fmla="*/ 738859 h 1529917"/>
+                <a:gd name="csX41" fmla="*/ 3802675 w 6562673"/>
+                <a:gd name="csY41" fmla="*/ 908846 h 1529917"/>
+                <a:gd name="csX42" fmla="*/ 3868012 w 6562673"/>
+                <a:gd name="csY42" fmla="*/ 1048450 h 1529917"/>
+                <a:gd name="csX43" fmla="*/ 3980678 w 6562673"/>
+                <a:gd name="csY43" fmla="*/ 1142721 h 1529917"/>
+                <a:gd name="csX44" fmla="*/ 4143952 w 6562673"/>
+                <a:gd name="csY44" fmla="*/ 1176469 h 1529917"/>
+                <a:gd name="csX45" fmla="*/ 4289225 w 6562673"/>
+                <a:gd name="csY45" fmla="*/ 1144462 h 1529917"/>
+                <a:gd name="csX46" fmla="*/ 4396986 w 6562673"/>
+                <a:gd name="csY46" fmla="*/ 1041723 h 1529917"/>
+                <a:gd name="csX47" fmla="*/ 4400260 w 6562673"/>
+                <a:gd name="csY47" fmla="*/ 1041723 h 1529917"/>
+                <a:gd name="csX48" fmla="*/ 4400260 w 6562673"/>
+                <a:gd name="csY48" fmla="*/ 1156168 h 1529917"/>
+                <a:gd name="csX49" fmla="*/ 4356199 w 6562673"/>
+                <a:gd name="csY49" fmla="*/ 1309341 h 1529917"/>
+                <a:gd name="csX50" fmla="*/ 4214201 w 6562673"/>
+                <a:gd name="csY50" fmla="*/ 1369990 h 1529917"/>
+                <a:gd name="csX51" fmla="*/ 4104803 w 6562673"/>
+                <a:gd name="csY51" fmla="*/ 1342968 h 1529917"/>
+                <a:gd name="csX52" fmla="*/ 4041103 w 6562673"/>
+                <a:gd name="csY52" fmla="*/ 1250438 h 1529917"/>
+                <a:gd name="csX53" fmla="*/ 3810854 w 6562673"/>
+                <a:gd name="csY53" fmla="*/ 1250438 h 1529917"/>
+                <a:gd name="csX54" fmla="*/ 3850003 w 6562673"/>
+                <a:gd name="csY54" fmla="*/ 1376717 h 1529917"/>
+                <a:gd name="csX55" fmla="*/ 3938247 w 6562673"/>
+                <a:gd name="csY55" fmla="*/ 1464139 h 1529917"/>
+                <a:gd name="csX56" fmla="*/ 4055824 w 6562673"/>
+                <a:gd name="csY56" fmla="*/ 1512955 h 1529917"/>
+                <a:gd name="csX57" fmla="*/ 4183095 w 6562673"/>
+                <a:gd name="csY57" fmla="*/ 1529890 h 1529917"/>
+                <a:gd name="csX58" fmla="*/ 4414981 w 6562673"/>
+                <a:gd name="csY58" fmla="*/ 1489421 h 1529917"/>
+                <a:gd name="csX59" fmla="*/ 4547286 w 6562673"/>
+                <a:gd name="csY59" fmla="*/ 1390170 h 1529917"/>
+                <a:gd name="csX60" fmla="*/ 4606081 w 6562673"/>
+                <a:gd name="csY60" fmla="*/ 1265633 h 1529917"/>
+                <a:gd name="csX61" fmla="*/ 4620680 w 6562673"/>
+                <a:gd name="csY61" fmla="*/ 1146081 h 1529917"/>
+                <a:gd name="csX62" fmla="*/ 4620680 w 6562673"/>
+                <a:gd name="csY62" fmla="*/ 331535 h 1529917"/>
+                <a:gd name="csX63" fmla="*/ 4400254 w 6562673"/>
+                <a:gd name="csY63" fmla="*/ 331535 h 1529917"/>
+                <a:gd name="csX64" fmla="*/ 4400254 w 6562673"/>
+                <a:gd name="csY64" fmla="*/ 447733 h 1529917"/>
+                <a:gd name="csX65" fmla="*/ 4396979 w 6562673"/>
+                <a:gd name="csY65" fmla="*/ 447733 h 1529917"/>
+                <a:gd name="csX66" fmla="*/ 4290856 w 6562673"/>
+                <a:gd name="csY66" fmla="*/ 340003 h 1529917"/>
+                <a:gd name="csX67" fmla="*/ 4145583 w 6562673"/>
+                <a:gd name="csY67" fmla="*/ 308001 h 1529917"/>
+                <a:gd name="csX68" fmla="*/ 5210556 w 6562673"/>
+                <a:gd name="csY68" fmla="*/ 307969 h 1529917"/>
+                <a:gd name="csX69" fmla="*/ 5034191 w 6562673"/>
+                <a:gd name="csY69" fmla="*/ 343337 h 1529917"/>
+                <a:gd name="csX70" fmla="*/ 4898612 w 6562673"/>
+                <a:gd name="csY70" fmla="*/ 440968 h 1529917"/>
+                <a:gd name="csX71" fmla="*/ 4810490 w 6562673"/>
+                <a:gd name="csY71" fmla="*/ 585674 h 1529917"/>
+                <a:gd name="csX72" fmla="*/ 4779520 w 6562673"/>
+                <a:gd name="csY72" fmla="*/ 767494 h 1529917"/>
+                <a:gd name="csX73" fmla="*/ 4808853 w 6562673"/>
+                <a:gd name="csY73" fmla="*/ 952547 h 1529917"/>
+                <a:gd name="csX74" fmla="*/ 4895337 w 6562673"/>
+                <a:gd name="csY74" fmla="*/ 1097253 h 1529917"/>
+                <a:gd name="csX75" fmla="*/ 5030916 w 6562673"/>
+                <a:gd name="csY75" fmla="*/ 1191523 h 1529917"/>
+                <a:gd name="csX76" fmla="*/ 5210556 w 6562673"/>
+                <a:gd name="csY76" fmla="*/ 1223525 h 1529917"/>
+                <a:gd name="csX77" fmla="*/ 5455403 w 6562673"/>
+                <a:gd name="csY77" fmla="*/ 1156155 h 1529917"/>
+                <a:gd name="csX78" fmla="*/ 5605710 w 6562673"/>
+                <a:gd name="csY78" fmla="*/ 932367 h 1529917"/>
+                <a:gd name="csX79" fmla="*/ 5401520 w 6562673"/>
+                <a:gd name="csY79" fmla="*/ 932367 h 1529917"/>
+                <a:gd name="csX80" fmla="*/ 5339457 w 6562673"/>
+                <a:gd name="csY80" fmla="*/ 1009824 h 1529917"/>
+                <a:gd name="csX81" fmla="*/ 5218735 w 6562673"/>
+                <a:gd name="csY81" fmla="*/ 1045071 h 1529917"/>
+                <a:gd name="csX82" fmla="*/ 5068428 w 6562673"/>
+                <a:gd name="csY82" fmla="*/ 992889 h 1529917"/>
+                <a:gd name="csX83" fmla="*/ 5011277 w 6562673"/>
+                <a:gd name="csY83" fmla="*/ 824643 h 1529917"/>
+                <a:gd name="csX84" fmla="*/ 5620315 w 6562673"/>
+                <a:gd name="csY84" fmla="*/ 824643 h 1529917"/>
+                <a:gd name="csX85" fmla="*/ 5604079 w 6562673"/>
+                <a:gd name="csY85" fmla="*/ 631116 h 1529917"/>
+                <a:gd name="csX86" fmla="*/ 5528926 w 6562673"/>
+                <a:gd name="csY86" fmla="*/ 466237 h 1529917"/>
+                <a:gd name="csX87" fmla="*/ 5398252 w 6562673"/>
+                <a:gd name="csY87" fmla="*/ 351792 h 1529917"/>
+                <a:gd name="csX88" fmla="*/ 5210562 w 6562673"/>
+                <a:gd name="csY88" fmla="*/ 307957 h 1529917"/>
+                <a:gd name="csX89" fmla="*/ 6254001 w 6562673"/>
+                <a:gd name="csY89" fmla="*/ 307969 h 1529917"/>
+                <a:gd name="csX90" fmla="*/ 6110366 w 6562673"/>
+                <a:gd name="csY90" fmla="*/ 343337 h 1529917"/>
+                <a:gd name="csX91" fmla="*/ 5996063 w 6562673"/>
+                <a:gd name="csY91" fmla="*/ 452675 h 1529917"/>
+                <a:gd name="csX92" fmla="*/ 5991151 w 6562673"/>
+                <a:gd name="csY92" fmla="*/ 452675 h 1529917"/>
+                <a:gd name="csX93" fmla="*/ 5991151 w 6562673"/>
+                <a:gd name="csY93" fmla="*/ 331503 h 1529917"/>
+                <a:gd name="csX94" fmla="*/ 5770725 w 6562673"/>
+                <a:gd name="csY94" fmla="*/ 331503 h 1529917"/>
+                <a:gd name="csX95" fmla="*/ 5770725 w 6562673"/>
+                <a:gd name="csY95" fmla="*/ 1201585 h 1529917"/>
+                <a:gd name="csX96" fmla="*/ 6002611 w 6562673"/>
+                <a:gd name="csY96" fmla="*/ 1201585 h 1529917"/>
+                <a:gd name="csX97" fmla="*/ 6002611 w 6562673"/>
+                <a:gd name="csY97" fmla="*/ 745548 h 1529917"/>
+                <a:gd name="csX98" fmla="*/ 6045035 w 6562673"/>
+                <a:gd name="csY98" fmla="*/ 555387 h 1529917"/>
+                <a:gd name="csX99" fmla="*/ 6182251 w 6562673"/>
+                <a:gd name="csY99" fmla="*/ 496485 h 1529917"/>
+                <a:gd name="csX100" fmla="*/ 6298216 w 6562673"/>
+                <a:gd name="csY100" fmla="*/ 550280 h 1529917"/>
+                <a:gd name="csX101" fmla="*/ 6330766 w 6562673"/>
+                <a:gd name="csY101" fmla="*/ 710180 h 1529917"/>
+                <a:gd name="csX102" fmla="*/ 6330766 w 6562673"/>
+                <a:gd name="csY102" fmla="*/ 1201585 h 1529917"/>
+                <a:gd name="csX103" fmla="*/ 6562671 w 6562673"/>
+                <a:gd name="csY103" fmla="*/ 1201585 h 1529917"/>
+                <a:gd name="csX104" fmla="*/ 6562671 w 6562673"/>
+                <a:gd name="csY104" fmla="*/ 666465 h 1529917"/>
+                <a:gd name="csX105" fmla="*/ 6547976 w 6562673"/>
+                <a:gd name="csY105" fmla="*/ 520013 h 1529917"/>
+                <a:gd name="csX106" fmla="*/ 6500602 w 6562673"/>
+                <a:gd name="csY106" fmla="*/ 407309 h 1529917"/>
+                <a:gd name="csX107" fmla="*/ 6405919 w 6562673"/>
+                <a:gd name="csY107" fmla="*/ 334832 h 1529917"/>
+                <a:gd name="csX108" fmla="*/ 6254001 w 6562673"/>
+                <a:gd name="csY108" fmla="*/ 307931 h 1529917"/>
+                <a:gd name="csX109" fmla="*/ 1995979 w 6562673"/>
+                <a:gd name="csY109" fmla="*/ 331503 h 1529917"/>
+                <a:gd name="csX110" fmla="*/ 2273556 w 6562673"/>
+                <a:gd name="csY110" fmla="*/ 743832 h 1529917"/>
+                <a:gd name="csX111" fmla="*/ 1969791 w 6562673"/>
+                <a:gd name="csY111" fmla="*/ 1201617 h 1529917"/>
+                <a:gd name="csX112" fmla="*/ 2229496 w 6562673"/>
+                <a:gd name="csY112" fmla="*/ 1201617 h 1529917"/>
+                <a:gd name="csX113" fmla="*/ 2405861 w 6562673"/>
+                <a:gd name="csY113" fmla="*/ 927272 h 1529917"/>
+                <a:gd name="csX114" fmla="*/ 2582104 w 6562673"/>
+                <a:gd name="csY114" fmla="*/ 1201617 h 1529917"/>
+                <a:gd name="csX115" fmla="*/ 2846720 w 6562673"/>
+                <a:gd name="csY115" fmla="*/ 1201617 h 1529917"/>
+                <a:gd name="csX116" fmla="*/ 2534775 w 6562673"/>
+                <a:gd name="csY116" fmla="*/ 738853 h 1529917"/>
+                <a:gd name="csX117" fmla="*/ 2812353 w 6562673"/>
+                <a:gd name="csY117" fmla="*/ 331503 h 1529917"/>
+                <a:gd name="csX118" fmla="*/ 2556045 w 6562673"/>
+                <a:gd name="csY118" fmla="*/ 331503 h 1529917"/>
+                <a:gd name="csX119" fmla="*/ 2409135 w 6562673"/>
+                <a:gd name="csY119" fmla="*/ 558779 h 1529917"/>
+                <a:gd name="csX120" fmla="*/ 2260466 w 6562673"/>
+                <a:gd name="csY120" fmla="*/ 331503 h 1529917"/>
+                <a:gd name="csX121" fmla="*/ 2851605 w 6562673"/>
+                <a:gd name="csY121" fmla="*/ 331503 h 1529917"/>
+                <a:gd name="csX122" fmla="*/ 3147062 w 6562673"/>
+                <a:gd name="csY122" fmla="*/ 1147834 h 1529917"/>
+                <a:gd name="csX123" fmla="*/ 3156878 w 6562673"/>
+                <a:gd name="csY123" fmla="*/ 1201636 h 1529917"/>
+                <a:gd name="csX124" fmla="*/ 3134094 w 6562673"/>
+                <a:gd name="csY124" fmla="*/ 1272372 h 1529917"/>
+                <a:gd name="csX125" fmla="*/ 3067120 w 6562673"/>
+                <a:gd name="csY125" fmla="*/ 1309360 h 1529917"/>
+                <a:gd name="csX126" fmla="*/ 2998509 w 6562673"/>
+                <a:gd name="csY126" fmla="*/ 1307740 h 1529917"/>
+                <a:gd name="csX127" fmla="*/ 2931534 w 6562673"/>
+                <a:gd name="csY127" fmla="*/ 1301014 h 1529917"/>
+                <a:gd name="csX128" fmla="*/ 2931534 w 6562673"/>
+                <a:gd name="csY128" fmla="*/ 1497901 h 1529917"/>
+                <a:gd name="csX129" fmla="*/ 3001776 w 6562673"/>
+                <a:gd name="csY129" fmla="*/ 1502881 h 1529917"/>
+                <a:gd name="csX130" fmla="*/ 3073656 w 6562673"/>
+                <a:gd name="csY130" fmla="*/ 1506247 h 1529917"/>
+                <a:gd name="csX131" fmla="*/ 3259715 w 6562673"/>
+                <a:gd name="csY131" fmla="*/ 1460792 h 1529917"/>
+                <a:gd name="csX132" fmla="*/ 3364201 w 6562673"/>
+                <a:gd name="csY132" fmla="*/ 1309360 h 1529917"/>
+                <a:gd name="csX133" fmla="*/ 3716938 w 6562673"/>
+                <a:gd name="csY133" fmla="*/ 331523 h 1529917"/>
+                <a:gd name="csX134" fmla="*/ 3476873 w 6562673"/>
+                <a:gd name="csY134" fmla="*/ 331523 h 1529917"/>
+                <a:gd name="csX135" fmla="*/ 3292451 w 6562673"/>
+                <a:gd name="csY135" fmla="*/ 927292 h 1529917"/>
+                <a:gd name="csX136" fmla="*/ 3289177 w 6562673"/>
+                <a:gd name="csY136" fmla="*/ 927292 h 1529917"/>
+                <a:gd name="csX137" fmla="*/ 3098084 w 6562673"/>
+                <a:gd name="csY137" fmla="*/ 331523 h 1529917"/>
+                <a:gd name="csX138" fmla="*/ 435871 w 6562673"/>
+                <a:gd name="csY138" fmla="*/ 488043 h 1529917"/>
+                <a:gd name="csX139" fmla="*/ 530663 w 6562673"/>
+                <a:gd name="csY139" fmla="*/ 511583 h 1529917"/>
+                <a:gd name="csX140" fmla="*/ 590960 w 6562673"/>
+                <a:gd name="csY140" fmla="*/ 573846 h 1529917"/>
+                <a:gd name="csX141" fmla="*/ 625327 w 6562673"/>
+                <a:gd name="csY141" fmla="*/ 661390 h 1529917"/>
+                <a:gd name="csX142" fmla="*/ 635149 w 6562673"/>
+                <a:gd name="csY142" fmla="*/ 764128 h 1529917"/>
+                <a:gd name="csX143" fmla="*/ 625327 w 6562673"/>
+                <a:gd name="csY143" fmla="*/ 868364 h 1529917"/>
+                <a:gd name="csX144" fmla="*/ 592597 w 6562673"/>
+                <a:gd name="csY144" fmla="*/ 959274 h 1529917"/>
+                <a:gd name="csX145" fmla="*/ 530663 w 6562673"/>
+                <a:gd name="csY145" fmla="*/ 1021543 h 1529917"/>
+                <a:gd name="csX146" fmla="*/ 435871 w 6562673"/>
+                <a:gd name="csY146" fmla="*/ 1045077 h 1529917"/>
+                <a:gd name="csX147" fmla="*/ 342838 w 6562673"/>
+                <a:gd name="csY147" fmla="*/ 1021543 h 1529917"/>
+                <a:gd name="csX148" fmla="*/ 279139 w 6562673"/>
+                <a:gd name="csY148" fmla="*/ 957655 h 1529917"/>
+                <a:gd name="csX149" fmla="*/ 243261 w 6562673"/>
+                <a:gd name="csY149" fmla="*/ 866744 h 1529917"/>
+                <a:gd name="csX150" fmla="*/ 231806 w 6562673"/>
+                <a:gd name="csY150" fmla="*/ 765747 h 1529917"/>
+                <a:gd name="csX151" fmla="*/ 241625 w 6562673"/>
+                <a:gd name="csY151" fmla="*/ 663130 h 1529917"/>
+                <a:gd name="csX152" fmla="*/ 275866 w 6562673"/>
+                <a:gd name="csY152" fmla="*/ 573840 h 1529917"/>
+                <a:gd name="csX153" fmla="*/ 339565 w 6562673"/>
+                <a:gd name="csY153" fmla="*/ 511571 h 1529917"/>
+                <a:gd name="csX154" fmla="*/ 435864 w 6562673"/>
+                <a:gd name="csY154" fmla="*/ 488037 h 1529917"/>
+                <a:gd name="csX155" fmla="*/ 1456821 w 6562673"/>
+                <a:gd name="csY155" fmla="*/ 488043 h 1529917"/>
+                <a:gd name="csX156" fmla="*/ 1554759 w 6562673"/>
+                <a:gd name="csY156" fmla="*/ 513324 h 1529917"/>
+                <a:gd name="csX157" fmla="*/ 1618459 w 6562673"/>
+                <a:gd name="csY157" fmla="*/ 575593 h 1529917"/>
+                <a:gd name="csX158" fmla="*/ 1652697 w 6562673"/>
+                <a:gd name="csY158" fmla="*/ 664756 h 1529917"/>
+                <a:gd name="csX159" fmla="*/ 1662520 w 6562673"/>
+                <a:gd name="csY159" fmla="*/ 767494 h 1529917"/>
+                <a:gd name="csX160" fmla="*/ 1652697 w 6562673"/>
+                <a:gd name="csY160" fmla="*/ 870111 h 1529917"/>
+                <a:gd name="csX161" fmla="*/ 1618459 w 6562673"/>
+                <a:gd name="csY161" fmla="*/ 959274 h 1529917"/>
+                <a:gd name="csX162" fmla="*/ 1554759 w 6562673"/>
+                <a:gd name="csY162" fmla="*/ 1021537 h 1529917"/>
+                <a:gd name="csX163" fmla="*/ 1456821 w 6562673"/>
+                <a:gd name="csY163" fmla="*/ 1045077 h 1529917"/>
+                <a:gd name="csX164" fmla="*/ 1358884 w 6562673"/>
+                <a:gd name="csY164" fmla="*/ 1021537 h 1529917"/>
+                <a:gd name="csX165" fmla="*/ 1295184 w 6562673"/>
+                <a:gd name="csY165" fmla="*/ 959274 h 1529917"/>
+                <a:gd name="csX166" fmla="*/ 1262454 w 6562673"/>
+                <a:gd name="csY166" fmla="*/ 870111 h 1529917"/>
+                <a:gd name="csX167" fmla="*/ 1252638 w 6562673"/>
+                <a:gd name="csY167" fmla="*/ 767494 h 1529917"/>
+                <a:gd name="csX168" fmla="*/ 1262454 w 6562673"/>
+                <a:gd name="csY168" fmla="*/ 664756 h 1529917"/>
+                <a:gd name="csX169" fmla="*/ 1295184 w 6562673"/>
+                <a:gd name="csY169" fmla="*/ 575593 h 1529917"/>
+                <a:gd name="csX170" fmla="*/ 1358884 w 6562673"/>
+                <a:gd name="csY170" fmla="*/ 513324 h 1529917"/>
+                <a:gd name="csX171" fmla="*/ 1456821 w 6562673"/>
+                <a:gd name="csY171" fmla="*/ 488043 h 1529917"/>
+                <a:gd name="csX172" fmla="*/ 4202689 w 6562673"/>
+                <a:gd name="csY172" fmla="*/ 488043 h 1529917"/>
+                <a:gd name="csX173" fmla="*/ 4297359 w 6562673"/>
+                <a:gd name="csY173" fmla="*/ 509964 h 1529917"/>
+                <a:gd name="csX174" fmla="*/ 4357785 w 6562673"/>
+                <a:gd name="csY174" fmla="*/ 568866 h 1529917"/>
+                <a:gd name="csX175" fmla="*/ 4390515 w 6562673"/>
+                <a:gd name="csY175" fmla="*/ 654669 h 1529917"/>
+                <a:gd name="csX176" fmla="*/ 4400208 w 6562673"/>
+                <a:gd name="csY176" fmla="*/ 755666 h 1529917"/>
+                <a:gd name="csX177" fmla="*/ 4387240 w 6562673"/>
+                <a:gd name="csY177" fmla="*/ 846577 h 1529917"/>
+                <a:gd name="csX178" fmla="*/ 4351236 w 6562673"/>
+                <a:gd name="csY178" fmla="*/ 922293 h 1529917"/>
+                <a:gd name="csX179" fmla="*/ 4289174 w 6562673"/>
+                <a:gd name="csY179" fmla="*/ 976094 h 1529917"/>
+                <a:gd name="csX180" fmla="*/ 4202696 w 6562673"/>
+                <a:gd name="csY180" fmla="*/ 996390 h 1529917"/>
+                <a:gd name="csX181" fmla="*/ 4112937 w 6562673"/>
+                <a:gd name="csY181" fmla="*/ 972728 h 1529917"/>
+                <a:gd name="csX182" fmla="*/ 4054142 w 6562673"/>
+                <a:gd name="csY182" fmla="*/ 912206 h 1529917"/>
+                <a:gd name="csX183" fmla="*/ 4023049 w 6562673"/>
+                <a:gd name="csY183" fmla="*/ 829763 h 1529917"/>
+                <a:gd name="csX184" fmla="*/ 4014870 w 6562673"/>
+                <a:gd name="csY184" fmla="*/ 735493 h 1529917"/>
+                <a:gd name="csX185" fmla="*/ 4024687 w 6562673"/>
+                <a:gd name="csY185" fmla="*/ 642963 h 1529917"/>
+                <a:gd name="csX186" fmla="*/ 4059053 w 6562673"/>
+                <a:gd name="csY186" fmla="*/ 563759 h 1529917"/>
+                <a:gd name="csX187" fmla="*/ 4117842 w 6562673"/>
+                <a:gd name="csY187" fmla="*/ 508217 h 1529917"/>
+                <a:gd name="csX188" fmla="*/ 4202689 w 6562673"/>
+                <a:gd name="csY188" fmla="*/ 488043 h 1529917"/>
+                <a:gd name="csX189" fmla="*/ 5203982 w 6562673"/>
+                <a:gd name="csY189" fmla="*/ 488043 h 1529917"/>
+                <a:gd name="csX190" fmla="*/ 5329744 w 6562673"/>
+                <a:gd name="csY190" fmla="*/ 535245 h 1529917"/>
+                <a:gd name="csX191" fmla="*/ 5388533 w 6562673"/>
+                <a:gd name="csY191" fmla="*/ 673230 h 1529917"/>
+                <a:gd name="csX192" fmla="*/ 5011251 w 6562673"/>
+                <a:gd name="csY192" fmla="*/ 673230 h 1529917"/>
+                <a:gd name="csX193" fmla="*/ 5021074 w 6562673"/>
+                <a:gd name="csY193" fmla="*/ 615941 h 1529917"/>
+                <a:gd name="csX194" fmla="*/ 5052167 w 6562673"/>
+                <a:gd name="csY194" fmla="*/ 555419 h 1529917"/>
+                <a:gd name="csX195" fmla="*/ 5110955 w 6562673"/>
+                <a:gd name="csY195" fmla="*/ 508223 h 1529917"/>
+                <a:gd name="csX196" fmla="*/ 5203988 w 6562673"/>
+                <a:gd name="csY196" fmla="*/ 488049 h 1529917"/>
+              </a:gdLst>
+              <a:ahLst/>
+              <a:cxnLst>
+                <a:cxn ang="0">
+                  <a:pos x="csX0" y="csY0"/>
+                </a:cxn>
+                <a:cxn ang="0">
+                  <a:pos x="csX1" y="csY1"/>
+                </a:cxn>
+                <a:cxn ang="0">
+                  <a:pos x="csX2" y="csY2"/>
+                </a:cxn>
+                <a:cxn ang="0">
+                  <a:pos x="csX3" y="csY3"/>
+                </a:cxn>
+                <a:cxn ang="0">
+                  <a:pos x="csX4" y="csY4"/>
+                </a:cxn>
+                <a:cxn ang="0">
+                  <a:pos x="csX5" y="csY5"/>
+                </a:cxn>
+                <a:cxn ang="0">
+                  <a:pos x="csX6" y="csY6"/>
+                </a:cxn>
+                <a:cxn ang="0">
+                  <a:pos x="csX7" y="csY7"/>
+                </a:cxn>
+                <a:cxn ang="0">
+                  <a:pos x="csX8" y="csY8"/>
+                </a:cxn>
+                <a:cxn ang="0">
+                  <a:pos x="csX9" y="csY9"/>
+                </a:cxn>
+                <a:cxn ang="0">
+                  <a:pos x="csX10" y="csY10"/>
+                </a:cxn>
+                <a:cxn ang="0">
+                  <a:pos x="csX11" y="csY11"/>
+                </a:cxn>
+                <a:cxn ang="0">
+                  <a:pos x="csX12" y="csY12"/>
+                </a:cxn>
+                <a:cxn ang="0">
+                  <a:pos x="csX13" y="csY13"/>
+                </a:cxn>
+                <a:cxn ang="0">
+                  <a:pos x="csX14" y="csY14"/>
+                </a:cxn>
+                <a:cxn ang="0">
+                  <a:pos x="csX15" y="csY15"/>
+                </a:cxn>
+                <a:cxn ang="0">
+                  <a:pos x="csX16" y="csY16"/>
+                </a:cxn>
+                <a:cxn ang="0">
+                  <a:pos x="csX17" y="csY17"/>
+                </a:cxn>
+                <a:cxn ang="0">
+                  <a:pos x="csX18" y="csY18"/>
+                </a:cxn>
+                <a:cxn ang="0">
+                  <a:pos x="csX19" y="csY19"/>
+                </a:cxn>
+                <a:cxn ang="0">
+                  <a:pos x="csX20" y="csY20"/>
+                </a:cxn>
+                <a:cxn ang="0">
+                  <a:pos x="csX21" y="csY21"/>
+                </a:cxn>
+                <a:cxn ang="0">
+                  <a:pos x="csX22" y="csY22"/>
+                </a:cxn>
+                <a:cxn ang="0">
+                  <a:pos x="csX23" y="csY23"/>
+                </a:cxn>
+                <a:cxn ang="0">
+                  <a:pos x="csX24" y="csY24"/>
+                </a:cxn>
+                <a:cxn ang="0">
+                  <a:pos x="csX25" y="csY25"/>
+                </a:cxn>
+                <a:cxn ang="0">
+                  <a:pos x="csX26" y="csY26"/>
+                </a:cxn>
+                <a:cxn ang="0">
+                  <a:pos x="csX27" y="csY27"/>
+                </a:cxn>
+                <a:cxn ang="0">
+                  <a:pos x="csX28" y="csY28"/>
+                </a:cxn>
+                <a:cxn ang="0">
+                  <a:pos x="csX29" y="csY29"/>
+                </a:cxn>
+                <a:cxn ang="0">
+                  <a:pos x="csX30" y="csY30"/>
+                </a:cxn>
+                <a:cxn ang="0">
+                  <a:pos x="csX31" y="csY31"/>
+                </a:cxn>
+                <a:cxn ang="0">
+                  <a:pos x="csX32" y="csY32"/>
+                </a:cxn>
+                <a:cxn ang="0">
+                  <a:pos x="csX33" y="csY33"/>
+                </a:cxn>
+                <a:cxn ang="0">
+                  <a:pos x="csX34" y="csY34"/>
+                </a:cxn>
+                <a:cxn ang="0">
+                  <a:pos x="csX35" y="csY35"/>
+                </a:cxn>
+                <a:cxn ang="0">
+                  <a:pos x="csX36" y="csY36"/>
+                </a:cxn>
+                <a:cxn ang="0">
+                  <a:pos x="csX37" y="csY37"/>
+                </a:cxn>
+                <a:cxn ang="0">
+                  <a:pos x="csX38" y="csY38"/>
+                </a:cxn>
+                <a:cxn ang="0">
+                  <a:pos x="csX39" y="csY39"/>
+                </a:cxn>
+                <a:cxn ang="0">
+                  <a:pos x="csX40" y="csY40"/>
+                </a:cxn>
+                <a:cxn ang="0">
+                  <a:pos x="csX41" y="csY41"/>
+                </a:cxn>
+                <a:cxn ang="0">
+                  <a:pos x="csX42" y="csY42"/>
+                </a:cxn>
+                <a:cxn ang="0">
+                  <a:pos x="csX43" y="csY43"/>
+                </a:cxn>
+                <a:cxn ang="0">
+                  <a:pos x="csX44" y="csY44"/>
+                </a:cxn>
+                <a:cxn ang="0">
+                  <a:pos x="csX45" y="csY45"/>
+                </a:cxn>
+                <a:cxn ang="0">
+                  <a:pos x="csX46" y="csY46"/>
+                </a:cxn>
+                <a:cxn ang="0">
+                  <a:pos x="csX47" y="csY47"/>
+                </a:cxn>
+                <a:cxn ang="0">
+                  <a:pos x="csX48" y="csY48"/>
+                </a:cxn>
+                <a:cxn ang="0">
+                  <a:pos x="csX49" y="csY49"/>
+                </a:cxn>
+                <a:cxn ang="0">
+                  <a:pos x="csX50" y="csY50"/>
+                </a:cxn>
+                <a:cxn ang="0">
+                  <a:pos x="csX51" y="csY51"/>
+                </a:cxn>
+                <a:cxn ang="0">
+                  <a:pos x="csX52" y="csY52"/>
+                </a:cxn>
+                <a:cxn ang="0">
+                  <a:pos x="csX53" y="csY53"/>
+                </a:cxn>
+                <a:cxn ang="0">
+                  <a:pos x="csX54" y="csY54"/>
+                </a:cxn>
+                <a:cxn ang="0">
+                  <a:pos x="csX55" y="csY55"/>
+                </a:cxn>
+                <a:cxn ang="0">
+                  <a:pos x="csX56" y="csY56"/>
+                </a:cxn>
+                <a:cxn ang="0">
+                  <a:pos x="csX57" y="csY57"/>
+                </a:cxn>
+                <a:cxn ang="0">
+                  <a:pos x="csX58" y="csY58"/>
+                </a:cxn>
+                <a:cxn ang="0">
+                  <a:pos x="csX59" y="csY59"/>
+                </a:cxn>
+                <a:cxn ang="0">
+                  <a:pos x="csX60" y="csY60"/>
+                </a:cxn>
+                <a:cxn ang="0">
+                  <a:pos x="csX61" y="csY61"/>
+                </a:cxn>
+                <a:cxn ang="0">
+                  <a:pos x="csX62" y="csY62"/>
+                </a:cxn>
+                <a:cxn ang="0">
+                  <a:pos x="csX63" y="csY63"/>
+                </a:cxn>
+                <a:cxn ang="0">
+                  <a:pos x="csX64" y="csY64"/>
+                </a:cxn>
+                <a:cxn ang="0">
+                  <a:pos x="csX65" y="csY65"/>
+                </a:cxn>
+                <a:cxn ang="0">
+                  <a:pos x="csX66" y="csY66"/>
+                </a:cxn>
+                <a:cxn ang="0">
+                  <a:pos x="csX67" y="csY67"/>
+                </a:cxn>
+                <a:cxn ang="0">
+                  <a:pos x="csX68" y="csY68"/>
+                </a:cxn>
+                <a:cxn ang="0">
+                  <a:pos x="csX69" y="csY69"/>
+                </a:cxn>
+                <a:cxn ang="0">
+                  <a:pos x="csX70" y="csY70"/>
+                </a:cxn>
+                <a:cxn ang="0">
+                  <a:pos x="csX71" y="csY71"/>
+                </a:cxn>
+                <a:cxn ang="0">
+                  <a:pos x="csX72" y="csY72"/>
+                </a:cxn>
+                <a:cxn ang="0">
+                  <a:pos x="csX73" y="csY73"/>
+                </a:cxn>
+                <a:cxn ang="0">
+                  <a:pos x="csX74" y="csY74"/>
+                </a:cxn>
+                <a:cxn ang="0">
+                  <a:pos x="csX75" y="csY75"/>
+                </a:cxn>
+                <a:cxn ang="0">
+                  <a:pos x="csX76" y="csY76"/>
+                </a:cxn>
+                <a:cxn ang="0">
+                  <a:pos x="csX77" y="csY77"/>
+                </a:cxn>
+                <a:cxn ang="0">
+                  <a:pos x="csX78" y="csY78"/>
+                </a:cxn>
+                <a:cxn ang="0">
+                  <a:pos x="csX79" y="csY79"/>
+                </a:cxn>
+                <a:cxn ang="0">
+                  <a:pos x="csX80" y="csY80"/>
+                </a:cxn>
+                <a:cxn ang="0">
+                  <a:pos x="csX81" y="csY81"/>
+                </a:cxn>
+                <a:cxn ang="0">
+                  <a:pos x="csX82" y="csY82"/>
+                </a:cxn>
+                <a:cxn ang="0">
+                  <a:pos x="csX83" y="csY83"/>
+                </a:cxn>
+                <a:cxn ang="0">
+                  <a:pos x="csX84" y="csY84"/>
+                </a:cxn>
+                <a:cxn ang="0">
+                  <a:pos x="csX85" y="csY85"/>
+                </a:cxn>
+                <a:cxn ang="0">
+                  <a:pos x="csX86" y="csY86"/>
+                </a:cxn>
+                <a:cxn ang="0">
+                  <a:pos x="csX87" y="csY87"/>
+                </a:cxn>
+                <a:cxn ang="0">
+                  <a:pos x="csX88" y="csY88"/>
+                </a:cxn>
+                <a:cxn ang="0">
+                  <a:pos x="csX89" y="csY89"/>
+                </a:cxn>
+                <a:cxn ang="0">
+                  <a:pos x="csX90" y="csY90"/>
+                </a:cxn>
+                <a:cxn ang="0">
+                  <a:pos x="csX91" y="csY91"/>
+                </a:cxn>
+                <a:cxn ang="0">
+                  <a:pos x="csX92" y="csY92"/>
+                </a:cxn>
+                <a:cxn ang="0">
+                  <a:pos x="csX93" y="csY93"/>
+                </a:cxn>
+                <a:cxn ang="0">
+                  <a:pos x="csX94" y="csY94"/>
+                </a:cxn>
+                <a:cxn ang="0">
+                  <a:pos x="csX95" y="csY95"/>
+                </a:cxn>
+                <a:cxn ang="0">
+                  <a:pos x="csX96" y="csY96"/>
+                </a:cxn>
+                <a:cxn ang="0">
+                  <a:pos x="csX97" y="csY97"/>
+                </a:cxn>
+                <a:cxn ang="0">
+                  <a:pos x="csX98" y="csY98"/>
+                </a:cxn>
+                <a:cxn ang="0">
+                  <a:pos x="csX99" y="csY99"/>
+                </a:cxn>
+                <a:cxn ang="0">
+                  <a:pos x="csX100" y="csY100"/>
+                </a:cxn>
+                <a:cxn ang="0">
+                  <a:pos x="csX101" y="csY101"/>
+                </a:cxn>
+                <a:cxn ang="0">
+                  <a:pos x="csX102" y="csY102"/>
+                </a:cxn>
+                <a:cxn ang="0">
+                  <a:pos x="csX103" y="csY103"/>
+                </a:cxn>
+                <a:cxn ang="0">
+                  <a:pos x="csX104" y="csY104"/>
+                </a:cxn>
+                <a:cxn ang="0">
+                  <a:pos x="csX105" y="csY105"/>
+                </a:cxn>
+                <a:cxn ang="0">
+                  <a:pos x="csX106" y="csY106"/>
+                </a:cxn>
+                <a:cxn ang="0">
+                  <a:pos x="csX107" y="csY107"/>
+                </a:cxn>
+                <a:cxn ang="0">
+                  <a:pos x="csX108" y="csY108"/>
+                </a:cxn>
+                <a:cxn ang="0">
+                  <a:pos x="csX109" y="csY109"/>
+                </a:cxn>
+                <a:cxn ang="0">
+                  <a:pos x="csX110" y="csY110"/>
+                </a:cxn>
+                <a:cxn ang="0">
+                  <a:pos x="csX111" y="csY111"/>
+                </a:cxn>
+                <a:cxn ang="0">
+                  <a:pos x="csX112" y="csY112"/>
+                </a:cxn>
+                <a:cxn ang="0">
+                  <a:pos x="csX113" y="csY113"/>
+                </a:cxn>
+                <a:cxn ang="0">
+                  <a:pos x="csX114" y="csY114"/>
+                </a:cxn>
+                <a:cxn ang="0">
+                  <a:pos x="csX115" y="csY115"/>
+                </a:cxn>
+                <a:cxn ang="0">
+                  <a:pos x="csX116" y="csY116"/>
+                </a:cxn>
+                <a:cxn ang="0">
+                  <a:pos x="csX117" y="csY117"/>
+                </a:cxn>
+                <a:cxn ang="0">
+                  <a:pos x="csX118" y="csY118"/>
+                </a:cxn>
+                <a:cxn ang="0">
+                  <a:pos x="csX119" y="csY119"/>
+                </a:cxn>
+                <a:cxn ang="0">
+                  <a:pos x="csX120" y="csY120"/>
+                </a:cxn>
+                <a:cxn ang="0">
+                  <a:pos x="csX121" y="csY121"/>
+                </a:cxn>
+                <a:cxn ang="0">
+                  <a:pos x="csX122" y="csY122"/>
+                </a:cxn>
+                <a:cxn ang="0">
+                  <a:pos x="csX123" y="csY123"/>
+                </a:cxn>
+                <a:cxn ang="0">
+                  <a:pos x="csX124" y="csY124"/>
+                </a:cxn>
+                <a:cxn ang="0">
+                  <a:pos x="csX125" y="csY125"/>
+                </a:cxn>
+                <a:cxn ang="0">
+                  <a:pos x="csX126" y="csY126"/>
+                </a:cxn>
+                <a:cxn ang="0">
+                  <a:pos x="csX127" y="csY127"/>
+                </a:cxn>
+                <a:cxn ang="0">
+                  <a:pos x="csX128" y="csY128"/>
+                </a:cxn>
+                <a:cxn ang="0">
+                  <a:pos x="csX129" y="csY129"/>
+                </a:cxn>
+                <a:cxn ang="0">
+                  <a:pos x="csX130" y="csY130"/>
+                </a:cxn>
+                <a:cxn ang="0">
+                  <a:pos x="csX131" y="csY131"/>
+                </a:cxn>
+                <a:cxn ang="0">
+                  <a:pos x="csX132" y="csY132"/>
+                </a:cxn>
+                <a:cxn ang="0">
+                  <a:pos x="csX133" y="csY133"/>
+                </a:cxn>
+                <a:cxn ang="0">
+                  <a:pos x="csX134" y="csY134"/>
+                </a:cxn>
+                <a:cxn ang="0">
+                  <a:pos x="csX135" y="csY135"/>
+                </a:cxn>
+                <a:cxn ang="0">
+                  <a:pos x="csX136" y="csY136"/>
+                </a:cxn>
+                <a:cxn ang="0">
+                  <a:pos x="csX137" y="csY137"/>
+                </a:cxn>
+                <a:cxn ang="0">
+                  <a:pos x="csX138" y="csY138"/>
+                </a:cxn>
+                <a:cxn ang="0">
+                  <a:pos x="csX139" y="csY139"/>
+                </a:cxn>
+                <a:cxn ang="0">
+                  <a:pos x="csX140" y="csY140"/>
+                </a:cxn>
+                <a:cxn ang="0">
+                  <a:pos x="csX141" y="csY141"/>
+                </a:cxn>
+                <a:cxn ang="0">
+                  <a:pos x="csX142" y="csY142"/>
+                </a:cxn>
+                <a:cxn ang="0">
+                  <a:pos x="csX143" y="csY143"/>
+                </a:cxn>
+                <a:cxn ang="0">
+                  <a:pos x="csX144" y="csY144"/>
+                </a:cxn>
+                <a:cxn ang="0">
+                  <a:pos x="csX145" y="csY145"/>
+                </a:cxn>
+                <a:cxn ang="0">
+                  <a:pos x="csX146" y="csY146"/>
+                </a:cxn>
+                <a:cxn ang="0">
+                  <a:pos x="csX147" y="csY147"/>
+                </a:cxn>
+                <a:cxn ang="0">
+                  <a:pos x="csX148" y="csY148"/>
+                </a:cxn>
+                <a:cxn ang="0">
+                  <a:pos x="csX149" y="csY149"/>
+                </a:cxn>
+                <a:cxn ang="0">
+                  <a:pos x="csX150" y="csY150"/>
+                </a:cxn>
+                <a:cxn ang="0">
+                  <a:pos x="csX151" y="csY151"/>
+                </a:cxn>
+                <a:cxn ang="0">
+                  <a:pos x="csX152" y="csY152"/>
+                </a:cxn>
+                <a:cxn ang="0">
+                  <a:pos x="csX153" y="csY153"/>
+                </a:cxn>
+                <a:cxn ang="0">
+                  <a:pos x="csX154" y="csY154"/>
+                </a:cxn>
+                <a:cxn ang="0">
+                  <a:pos x="csX155" y="csY155"/>
+                </a:cxn>
+                <a:cxn ang="0">
+                  <a:pos x="csX156" y="csY156"/>
+                </a:cxn>
+                <a:cxn ang="0">
+                  <a:pos x="csX157" y="csY157"/>
+                </a:cxn>
+                <a:cxn ang="0">
+                  <a:pos x="csX158" y="csY158"/>
+                </a:cxn>
+                <a:cxn ang="0">
+                  <a:pos x="csX159" y="csY159"/>
+                </a:cxn>
+                <a:cxn ang="0">
+                  <a:pos x="csX160" y="csY160"/>
+                </a:cxn>
+                <a:cxn ang="0">
+                  <a:pos x="csX161" y="csY161"/>
+                </a:cxn>
+                <a:cxn ang="0">
+                  <a:pos x="csX162" y="csY162"/>
+                </a:cxn>
+                <a:cxn ang="0">
+                  <a:pos x="csX163" y="csY163"/>
+                </a:cxn>
+                <a:cxn ang="0">
+                  <a:pos x="csX164" y="csY164"/>
+                </a:cxn>
+                <a:cxn ang="0">
+                  <a:pos x="csX165" y="csY165"/>
+                </a:cxn>
+                <a:cxn ang="0">
+                  <a:pos x="csX166" y="csY166"/>
+                </a:cxn>
+                <a:cxn ang="0">
+                  <a:pos x="csX167" y="csY167"/>
+                </a:cxn>
+                <a:cxn ang="0">
+                  <a:pos x="csX168" y="csY168"/>
+                </a:cxn>
+                <a:cxn ang="0">
+                  <a:pos x="csX169" y="csY169"/>
+                </a:cxn>
+                <a:cxn ang="0">
+                  <a:pos x="csX170" y="csY170"/>
+                </a:cxn>
+                <a:cxn ang="0">
+                  <a:pos x="csX171" y="csY171"/>
+                </a:cxn>
+                <a:cxn ang="0">
+                  <a:pos x="csX172" y="csY172"/>
+                </a:cxn>
+                <a:cxn ang="0">
+                  <a:pos x="csX173" y="csY173"/>
+                </a:cxn>
+                <a:cxn ang="0">
+                  <a:pos x="csX174" y="csY174"/>
+                </a:cxn>
+                <a:cxn ang="0">
+                  <a:pos x="csX175" y="csY175"/>
+                </a:cxn>
+                <a:cxn ang="0">
+                  <a:pos x="csX176" y="csY176"/>
+                </a:cxn>
+                <a:cxn ang="0">
+                  <a:pos x="csX177" y="csY177"/>
+                </a:cxn>
+                <a:cxn ang="0">
+                  <a:pos x="csX178" y="csY178"/>
+                </a:cxn>
+                <a:cxn ang="0">
+                  <a:pos x="csX179" y="csY179"/>
+                </a:cxn>
+                <a:cxn ang="0">
+                  <a:pos x="csX180" y="csY180"/>
+                </a:cxn>
+                <a:cxn ang="0">
+                  <a:pos x="csX181" y="csY181"/>
+                </a:cxn>
+                <a:cxn ang="0">
+                  <a:pos x="csX182" y="csY182"/>
+                </a:cxn>
+                <a:cxn ang="0">
+                  <a:pos x="csX183" y="csY183"/>
+                </a:cxn>
+                <a:cxn ang="0">
+                  <a:pos x="csX184" y="csY184"/>
+                </a:cxn>
+                <a:cxn ang="0">
+                  <a:pos x="csX185" y="csY185"/>
+                </a:cxn>
+                <a:cxn ang="0">
+                  <a:pos x="csX186" y="csY186"/>
+                </a:cxn>
+                <a:cxn ang="0">
+                  <a:pos x="csX187" y="csY187"/>
+                </a:cxn>
+                <a:cxn ang="0">
+                  <a:pos x="csX188" y="csY188"/>
+                </a:cxn>
+                <a:cxn ang="0">
+                  <a:pos x="csX189" y="csY189"/>
+                </a:cxn>
+                <a:cxn ang="0">
+                  <a:pos x="csX190" y="csY190"/>
+                </a:cxn>
+                <a:cxn ang="0">
+                  <a:pos x="csX191" y="csY191"/>
+                </a:cxn>
+                <a:cxn ang="0">
+                  <a:pos x="csX192" y="csY192"/>
+                </a:cxn>
+                <a:cxn ang="0">
+                  <a:pos x="csX193" y="csY193"/>
+                </a:cxn>
+                <a:cxn ang="0">
+                  <a:pos x="csX194" y="csY194"/>
+                </a:cxn>
+                <a:cxn ang="0">
+                  <a:pos x="csX195" y="csY195"/>
+                </a:cxn>
+                <a:cxn ang="0">
+                  <a:pos x="csX196" y="csY196"/>
+                </a:cxn>
+              </a:cxnLst>
+              <a:rect l="l" t="t" r="r" b="b"/>
+              <a:pathLst>
+                <a:path w="6562673" h="1529917">
+                  <a:moveTo>
+                    <a:pt x="627041" y="-2"/>
+                  </a:moveTo>
+                  <a:lnTo>
+                    <a:pt x="627041" y="437608"/>
+                  </a:lnTo>
+                  <a:lnTo>
+                    <a:pt x="623767" y="437608"/>
+                  </a:lnTo>
+                  <a:cubicBezTo>
+                    <a:pt x="597644" y="394971"/>
+                    <a:pt x="561730" y="362912"/>
+                    <a:pt x="516006" y="341590"/>
+                  </a:cubicBezTo>
+                  <a:cubicBezTo>
+                    <a:pt x="471378" y="319153"/>
+                    <a:pt x="423953" y="307969"/>
+                    <a:pt x="373880" y="307969"/>
+                  </a:cubicBezTo>
+                  <a:cubicBezTo>
+                    <a:pt x="311832" y="307969"/>
+                    <a:pt x="257412" y="320894"/>
+                    <a:pt x="210605" y="346698"/>
+                  </a:cubicBezTo>
+                  <a:cubicBezTo>
+                    <a:pt x="163798" y="371379"/>
+                    <a:pt x="124598" y="404433"/>
+                    <a:pt x="93028" y="445948"/>
+                  </a:cubicBezTo>
+                  <a:cubicBezTo>
+                    <a:pt x="62549" y="487463"/>
+                    <a:pt x="39238" y="535800"/>
+                    <a:pt x="22909" y="590781"/>
+                  </a:cubicBezTo>
+                  <a:cubicBezTo>
+                    <a:pt x="7669" y="644633"/>
+                    <a:pt x="-3" y="700679"/>
+                    <a:pt x="-3" y="759027"/>
+                  </a:cubicBezTo>
+                  <a:cubicBezTo>
+                    <a:pt x="-3" y="819612"/>
+                    <a:pt x="7669" y="877896"/>
+                    <a:pt x="22909" y="933993"/>
+                  </a:cubicBezTo>
+                  <a:cubicBezTo>
+                    <a:pt x="39237" y="990090"/>
+                    <a:pt x="62548" y="1040047"/>
+                    <a:pt x="93028" y="1083806"/>
+                  </a:cubicBezTo>
+                  <a:cubicBezTo>
+                    <a:pt x="124597" y="1126443"/>
+                    <a:pt x="164347" y="1160740"/>
+                    <a:pt x="212242" y="1186544"/>
+                  </a:cubicBezTo>
+                  <a:cubicBezTo>
+                    <a:pt x="260139" y="1211226"/>
+                    <a:pt x="315652" y="1223531"/>
+                    <a:pt x="378791" y="1223531"/>
+                  </a:cubicBezTo>
+                  <a:cubicBezTo>
+                    <a:pt x="434304" y="1223531"/>
+                    <a:pt x="483921" y="1213463"/>
+                    <a:pt x="527460" y="1193270"/>
+                  </a:cubicBezTo>
+                  <a:cubicBezTo>
+                    <a:pt x="572094" y="1171949"/>
+                    <a:pt x="608008" y="1137652"/>
+                    <a:pt x="635220" y="1090526"/>
+                  </a:cubicBezTo>
+                  <a:lnTo>
+                    <a:pt x="638495" y="1090526"/>
+                  </a:lnTo>
+                  <a:lnTo>
+                    <a:pt x="638495" y="1201610"/>
+                  </a:lnTo>
+                  <a:lnTo>
+                    <a:pt x="858921" y="1201610"/>
+                  </a:lnTo>
+                  <a:lnTo>
+                    <a:pt x="858921" y="-28"/>
+                  </a:lnTo>
+                  <a:close/>
+                  <a:moveTo>
+                    <a:pt x="1456886" y="307969"/>
+                  </a:moveTo>
+                  <a:cubicBezTo>
+                    <a:pt x="1390485" y="307969"/>
+                    <a:pt x="1330582" y="319153"/>
+                    <a:pt x="1277246" y="341590"/>
+                  </a:cubicBezTo>
+                  <a:cubicBezTo>
+                    <a:pt x="1223904" y="362912"/>
+                    <a:pt x="1178258" y="393855"/>
+                    <a:pt x="1140153" y="434241"/>
+                  </a:cubicBezTo>
+                  <a:cubicBezTo>
+                    <a:pt x="1102054" y="473512"/>
+                    <a:pt x="1072586" y="521728"/>
+                    <a:pt x="1051909" y="578947"/>
+                  </a:cubicBezTo>
+                  <a:cubicBezTo>
+                    <a:pt x="1031225" y="635050"/>
+                    <a:pt x="1020939" y="697925"/>
+                    <a:pt x="1020939" y="767488"/>
+                  </a:cubicBezTo>
+                  <a:cubicBezTo>
+                    <a:pt x="1020939" y="837051"/>
+                    <a:pt x="1031225" y="899804"/>
+                    <a:pt x="1051909" y="955908"/>
+                  </a:cubicBezTo>
+                  <a:cubicBezTo>
+                    <a:pt x="1072592" y="1012011"/>
+                    <a:pt x="1102054" y="1060227"/>
+                    <a:pt x="1140153" y="1100613"/>
+                  </a:cubicBezTo>
+                  <a:cubicBezTo>
+                    <a:pt x="1178251" y="1139883"/>
+                    <a:pt x="1223904" y="1170202"/>
+                    <a:pt x="1277246" y="1191523"/>
+                  </a:cubicBezTo>
+                  <a:cubicBezTo>
+                    <a:pt x="1330588" y="1212845"/>
+                    <a:pt x="1390485" y="1223531"/>
+                    <a:pt x="1456886" y="1223531"/>
+                  </a:cubicBezTo>
+                  <a:cubicBezTo>
+                    <a:pt x="1523286" y="1223531"/>
+                    <a:pt x="1583190" y="1212845"/>
+                    <a:pt x="1636525" y="1191523"/>
+                  </a:cubicBezTo>
+                  <a:cubicBezTo>
+                    <a:pt x="1690950" y="1170208"/>
+                    <a:pt x="1737151" y="1139883"/>
+                    <a:pt x="1775250" y="1100613"/>
+                  </a:cubicBezTo>
+                  <a:cubicBezTo>
+                    <a:pt x="1813348" y="1060227"/>
+                    <a:pt x="1842817" y="1012005"/>
+                    <a:pt x="1863494" y="955908"/>
+                  </a:cubicBezTo>
+                  <a:cubicBezTo>
+                    <a:pt x="1884177" y="899811"/>
+                    <a:pt x="1894464" y="837051"/>
+                    <a:pt x="1894464" y="767488"/>
+                  </a:cubicBezTo>
+                  <a:cubicBezTo>
+                    <a:pt x="1894464" y="697925"/>
+                    <a:pt x="1884177" y="635044"/>
+                    <a:pt x="1863494" y="578947"/>
+                  </a:cubicBezTo>
+                  <a:cubicBezTo>
+                    <a:pt x="1842810" y="521728"/>
+                    <a:pt x="1813348" y="473512"/>
+                    <a:pt x="1775250" y="434241"/>
+                  </a:cubicBezTo>
+                  <a:cubicBezTo>
+                    <a:pt x="1737151" y="393855"/>
+                    <a:pt x="1690950" y="362906"/>
+                    <a:pt x="1636525" y="341590"/>
+                  </a:cubicBezTo>
+                  <a:cubicBezTo>
+                    <a:pt x="1583183" y="319153"/>
+                    <a:pt x="1523286" y="307969"/>
+                    <a:pt x="1456886" y="307969"/>
+                  </a:cubicBezTo>
+                  <a:close/>
+                  <a:moveTo>
+                    <a:pt x="4145583" y="307969"/>
+                  </a:moveTo>
+                  <a:cubicBezTo>
+                    <a:pt x="4086801" y="307969"/>
+                    <a:pt x="4034574" y="319778"/>
+                    <a:pt x="3988857" y="343337"/>
+                  </a:cubicBezTo>
+                  <a:cubicBezTo>
+                    <a:pt x="3944229" y="366897"/>
+                    <a:pt x="3906665" y="398835"/>
+                    <a:pt x="3876191" y="439228"/>
+                  </a:cubicBezTo>
+                  <a:cubicBezTo>
+                    <a:pt x="3845711" y="478498"/>
+                    <a:pt x="3822275" y="524476"/>
+                    <a:pt x="3805949" y="577212"/>
+                  </a:cubicBezTo>
+                  <a:cubicBezTo>
+                    <a:pt x="3790706" y="628821"/>
+                    <a:pt x="3783165" y="682756"/>
+                    <a:pt x="3783165" y="738859"/>
+                  </a:cubicBezTo>
+                  <a:cubicBezTo>
+                    <a:pt x="3783165" y="798322"/>
+                    <a:pt x="3789617" y="854993"/>
+                    <a:pt x="3802675" y="908846"/>
+                  </a:cubicBezTo>
+                  <a:cubicBezTo>
+                    <a:pt x="3816829" y="961576"/>
+                    <a:pt x="3838621" y="1008058"/>
+                    <a:pt x="3868012" y="1048450"/>
+                  </a:cubicBezTo>
+                  <a:cubicBezTo>
+                    <a:pt x="3897403" y="1087721"/>
+                    <a:pt x="3934960" y="1119161"/>
+                    <a:pt x="3980678" y="1142721"/>
+                  </a:cubicBezTo>
+                  <a:cubicBezTo>
+                    <a:pt x="4026395" y="1165158"/>
+                    <a:pt x="4080813" y="1176469"/>
+                    <a:pt x="4143952" y="1176469"/>
+                  </a:cubicBezTo>
+                  <a:cubicBezTo>
+                    <a:pt x="4195116" y="1176469"/>
+                    <a:pt x="4243508" y="1165783"/>
+                    <a:pt x="4289225" y="1144462"/>
+                  </a:cubicBezTo>
+                  <a:cubicBezTo>
+                    <a:pt x="4336032" y="1122024"/>
+                    <a:pt x="4371945" y="1087727"/>
+                    <a:pt x="4396986" y="1041723"/>
+                  </a:cubicBezTo>
+                  <a:lnTo>
+                    <a:pt x="4400260" y="1041723"/>
+                  </a:lnTo>
+                  <a:lnTo>
+                    <a:pt x="4400260" y="1156168"/>
+                  </a:lnTo>
+                  <a:cubicBezTo>
+                    <a:pt x="4401349" y="1217882"/>
+                    <a:pt x="4386679" y="1268955"/>
+                    <a:pt x="4356199" y="1309341"/>
+                  </a:cubicBezTo>
+                  <a:cubicBezTo>
+                    <a:pt x="4326808" y="1349733"/>
+                    <a:pt x="4279512" y="1369990"/>
+                    <a:pt x="4214201" y="1369990"/>
+                  </a:cubicBezTo>
+                  <a:cubicBezTo>
+                    <a:pt x="4172834" y="1369990"/>
+                    <a:pt x="4136372" y="1360917"/>
+                    <a:pt x="4104803" y="1342968"/>
+                  </a:cubicBezTo>
+                  <a:cubicBezTo>
+                    <a:pt x="4073233" y="1326135"/>
+                    <a:pt x="4051989" y="1295320"/>
+                    <a:pt x="4041103" y="1250438"/>
+                  </a:cubicBezTo>
+                  <a:lnTo>
+                    <a:pt x="3810854" y="1250438"/>
+                  </a:lnTo>
+                  <a:cubicBezTo>
+                    <a:pt x="3814122" y="1299802"/>
+                    <a:pt x="3827148" y="1341935"/>
+                    <a:pt x="3850003" y="1376717"/>
+                  </a:cubicBezTo>
+                  <a:cubicBezTo>
+                    <a:pt x="3873955" y="1412621"/>
+                    <a:pt x="3903417" y="1441702"/>
+                    <a:pt x="3938247" y="1464139"/>
+                  </a:cubicBezTo>
+                  <a:cubicBezTo>
+                    <a:pt x="3974174" y="1486577"/>
+                    <a:pt x="4013375" y="1502855"/>
+                    <a:pt x="4055824" y="1512955"/>
+                  </a:cubicBezTo>
+                  <a:cubicBezTo>
+                    <a:pt x="4099370" y="1524177"/>
+                    <a:pt x="4141728" y="1529890"/>
+                    <a:pt x="4183095" y="1529890"/>
+                  </a:cubicBezTo>
+                  <a:cubicBezTo>
+                    <a:pt x="4279976" y="1529890"/>
+                    <a:pt x="4357282" y="1516347"/>
+                    <a:pt x="4414981" y="1489421"/>
+                  </a:cubicBezTo>
+                  <a:cubicBezTo>
+                    <a:pt x="4472674" y="1462488"/>
+                    <a:pt x="4516806" y="1429434"/>
+                    <a:pt x="4547286" y="1390170"/>
+                  </a:cubicBezTo>
+                  <a:cubicBezTo>
+                    <a:pt x="4577766" y="1352022"/>
+                    <a:pt x="4597366" y="1310508"/>
+                    <a:pt x="4606081" y="1265633"/>
+                  </a:cubicBezTo>
+                  <a:cubicBezTo>
+                    <a:pt x="4615878" y="1220758"/>
+                    <a:pt x="4620680" y="1180869"/>
+                    <a:pt x="4620680" y="1146081"/>
+                  </a:cubicBezTo>
+                  <a:lnTo>
+                    <a:pt x="4620680" y="331535"/>
+                  </a:lnTo>
+                  <a:lnTo>
+                    <a:pt x="4400254" y="331535"/>
+                  </a:lnTo>
+                  <a:lnTo>
+                    <a:pt x="4400254" y="447733"/>
+                  </a:lnTo>
+                  <a:lnTo>
+                    <a:pt x="4396979" y="447733"/>
+                  </a:lnTo>
+                  <a:cubicBezTo>
+                    <a:pt x="4368678" y="397241"/>
+                    <a:pt x="4333312" y="361324"/>
+                    <a:pt x="4290856" y="340003"/>
+                  </a:cubicBezTo>
+                  <a:cubicBezTo>
+                    <a:pt x="4249489" y="318687"/>
+                    <a:pt x="4201097" y="308001"/>
+                    <a:pt x="4145583" y="308001"/>
+                  </a:cubicBezTo>
+                  <a:close/>
+                  <a:moveTo>
+                    <a:pt x="5210556" y="307969"/>
+                  </a:moveTo>
+                  <a:cubicBezTo>
+                    <a:pt x="5146334" y="307969"/>
+                    <a:pt x="5087526" y="319778"/>
+                    <a:pt x="5034191" y="343337"/>
+                  </a:cubicBezTo>
+                  <a:cubicBezTo>
+                    <a:pt x="4981938" y="366897"/>
+                    <a:pt x="4936710" y="399460"/>
+                    <a:pt x="4898612" y="440968"/>
+                  </a:cubicBezTo>
+                  <a:cubicBezTo>
+                    <a:pt x="4860513" y="481361"/>
+                    <a:pt x="4831173" y="529577"/>
+                    <a:pt x="4810490" y="585674"/>
+                  </a:cubicBezTo>
+                  <a:cubicBezTo>
+                    <a:pt x="4789807" y="641770"/>
+                    <a:pt x="4779520" y="702420"/>
+                    <a:pt x="4779520" y="767494"/>
+                  </a:cubicBezTo>
+                  <a:cubicBezTo>
+                    <a:pt x="4779520" y="834813"/>
+                    <a:pt x="4789259" y="896451"/>
+                    <a:pt x="4808853" y="952547"/>
+                  </a:cubicBezTo>
+                  <a:cubicBezTo>
+                    <a:pt x="4829536" y="1008644"/>
+                    <a:pt x="4858328" y="1056867"/>
+                    <a:pt x="4895337" y="1097253"/>
+                  </a:cubicBezTo>
+                  <a:cubicBezTo>
+                    <a:pt x="4932347" y="1137645"/>
+                    <a:pt x="4977580" y="1169086"/>
+                    <a:pt x="5030916" y="1191523"/>
+                  </a:cubicBezTo>
+                  <a:cubicBezTo>
+                    <a:pt x="5084258" y="1212839"/>
+                    <a:pt x="5144156" y="1223525"/>
+                    <a:pt x="5210556" y="1223525"/>
+                  </a:cubicBezTo>
+                  <a:cubicBezTo>
+                    <a:pt x="5306347" y="1223525"/>
+                    <a:pt x="5387914" y="1201036"/>
+                    <a:pt x="5455403" y="1156155"/>
+                  </a:cubicBezTo>
+                  <a:cubicBezTo>
+                    <a:pt x="5522893" y="1111280"/>
+                    <a:pt x="5573058" y="1036712"/>
+                    <a:pt x="5605710" y="932367"/>
+                  </a:cubicBezTo>
+                  <a:lnTo>
+                    <a:pt x="5401520" y="932367"/>
+                  </a:lnTo>
+                  <a:cubicBezTo>
+                    <a:pt x="5393901" y="959300"/>
+                    <a:pt x="5373205" y="985148"/>
+                    <a:pt x="5339457" y="1009824"/>
+                  </a:cubicBezTo>
+                  <a:cubicBezTo>
+                    <a:pt x="5305716" y="1033390"/>
+                    <a:pt x="5265542" y="1045071"/>
+                    <a:pt x="5218735" y="1045071"/>
+                  </a:cubicBezTo>
+                  <a:cubicBezTo>
+                    <a:pt x="5153424" y="1045071"/>
+                    <a:pt x="5103259" y="1027670"/>
+                    <a:pt x="5068428" y="992889"/>
+                  </a:cubicBezTo>
+                  <a:cubicBezTo>
+                    <a:pt x="5033598" y="958107"/>
+                    <a:pt x="5014545" y="902062"/>
+                    <a:pt x="5011277" y="824643"/>
+                  </a:cubicBezTo>
+                  <a:lnTo>
+                    <a:pt x="5620315" y="824643"/>
+                  </a:lnTo>
+                  <a:cubicBezTo>
+                    <a:pt x="5624673" y="757324"/>
+                    <a:pt x="5619317" y="692830"/>
+                    <a:pt x="5604079" y="631116"/>
+                  </a:cubicBezTo>
+                  <a:cubicBezTo>
+                    <a:pt x="5588836" y="569408"/>
+                    <a:pt x="5563757" y="514478"/>
+                    <a:pt x="5528926" y="466237"/>
+                  </a:cubicBezTo>
+                  <a:cubicBezTo>
+                    <a:pt x="5495178" y="417995"/>
+                    <a:pt x="5451588" y="379841"/>
+                    <a:pt x="5398252" y="351792"/>
+                  </a:cubicBezTo>
+                  <a:cubicBezTo>
+                    <a:pt x="5344917" y="322622"/>
+                    <a:pt x="5282403" y="307957"/>
+                    <a:pt x="5210562" y="307957"/>
+                  </a:cubicBezTo>
+                  <a:close/>
+                  <a:moveTo>
+                    <a:pt x="6254001" y="307969"/>
+                  </a:moveTo>
+                  <a:cubicBezTo>
+                    <a:pt x="6205016" y="307969"/>
+                    <a:pt x="6157172" y="319778"/>
+                    <a:pt x="6110366" y="343337"/>
+                  </a:cubicBezTo>
+                  <a:cubicBezTo>
+                    <a:pt x="6063559" y="365775"/>
+                    <a:pt x="6025454" y="402189"/>
+                    <a:pt x="5996063" y="452675"/>
+                  </a:cubicBezTo>
+                  <a:lnTo>
+                    <a:pt x="5991151" y="452675"/>
+                  </a:lnTo>
+                  <a:lnTo>
+                    <a:pt x="5991151" y="331503"/>
+                  </a:lnTo>
+                  <a:lnTo>
+                    <a:pt x="5770725" y="331503"/>
+                  </a:lnTo>
+                  <a:lnTo>
+                    <a:pt x="5770725" y="1201585"/>
+                  </a:lnTo>
+                  <a:lnTo>
+                    <a:pt x="6002611" y="1201585"/>
+                  </a:lnTo>
+                  <a:lnTo>
+                    <a:pt x="6002611" y="745548"/>
+                  </a:lnTo>
+                  <a:cubicBezTo>
+                    <a:pt x="6002611" y="656914"/>
+                    <a:pt x="6016733" y="593535"/>
+                    <a:pt x="6045035" y="555387"/>
+                  </a:cubicBezTo>
+                  <a:cubicBezTo>
+                    <a:pt x="6073337" y="516117"/>
+                    <a:pt x="6119118" y="496485"/>
+                    <a:pt x="6182251" y="496485"/>
+                  </a:cubicBezTo>
+                  <a:cubicBezTo>
+                    <a:pt x="6237758" y="496485"/>
+                    <a:pt x="6276431" y="514376"/>
+                    <a:pt x="6298216" y="550280"/>
+                  </a:cubicBezTo>
+                  <a:cubicBezTo>
+                    <a:pt x="6319937" y="585061"/>
+                    <a:pt x="6330766" y="638372"/>
+                    <a:pt x="6330766" y="710180"/>
+                  </a:cubicBezTo>
+                  <a:lnTo>
+                    <a:pt x="6330766" y="1201585"/>
+                  </a:lnTo>
+                  <a:lnTo>
+                    <a:pt x="6562671" y="1201585"/>
+                  </a:lnTo>
+                  <a:lnTo>
+                    <a:pt x="6562671" y="666465"/>
+                  </a:lnTo>
+                  <a:cubicBezTo>
+                    <a:pt x="6562671" y="612613"/>
+                    <a:pt x="6557773" y="563772"/>
+                    <a:pt x="6547976" y="520013"/>
+                  </a:cubicBezTo>
+                  <a:cubicBezTo>
+                    <a:pt x="6539210" y="475131"/>
+                    <a:pt x="6523483" y="437602"/>
+                    <a:pt x="6500602" y="407309"/>
+                  </a:cubicBezTo>
+                  <a:cubicBezTo>
+                    <a:pt x="6477785" y="375894"/>
+                    <a:pt x="6446203" y="351658"/>
+                    <a:pt x="6405919" y="334832"/>
+                  </a:cubicBezTo>
+                  <a:cubicBezTo>
+                    <a:pt x="6366731" y="316883"/>
+                    <a:pt x="6316070" y="307931"/>
+                    <a:pt x="6254001" y="307931"/>
+                  </a:cubicBezTo>
+                  <a:close/>
+                  <a:moveTo>
+                    <a:pt x="1995979" y="331503"/>
+                  </a:moveTo>
+                  <a:lnTo>
+                    <a:pt x="2273556" y="743832"/>
+                  </a:lnTo>
+                  <a:lnTo>
+                    <a:pt x="1969791" y="1201617"/>
+                  </a:lnTo>
+                  <a:lnTo>
+                    <a:pt x="2229496" y="1201617"/>
+                  </a:lnTo>
+                  <a:lnTo>
+                    <a:pt x="2405861" y="927272"/>
+                  </a:lnTo>
+                  <a:lnTo>
+                    <a:pt x="2582104" y="1201617"/>
+                  </a:lnTo>
+                  <a:lnTo>
+                    <a:pt x="2846720" y="1201617"/>
+                  </a:lnTo>
+                  <a:lnTo>
+                    <a:pt x="2534775" y="738853"/>
+                  </a:lnTo>
+                  <a:lnTo>
+                    <a:pt x="2812353" y="331503"/>
+                  </a:lnTo>
+                  <a:lnTo>
+                    <a:pt x="2556045" y="331503"/>
+                  </a:lnTo>
+                  <a:lnTo>
+                    <a:pt x="2409135" y="558779"/>
+                  </a:lnTo>
+                  <a:lnTo>
+                    <a:pt x="2260466" y="331503"/>
+                  </a:lnTo>
+                  <a:close/>
+                  <a:moveTo>
+                    <a:pt x="2851605" y="331503"/>
+                  </a:moveTo>
+                  <a:lnTo>
+                    <a:pt x="3147062" y="1147834"/>
+                  </a:lnTo>
+                  <a:cubicBezTo>
+                    <a:pt x="3153591" y="1164667"/>
+                    <a:pt x="3156878" y="1182565"/>
+                    <a:pt x="3156878" y="1201636"/>
+                  </a:cubicBezTo>
+                  <a:cubicBezTo>
+                    <a:pt x="3156878" y="1227440"/>
+                    <a:pt x="3149337" y="1251051"/>
+                    <a:pt x="3134094" y="1272372"/>
+                  </a:cubicBezTo>
+                  <a:cubicBezTo>
+                    <a:pt x="3119946" y="1293687"/>
+                    <a:pt x="3097607" y="1305993"/>
+                    <a:pt x="3067120" y="1309360"/>
+                  </a:cubicBezTo>
+                  <a:cubicBezTo>
+                    <a:pt x="3044258" y="1310482"/>
+                    <a:pt x="3021371" y="1309985"/>
+                    <a:pt x="2998509" y="1307740"/>
+                  </a:cubicBezTo>
+                  <a:cubicBezTo>
+                    <a:pt x="2975653" y="1305496"/>
+                    <a:pt x="2953307" y="1303258"/>
+                    <a:pt x="2931534" y="1301014"/>
+                  </a:cubicBezTo>
+                  <a:lnTo>
+                    <a:pt x="2931534" y="1497901"/>
+                  </a:lnTo>
+                  <a:cubicBezTo>
+                    <a:pt x="2955486" y="1500145"/>
+                    <a:pt x="2978921" y="1501758"/>
+                    <a:pt x="3001776" y="1502881"/>
+                  </a:cubicBezTo>
+                  <a:cubicBezTo>
+                    <a:pt x="3025728" y="1505125"/>
+                    <a:pt x="3049711" y="1506247"/>
+                    <a:pt x="3073656" y="1506247"/>
+                  </a:cubicBezTo>
+                  <a:cubicBezTo>
+                    <a:pt x="3153121" y="1506247"/>
+                    <a:pt x="3215087" y="1491085"/>
+                    <a:pt x="3259715" y="1460792"/>
+                  </a:cubicBezTo>
+                  <a:cubicBezTo>
+                    <a:pt x="3304349" y="1430499"/>
+                    <a:pt x="3339161" y="1380045"/>
+                    <a:pt x="3364201" y="1309360"/>
+                  </a:cubicBezTo>
+                  <a:lnTo>
+                    <a:pt x="3716938" y="331523"/>
+                  </a:lnTo>
+                  <a:lnTo>
+                    <a:pt x="3476873" y="331523"/>
+                  </a:lnTo>
+                  <a:lnTo>
+                    <a:pt x="3292451" y="927292"/>
+                  </a:lnTo>
+                  <a:lnTo>
+                    <a:pt x="3289177" y="927292"/>
+                  </a:lnTo>
+                  <a:lnTo>
+                    <a:pt x="3098084" y="331523"/>
+                  </a:lnTo>
+                  <a:close/>
+                  <a:moveTo>
+                    <a:pt x="435871" y="488043"/>
+                  </a:moveTo>
+                  <a:cubicBezTo>
+                    <a:pt x="473969" y="488043"/>
+                    <a:pt x="505629" y="495873"/>
+                    <a:pt x="530663" y="511583"/>
+                  </a:cubicBezTo>
+                  <a:cubicBezTo>
+                    <a:pt x="555697" y="527288"/>
+                    <a:pt x="575723" y="548042"/>
+                    <a:pt x="590960" y="573846"/>
+                  </a:cubicBezTo>
+                  <a:cubicBezTo>
+                    <a:pt x="607292" y="598534"/>
+                    <a:pt x="618797" y="627737"/>
+                    <a:pt x="625327" y="661390"/>
+                  </a:cubicBezTo>
+                  <a:cubicBezTo>
+                    <a:pt x="631862" y="693927"/>
+                    <a:pt x="635149" y="728224"/>
+                    <a:pt x="635149" y="764128"/>
+                  </a:cubicBezTo>
+                  <a:cubicBezTo>
+                    <a:pt x="635149" y="800031"/>
+                    <a:pt x="631862" y="834705"/>
+                    <a:pt x="625327" y="868364"/>
+                  </a:cubicBezTo>
+                  <a:cubicBezTo>
+                    <a:pt x="618797" y="902023"/>
+                    <a:pt x="607840" y="932348"/>
+                    <a:pt x="592597" y="959274"/>
+                  </a:cubicBezTo>
+                  <a:cubicBezTo>
+                    <a:pt x="577360" y="985085"/>
+                    <a:pt x="556786" y="1005832"/>
+                    <a:pt x="530663" y="1021543"/>
+                  </a:cubicBezTo>
+                  <a:cubicBezTo>
+                    <a:pt x="505629" y="1037254"/>
+                    <a:pt x="473969" y="1045077"/>
+                    <a:pt x="435871" y="1045077"/>
+                  </a:cubicBezTo>
+                  <a:cubicBezTo>
+                    <a:pt x="399950" y="1045077"/>
+                    <a:pt x="368967" y="1037254"/>
+                    <a:pt x="342838" y="1021543"/>
+                  </a:cubicBezTo>
+                  <a:cubicBezTo>
+                    <a:pt x="317801" y="1004710"/>
+                    <a:pt x="296556" y="983465"/>
+                    <a:pt x="279139" y="957655"/>
+                  </a:cubicBezTo>
+                  <a:cubicBezTo>
+                    <a:pt x="262811" y="930729"/>
+                    <a:pt x="250881" y="900404"/>
+                    <a:pt x="243261" y="866744"/>
+                  </a:cubicBezTo>
+                  <a:cubicBezTo>
+                    <a:pt x="235642" y="833085"/>
+                    <a:pt x="231806" y="799407"/>
+                    <a:pt x="231806" y="765747"/>
+                  </a:cubicBezTo>
+                  <a:cubicBezTo>
+                    <a:pt x="231806" y="729843"/>
+                    <a:pt x="235094" y="695668"/>
+                    <a:pt x="241625" y="663130"/>
+                  </a:cubicBezTo>
+                  <a:cubicBezTo>
+                    <a:pt x="249245" y="629471"/>
+                    <a:pt x="260627" y="599644"/>
+                    <a:pt x="275866" y="573840"/>
+                  </a:cubicBezTo>
+                  <a:cubicBezTo>
+                    <a:pt x="292194" y="548035"/>
+                    <a:pt x="313440" y="527281"/>
+                    <a:pt x="339565" y="511571"/>
+                  </a:cubicBezTo>
+                  <a:cubicBezTo>
+                    <a:pt x="365690" y="495866"/>
+                    <a:pt x="397772" y="488037"/>
+                    <a:pt x="435864" y="488037"/>
+                  </a:cubicBezTo>
+                  <a:close/>
+                  <a:moveTo>
+                    <a:pt x="1456821" y="488043"/>
+                  </a:moveTo>
+                  <a:cubicBezTo>
+                    <a:pt x="1496009" y="488043"/>
+                    <a:pt x="1528636" y="496497"/>
+                    <a:pt x="1554759" y="513324"/>
+                  </a:cubicBezTo>
+                  <a:cubicBezTo>
+                    <a:pt x="1581972" y="529035"/>
+                    <a:pt x="1603216" y="549789"/>
+                    <a:pt x="1618459" y="575593"/>
+                  </a:cubicBezTo>
+                  <a:cubicBezTo>
+                    <a:pt x="1634785" y="601397"/>
+                    <a:pt x="1646168" y="631097"/>
+                    <a:pt x="1652697" y="664756"/>
+                  </a:cubicBezTo>
+                  <a:cubicBezTo>
+                    <a:pt x="1659233" y="698416"/>
+                    <a:pt x="1662520" y="732713"/>
+                    <a:pt x="1662520" y="767494"/>
+                  </a:cubicBezTo>
+                  <a:cubicBezTo>
+                    <a:pt x="1662520" y="802276"/>
+                    <a:pt x="1659233" y="836452"/>
+                    <a:pt x="1652697" y="870111"/>
+                  </a:cubicBezTo>
+                  <a:cubicBezTo>
+                    <a:pt x="1646168" y="902648"/>
+                    <a:pt x="1634785" y="932348"/>
+                    <a:pt x="1618459" y="959274"/>
+                  </a:cubicBezTo>
+                  <a:cubicBezTo>
+                    <a:pt x="1603216" y="985078"/>
+                    <a:pt x="1581972" y="1005832"/>
+                    <a:pt x="1554759" y="1021537"/>
+                  </a:cubicBezTo>
+                  <a:cubicBezTo>
+                    <a:pt x="1528636" y="1037247"/>
+                    <a:pt x="1496009" y="1045077"/>
+                    <a:pt x="1456821" y="1045077"/>
+                  </a:cubicBezTo>
+                  <a:cubicBezTo>
+                    <a:pt x="1417633" y="1045077"/>
+                    <a:pt x="1385007" y="1037247"/>
+                    <a:pt x="1358884" y="1021537"/>
+                  </a:cubicBezTo>
+                  <a:cubicBezTo>
+                    <a:pt x="1332760" y="1005832"/>
+                    <a:pt x="1311510" y="985078"/>
+                    <a:pt x="1295184" y="959274"/>
+                  </a:cubicBezTo>
+                  <a:cubicBezTo>
+                    <a:pt x="1279947" y="932348"/>
+                    <a:pt x="1268983" y="902642"/>
+                    <a:pt x="1262454" y="870111"/>
+                  </a:cubicBezTo>
+                  <a:cubicBezTo>
+                    <a:pt x="1255925" y="836452"/>
+                    <a:pt x="1252638" y="802276"/>
+                    <a:pt x="1252638" y="767494"/>
+                  </a:cubicBezTo>
+                  <a:cubicBezTo>
+                    <a:pt x="1252638" y="732713"/>
+                    <a:pt x="1255925" y="698416"/>
+                    <a:pt x="1262454" y="664756"/>
+                  </a:cubicBezTo>
+                  <a:cubicBezTo>
+                    <a:pt x="1268983" y="631097"/>
+                    <a:pt x="1279947" y="601397"/>
+                    <a:pt x="1295184" y="575593"/>
+                  </a:cubicBezTo>
+                  <a:cubicBezTo>
+                    <a:pt x="1311510" y="549789"/>
+                    <a:pt x="1332760" y="529035"/>
+                    <a:pt x="1358884" y="513324"/>
+                  </a:cubicBezTo>
+                  <a:cubicBezTo>
+                    <a:pt x="1385007" y="496497"/>
+                    <a:pt x="1417633" y="488043"/>
+                    <a:pt x="1456821" y="488043"/>
+                  </a:cubicBezTo>
+                  <a:close/>
+                  <a:moveTo>
+                    <a:pt x="4202689" y="488043"/>
+                  </a:moveTo>
+                  <a:cubicBezTo>
+                    <a:pt x="4240788" y="488043"/>
+                    <a:pt x="4272319" y="495375"/>
+                    <a:pt x="4297359" y="509964"/>
+                  </a:cubicBezTo>
+                  <a:cubicBezTo>
+                    <a:pt x="4322393" y="524552"/>
+                    <a:pt x="4342548" y="544184"/>
+                    <a:pt x="4357785" y="568866"/>
+                  </a:cubicBezTo>
+                  <a:cubicBezTo>
+                    <a:pt x="4373022" y="593554"/>
+                    <a:pt x="4383985" y="622132"/>
+                    <a:pt x="4390515" y="654669"/>
+                  </a:cubicBezTo>
+                  <a:cubicBezTo>
+                    <a:pt x="4397044" y="686084"/>
+                    <a:pt x="4400208" y="719763"/>
+                    <a:pt x="4400208" y="755666"/>
+                  </a:cubicBezTo>
+                  <a:cubicBezTo>
+                    <a:pt x="4400208" y="787081"/>
+                    <a:pt x="4395948" y="817406"/>
+                    <a:pt x="4387240" y="846577"/>
+                  </a:cubicBezTo>
+                  <a:cubicBezTo>
+                    <a:pt x="4379622" y="874625"/>
+                    <a:pt x="4367569" y="899856"/>
+                    <a:pt x="4351236" y="922293"/>
+                  </a:cubicBezTo>
+                  <a:cubicBezTo>
+                    <a:pt x="4334910" y="944737"/>
+                    <a:pt x="4314214" y="962628"/>
+                    <a:pt x="4289174" y="976094"/>
+                  </a:cubicBezTo>
+                  <a:cubicBezTo>
+                    <a:pt x="4264140" y="989554"/>
+                    <a:pt x="4235348" y="996390"/>
+                    <a:pt x="4202696" y="996390"/>
+                  </a:cubicBezTo>
+                  <a:cubicBezTo>
+                    <a:pt x="4166769" y="996390"/>
+                    <a:pt x="4136882" y="988438"/>
+                    <a:pt x="4112937" y="972728"/>
+                  </a:cubicBezTo>
+                  <a:cubicBezTo>
+                    <a:pt x="4088986" y="957023"/>
+                    <a:pt x="4069385" y="936894"/>
+                    <a:pt x="4054142" y="912206"/>
+                  </a:cubicBezTo>
+                  <a:cubicBezTo>
+                    <a:pt x="4039994" y="887524"/>
+                    <a:pt x="4029579" y="860062"/>
+                    <a:pt x="4023049" y="829763"/>
+                  </a:cubicBezTo>
+                  <a:cubicBezTo>
+                    <a:pt x="4017610" y="798348"/>
+                    <a:pt x="4014870" y="766908"/>
+                    <a:pt x="4014870" y="735493"/>
+                  </a:cubicBezTo>
+                  <a:cubicBezTo>
+                    <a:pt x="4014870" y="702955"/>
+                    <a:pt x="4018157" y="672140"/>
+                    <a:pt x="4024687" y="642963"/>
+                  </a:cubicBezTo>
+                  <a:cubicBezTo>
+                    <a:pt x="4032305" y="612670"/>
+                    <a:pt x="4043817" y="586203"/>
+                    <a:pt x="4059053" y="563759"/>
+                  </a:cubicBezTo>
+                  <a:cubicBezTo>
+                    <a:pt x="4075380" y="540199"/>
+                    <a:pt x="4094980" y="521683"/>
+                    <a:pt x="4117842" y="508217"/>
+                  </a:cubicBezTo>
+                  <a:cubicBezTo>
+                    <a:pt x="4141793" y="494757"/>
+                    <a:pt x="4170037" y="488043"/>
+                    <a:pt x="4202689" y="488043"/>
+                  </a:cubicBezTo>
+                  <a:close/>
+                  <a:moveTo>
+                    <a:pt x="5203982" y="488043"/>
+                  </a:moveTo>
+                  <a:cubicBezTo>
+                    <a:pt x="5260585" y="488043"/>
+                    <a:pt x="5302532" y="503830"/>
+                    <a:pt x="5329744" y="535245"/>
+                  </a:cubicBezTo>
+                  <a:cubicBezTo>
+                    <a:pt x="5358046" y="566660"/>
+                    <a:pt x="5377646" y="612638"/>
+                    <a:pt x="5388533" y="673230"/>
+                  </a:cubicBezTo>
+                  <a:lnTo>
+                    <a:pt x="5011251" y="673230"/>
+                  </a:lnTo>
+                  <a:cubicBezTo>
+                    <a:pt x="5012340" y="656397"/>
+                    <a:pt x="5015628" y="637263"/>
+                    <a:pt x="5021074" y="615941"/>
+                  </a:cubicBezTo>
+                  <a:cubicBezTo>
+                    <a:pt x="5027603" y="594626"/>
+                    <a:pt x="5038012" y="574496"/>
+                    <a:pt x="5052167" y="555419"/>
+                  </a:cubicBezTo>
+                  <a:cubicBezTo>
+                    <a:pt x="5067404" y="536348"/>
+                    <a:pt x="5087004" y="520561"/>
+                    <a:pt x="5110955" y="508223"/>
+                  </a:cubicBezTo>
+                  <a:cubicBezTo>
+                    <a:pt x="5135989" y="494757"/>
+                    <a:pt x="5166972" y="488049"/>
+                    <a:pt x="5203988" y="488049"/>
+                  </a:cubicBezTo>
+                  <a:close/>
+                </a:path>
+              </a:pathLst>
+            </a:custGeom>
+            <a:solidFill>
+              <a:srgbClr val="000000">
+                <a:alpha val="30000"/>
+              </a:srgbClr>
+            </a:solidFill>
+            <a:ln w="64385" cap="flat">
+              <a:solidFill>
+                <a:srgbClr val="969696">
+                  <a:alpha val="30000"/>
+                </a:srgbClr>
+              </a:solidFill>
+              <a:prstDash val="solid"/>
+              <a:miter/>
+            </a:ln>
+          </p:spPr>
+          <p:txBody>
+            <a:bodyPr/>
+            <a:lstStyle/>
+            <a:p>
+              <a:endParaRPr lang="en-US"/>
+            </a:p>
+          </p:txBody>
+        </p:sp>
+        <p:sp>
+          <p:nvSpPr>
+            <p:cNvPr id="9" name="Freeform 8">
+              <a:extLst>
+                <a:ext uri="{FF2B5EF4-FFF2-40B4-BE49-F238E27FC236}">
+                  <a16:creationId xmlns:a16="http://schemas.microsoft.com/office/drawing/2014/main" id="{DABE19AB-D0AD-1DCF-5E77-E417B4E095D6}"/>
+                </a:ext>
+              </a:extLst>
+            </p:cNvPr>
+            <p:cNvSpPr/>
+            <p:nvPr/>
+          </p:nvSpPr>
+          <p:spPr>
+            <a:xfrm>
+              <a:off x="590763" y="5267316"/>
+              <a:ext cx="2813787" cy="213458"/>
+            </a:xfrm>
+            <a:custGeom>
+              <a:avLst/>
+              <a:gdLst>
+                <a:gd name="csX0" fmla="*/ 0 w 2813787"/>
+                <a:gd name="csY0" fmla="*/ 121 h 213458"/>
+                <a:gd name="csX1" fmla="*/ 2810514 w 2813787"/>
+                <a:gd name="csY1" fmla="*/ 0 h 213458"/>
+                <a:gd name="csX2" fmla="*/ 2813788 w 2813787"/>
+                <a:gd name="csY2" fmla="*/ 210800 h 213458"/>
+                <a:gd name="csX3" fmla="*/ 3597 w 2813787"/>
+                <a:gd name="csY3" fmla="*/ 213459 h 213458"/>
+              </a:gdLst>
+              <a:ahLst/>
+              <a:cxnLst>
+                <a:cxn ang="0">
+                  <a:pos x="csX0" y="csY0"/>
+                </a:cxn>
+                <a:cxn ang="0">
+                  <a:pos x="csX1" y="csY1"/>
+                </a:cxn>
+                <a:cxn ang="0">
+                  <a:pos x="csX2" y="csY2"/>
+                </a:cxn>
+                <a:cxn ang="0">
+                  <a:pos x="csX3" y="csY3"/>
+                </a:cxn>
+              </a:cxnLst>
+              <a:rect l="l" t="t" r="r" b="b"/>
+              <a:pathLst>
+                <a:path w="2813787" h="213458">
+                  <a:moveTo>
+                    <a:pt x="0" y="121"/>
+                  </a:moveTo>
+                  <a:lnTo>
+                    <a:pt x="2810514" y="0"/>
+                  </a:lnTo>
+                  <a:lnTo>
+                    <a:pt x="2813788" y="210800"/>
+                  </a:lnTo>
+                  <a:lnTo>
+                    <a:pt x="3597" y="213459"/>
+                  </a:lnTo>
+                  <a:close/>
+                </a:path>
+              </a:pathLst>
+            </a:custGeom>
+            <a:gradFill>
+              <a:gsLst>
+                <a:gs pos="0">
+                  <a:srgbClr val="5373B4"/>
+                </a:gs>
+                <a:gs pos="50000">
+                  <a:srgbClr val="6784BD"/>
+                </a:gs>
+                <a:gs pos="100000">
+                  <a:srgbClr val="7C95C6"/>
+                </a:gs>
+              </a:gsLst>
+              <a:lin ang="5400000" scaled="1"/>
+            </a:gradFill>
+            <a:ln w="32193" cap="flat">
+              <a:solidFill>
+                <a:srgbClr val="000000"/>
+              </a:solidFill>
+              <a:prstDash val="solid"/>
+              <a:miter/>
+            </a:ln>
+          </p:spPr>
+          <p:txBody>
+            <a:bodyPr/>
+            <a:lstStyle/>
+            <a:p>
+              <a:endParaRPr lang="en-US"/>
+            </a:p>
+          </p:txBody>
+        </p:sp>
+        <p:sp>
+          <p:nvSpPr>
+            <p:cNvPr id="10" name="Freeform 9">
+              <a:extLst>
+                <a:ext uri="{FF2B5EF4-FFF2-40B4-BE49-F238E27FC236}">
+                  <a16:creationId xmlns:a16="http://schemas.microsoft.com/office/drawing/2014/main" id="{E9DF139F-7F55-AAB3-1ADD-E2E803437DB5}"/>
+                </a:ext>
+              </a:extLst>
+            </p:cNvPr>
+            <p:cNvSpPr/>
+            <p:nvPr/>
+          </p:nvSpPr>
+          <p:spPr>
+            <a:xfrm>
+              <a:off x="563849" y="3953538"/>
+              <a:ext cx="6562673" cy="1529914"/>
+            </a:xfrm>
+            <a:custGeom>
+              <a:avLst/>
+              <a:gdLst>
+                <a:gd name="csX0" fmla="*/ 627044 w 6562673"/>
+                <a:gd name="csY0" fmla="*/ 22 h 1529914"/>
+                <a:gd name="csX1" fmla="*/ 627044 w 6562673"/>
+                <a:gd name="csY1" fmla="*/ 437633 h 1529914"/>
+                <a:gd name="csX2" fmla="*/ 623769 w 6562673"/>
+                <a:gd name="csY2" fmla="*/ 437633 h 1529914"/>
+                <a:gd name="csX3" fmla="*/ 516010 w 6562673"/>
+                <a:gd name="csY3" fmla="*/ 341615 h 1529914"/>
+                <a:gd name="csX4" fmla="*/ 373883 w 6562673"/>
+                <a:gd name="csY4" fmla="*/ 307991 h 1529914"/>
+                <a:gd name="csX5" fmla="*/ 210608 w 6562673"/>
+                <a:gd name="csY5" fmla="*/ 346721 h 1529914"/>
+                <a:gd name="csX6" fmla="*/ 93031 w 6562673"/>
+                <a:gd name="csY6" fmla="*/ 445973 h 1529914"/>
+                <a:gd name="csX7" fmla="*/ 22911 w 6562673"/>
+                <a:gd name="csY7" fmla="*/ 590805 h 1529914"/>
+                <a:gd name="csX8" fmla="*/ 0 w 6562673"/>
+                <a:gd name="csY8" fmla="*/ 759051 h 1529914"/>
+                <a:gd name="csX9" fmla="*/ 22911 w 6562673"/>
+                <a:gd name="csY9" fmla="*/ 934018 h 1529914"/>
+                <a:gd name="csX10" fmla="*/ 93031 w 6562673"/>
+                <a:gd name="csY10" fmla="*/ 1083830 h 1529914"/>
+                <a:gd name="csX11" fmla="*/ 212245 w 6562673"/>
+                <a:gd name="csY11" fmla="*/ 1186568 h 1529914"/>
+                <a:gd name="csX12" fmla="*/ 378794 w 6562673"/>
+                <a:gd name="csY12" fmla="*/ 1223556 h 1529914"/>
+                <a:gd name="csX13" fmla="*/ 527464 w 6562673"/>
+                <a:gd name="csY13" fmla="*/ 1193289 h 1529914"/>
+                <a:gd name="csX14" fmla="*/ 635223 w 6562673"/>
+                <a:gd name="csY14" fmla="*/ 1090551 h 1529914"/>
+                <a:gd name="csX15" fmla="*/ 638497 w 6562673"/>
+                <a:gd name="csY15" fmla="*/ 1090551 h 1529914"/>
+                <a:gd name="csX16" fmla="*/ 638497 w 6562673"/>
+                <a:gd name="csY16" fmla="*/ 1201641 h 1529914"/>
+                <a:gd name="csX17" fmla="*/ 858923 w 6562673"/>
+                <a:gd name="csY17" fmla="*/ 1201641 h 1529914"/>
+                <a:gd name="csX18" fmla="*/ 858923 w 6562673"/>
+                <a:gd name="csY18" fmla="*/ 0 h 1529914"/>
+                <a:gd name="csX19" fmla="*/ 1456888 w 6562673"/>
+                <a:gd name="csY19" fmla="*/ 307994 h 1529914"/>
+                <a:gd name="csX20" fmla="*/ 1277249 w 6562673"/>
+                <a:gd name="csY20" fmla="*/ 341618 h 1529914"/>
+                <a:gd name="csX21" fmla="*/ 1140155 w 6562673"/>
+                <a:gd name="csY21" fmla="*/ 434266 h 1529914"/>
+                <a:gd name="csX22" fmla="*/ 1051911 w 6562673"/>
+                <a:gd name="csY22" fmla="*/ 578971 h 1529914"/>
+                <a:gd name="csX23" fmla="*/ 1020941 w 6562673"/>
+                <a:gd name="csY23" fmla="*/ 767512 h 1529914"/>
+                <a:gd name="csX24" fmla="*/ 1051911 w 6562673"/>
+                <a:gd name="csY24" fmla="*/ 955932 h 1529914"/>
+                <a:gd name="csX25" fmla="*/ 1140155 w 6562673"/>
+                <a:gd name="csY25" fmla="*/ 1100638 h 1529914"/>
+                <a:gd name="csX26" fmla="*/ 1277249 w 6562673"/>
+                <a:gd name="csY26" fmla="*/ 1191548 h 1529914"/>
+                <a:gd name="csX27" fmla="*/ 1456888 w 6562673"/>
+                <a:gd name="csY27" fmla="*/ 1223556 h 1529914"/>
+                <a:gd name="csX28" fmla="*/ 1636528 w 6562673"/>
+                <a:gd name="csY28" fmla="*/ 1191548 h 1529914"/>
+                <a:gd name="csX29" fmla="*/ 1775252 w 6562673"/>
+                <a:gd name="csY29" fmla="*/ 1100638 h 1529914"/>
+                <a:gd name="csX30" fmla="*/ 1863496 w 6562673"/>
+                <a:gd name="csY30" fmla="*/ 955932 h 1529914"/>
+                <a:gd name="csX31" fmla="*/ 1894466 w 6562673"/>
+                <a:gd name="csY31" fmla="*/ 767512 h 1529914"/>
+                <a:gd name="csX32" fmla="*/ 1863496 w 6562673"/>
+                <a:gd name="csY32" fmla="*/ 578971 h 1529914"/>
+                <a:gd name="csX33" fmla="*/ 1775252 w 6562673"/>
+                <a:gd name="csY33" fmla="*/ 434266 h 1529914"/>
+                <a:gd name="csX34" fmla="*/ 1636528 w 6562673"/>
+                <a:gd name="csY34" fmla="*/ 341618 h 1529914"/>
+                <a:gd name="csX35" fmla="*/ 1456888 w 6562673"/>
+                <a:gd name="csY35" fmla="*/ 307994 h 1529914"/>
+                <a:gd name="csX36" fmla="*/ 4145586 w 6562673"/>
+                <a:gd name="csY36" fmla="*/ 307994 h 1529914"/>
+                <a:gd name="csX37" fmla="*/ 3988859 w 6562673"/>
+                <a:gd name="csY37" fmla="*/ 343361 h 1529914"/>
+                <a:gd name="csX38" fmla="*/ 3876194 w 6562673"/>
+                <a:gd name="csY38" fmla="*/ 439252 h 1529914"/>
+                <a:gd name="csX39" fmla="*/ 3805952 w 6562673"/>
+                <a:gd name="csY39" fmla="*/ 577237 h 1529914"/>
+                <a:gd name="csX40" fmla="*/ 3783167 w 6562673"/>
+                <a:gd name="csY40" fmla="*/ 738884 h 1529914"/>
+                <a:gd name="csX41" fmla="*/ 3802677 w 6562673"/>
+                <a:gd name="csY41" fmla="*/ 908870 h 1529914"/>
+                <a:gd name="csX42" fmla="*/ 3868015 w 6562673"/>
+                <a:gd name="csY42" fmla="*/ 1048475 h 1529914"/>
+                <a:gd name="csX43" fmla="*/ 3980680 w 6562673"/>
+                <a:gd name="csY43" fmla="*/ 1142745 h 1529914"/>
+                <a:gd name="csX44" fmla="*/ 4143955 w 6562673"/>
+                <a:gd name="csY44" fmla="*/ 1176494 h 1529914"/>
+                <a:gd name="csX45" fmla="*/ 4289228 w 6562673"/>
+                <a:gd name="csY45" fmla="*/ 1144486 h 1529914"/>
+                <a:gd name="csX46" fmla="*/ 4396988 w 6562673"/>
+                <a:gd name="csY46" fmla="*/ 1041748 h 1529914"/>
+                <a:gd name="csX47" fmla="*/ 4400263 w 6562673"/>
+                <a:gd name="csY47" fmla="*/ 1041748 h 1529914"/>
+                <a:gd name="csX48" fmla="*/ 4400263 w 6562673"/>
+                <a:gd name="csY48" fmla="*/ 1156192 h 1529914"/>
+                <a:gd name="csX49" fmla="*/ 4356202 w 6562673"/>
+                <a:gd name="csY49" fmla="*/ 1309365 h 1529914"/>
+                <a:gd name="csX50" fmla="*/ 4214203 w 6562673"/>
+                <a:gd name="csY50" fmla="*/ 1370015 h 1529914"/>
+                <a:gd name="csX51" fmla="*/ 4104806 w 6562673"/>
+                <a:gd name="csY51" fmla="*/ 1342993 h 1529914"/>
+                <a:gd name="csX52" fmla="*/ 4041106 w 6562673"/>
+                <a:gd name="csY52" fmla="*/ 1250463 h 1529914"/>
+                <a:gd name="csX53" fmla="*/ 3810857 w 6562673"/>
+                <a:gd name="csY53" fmla="*/ 1250463 h 1529914"/>
+                <a:gd name="csX54" fmla="*/ 3850006 w 6562673"/>
+                <a:gd name="csY54" fmla="*/ 1376741 h 1529914"/>
+                <a:gd name="csX55" fmla="*/ 3938250 w 6562673"/>
+                <a:gd name="csY55" fmla="*/ 1464164 h 1529914"/>
+                <a:gd name="csX56" fmla="*/ 4055827 w 6562673"/>
+                <a:gd name="csY56" fmla="*/ 1512979 h 1529914"/>
+                <a:gd name="csX57" fmla="*/ 4183098 w 6562673"/>
+                <a:gd name="csY57" fmla="*/ 1529914 h 1529914"/>
+                <a:gd name="csX58" fmla="*/ 4414984 w 6562673"/>
+                <a:gd name="csY58" fmla="*/ 1489445 h 1529914"/>
+                <a:gd name="csX59" fmla="*/ 4547288 w 6562673"/>
+                <a:gd name="csY59" fmla="*/ 1390189 h 1529914"/>
+                <a:gd name="csX60" fmla="*/ 4606077 w 6562673"/>
+                <a:gd name="csY60" fmla="*/ 1265657 h 1529914"/>
+                <a:gd name="csX61" fmla="*/ 4620682 w 6562673"/>
+                <a:gd name="csY61" fmla="*/ 1146105 h 1529914"/>
+                <a:gd name="csX62" fmla="*/ 4620682 w 6562673"/>
+                <a:gd name="csY62" fmla="*/ 331563 h 1529914"/>
+                <a:gd name="csX63" fmla="*/ 4400256 w 6562673"/>
+                <a:gd name="csY63" fmla="*/ 331563 h 1529914"/>
+                <a:gd name="csX64" fmla="*/ 4400256 w 6562673"/>
+                <a:gd name="csY64" fmla="*/ 447751 h 1529914"/>
+                <a:gd name="csX65" fmla="*/ 4396982 w 6562673"/>
+                <a:gd name="csY65" fmla="*/ 447751 h 1529914"/>
+                <a:gd name="csX66" fmla="*/ 4290858 w 6562673"/>
+                <a:gd name="csY66" fmla="*/ 340031 h 1529914"/>
+                <a:gd name="csX67" fmla="*/ 4145586 w 6562673"/>
+                <a:gd name="csY67" fmla="*/ 308026 h 1529914"/>
+                <a:gd name="csX68" fmla="*/ 5210559 w 6562673"/>
+                <a:gd name="csY68" fmla="*/ 307994 h 1529914"/>
+                <a:gd name="csX69" fmla="*/ 5034193 w 6562673"/>
+                <a:gd name="csY69" fmla="*/ 343361 h 1529914"/>
+                <a:gd name="csX70" fmla="*/ 4898614 w 6562673"/>
+                <a:gd name="csY70" fmla="*/ 440993 h 1529914"/>
+                <a:gd name="csX71" fmla="*/ 4810493 w 6562673"/>
+                <a:gd name="csY71" fmla="*/ 585698 h 1529914"/>
+                <a:gd name="csX72" fmla="*/ 4779523 w 6562673"/>
+                <a:gd name="csY72" fmla="*/ 767519 h 1529914"/>
+                <a:gd name="csX73" fmla="*/ 4808855 w 6562673"/>
+                <a:gd name="csY73" fmla="*/ 952572 h 1529914"/>
+                <a:gd name="csX74" fmla="*/ 4895340 w 6562673"/>
+                <a:gd name="csY74" fmla="*/ 1097277 h 1529914"/>
+                <a:gd name="csX75" fmla="*/ 5030919 w 6562673"/>
+                <a:gd name="csY75" fmla="*/ 1191548 h 1529914"/>
+                <a:gd name="csX76" fmla="*/ 5210559 w 6562673"/>
+                <a:gd name="csY76" fmla="*/ 1223549 h 1529914"/>
+                <a:gd name="csX77" fmla="*/ 5455406 w 6562673"/>
+                <a:gd name="csY77" fmla="*/ 1156180 h 1529914"/>
+                <a:gd name="csX78" fmla="*/ 5605713 w 6562673"/>
+                <a:gd name="csY78" fmla="*/ 932392 h 1529914"/>
+                <a:gd name="csX79" fmla="*/ 5401523 w 6562673"/>
+                <a:gd name="csY79" fmla="*/ 932392 h 1529914"/>
+                <a:gd name="csX80" fmla="*/ 5339460 w 6562673"/>
+                <a:gd name="csY80" fmla="*/ 1009848 h 1529914"/>
+                <a:gd name="csX81" fmla="*/ 5218738 w 6562673"/>
+                <a:gd name="csY81" fmla="*/ 1045095 h 1529914"/>
+                <a:gd name="csX82" fmla="*/ 5068431 w 6562673"/>
+                <a:gd name="csY82" fmla="*/ 992914 h 1529914"/>
+                <a:gd name="csX83" fmla="*/ 5011280 w 6562673"/>
+                <a:gd name="csY83" fmla="*/ 824668 h 1529914"/>
+                <a:gd name="csX84" fmla="*/ 5620318 w 6562673"/>
+                <a:gd name="csY84" fmla="*/ 824668 h 1529914"/>
+                <a:gd name="csX85" fmla="*/ 5604076 w 6562673"/>
+                <a:gd name="csY85" fmla="*/ 631141 h 1529914"/>
+                <a:gd name="csX86" fmla="*/ 5528923 w 6562673"/>
+                <a:gd name="csY86" fmla="*/ 466261 h 1529914"/>
+                <a:gd name="csX87" fmla="*/ 5398261 w 6562673"/>
+                <a:gd name="csY87" fmla="*/ 351817 h 1529914"/>
+                <a:gd name="csX88" fmla="*/ 5210559 w 6562673"/>
+                <a:gd name="csY88" fmla="*/ 307982 h 1529914"/>
+                <a:gd name="csX89" fmla="*/ 6254004 w 6562673"/>
+                <a:gd name="csY89" fmla="*/ 307994 h 1529914"/>
+                <a:gd name="csX90" fmla="*/ 6110368 w 6562673"/>
+                <a:gd name="csY90" fmla="*/ 343361 h 1529914"/>
+                <a:gd name="csX91" fmla="*/ 5996065 w 6562673"/>
+                <a:gd name="csY91" fmla="*/ 452699 h 1529914"/>
+                <a:gd name="csX92" fmla="*/ 5991154 w 6562673"/>
+                <a:gd name="csY92" fmla="*/ 452699 h 1529914"/>
+                <a:gd name="csX93" fmla="*/ 5991154 w 6562673"/>
+                <a:gd name="csY93" fmla="*/ 331527 h 1529914"/>
+                <a:gd name="csX94" fmla="*/ 5770728 w 6562673"/>
+                <a:gd name="csY94" fmla="*/ 331527 h 1529914"/>
+                <a:gd name="csX95" fmla="*/ 5770728 w 6562673"/>
+                <a:gd name="csY95" fmla="*/ 1201609 h 1529914"/>
+                <a:gd name="csX96" fmla="*/ 6002614 w 6562673"/>
+                <a:gd name="csY96" fmla="*/ 1201609 h 1529914"/>
+                <a:gd name="csX97" fmla="*/ 6002614 w 6562673"/>
+                <a:gd name="csY97" fmla="*/ 745572 h 1529914"/>
+                <a:gd name="csX98" fmla="*/ 6045038 w 6562673"/>
+                <a:gd name="csY98" fmla="*/ 555412 h 1529914"/>
+                <a:gd name="csX99" fmla="*/ 6182254 w 6562673"/>
+                <a:gd name="csY99" fmla="*/ 496509 h 1529914"/>
+                <a:gd name="csX100" fmla="*/ 6298193 w 6562673"/>
+                <a:gd name="csY100" fmla="*/ 550304 h 1529914"/>
+                <a:gd name="csX101" fmla="*/ 6330800 w 6562673"/>
+                <a:gd name="csY101" fmla="*/ 710204 h 1529914"/>
+                <a:gd name="csX102" fmla="*/ 6330800 w 6562673"/>
+                <a:gd name="csY102" fmla="*/ 1201609 h 1529914"/>
+                <a:gd name="csX103" fmla="*/ 6562674 w 6562673"/>
+                <a:gd name="csY103" fmla="*/ 1201609 h 1529914"/>
+                <a:gd name="csX104" fmla="*/ 6562674 w 6562673"/>
+                <a:gd name="csY104" fmla="*/ 666490 h 1529914"/>
+                <a:gd name="csX105" fmla="*/ 6547978 w 6562673"/>
+                <a:gd name="csY105" fmla="*/ 520037 h 1529914"/>
+                <a:gd name="csX106" fmla="*/ 6500605 w 6562673"/>
+                <a:gd name="csY106" fmla="*/ 407334 h 1529914"/>
+                <a:gd name="csX107" fmla="*/ 6405954 w 6562673"/>
+                <a:gd name="csY107" fmla="*/ 334857 h 1529914"/>
+                <a:gd name="csX108" fmla="*/ 6254010 w 6562673"/>
+                <a:gd name="csY108" fmla="*/ 307958 h 1529914"/>
+                <a:gd name="csX109" fmla="*/ 1996046 w 6562673"/>
+                <a:gd name="csY109" fmla="*/ 331531 h 1529914"/>
+                <a:gd name="csX110" fmla="*/ 2273623 w 6562673"/>
+                <a:gd name="csY110" fmla="*/ 743857 h 1529914"/>
+                <a:gd name="csX111" fmla="*/ 1969858 w 6562673"/>
+                <a:gd name="csY111" fmla="*/ 1201641 h 1529914"/>
+                <a:gd name="csX112" fmla="*/ 2229563 w 6562673"/>
+                <a:gd name="csY112" fmla="*/ 1201641 h 1529914"/>
+                <a:gd name="csX113" fmla="*/ 2405928 w 6562673"/>
+                <a:gd name="csY113" fmla="*/ 927297 h 1529914"/>
+                <a:gd name="csX114" fmla="*/ 2582171 w 6562673"/>
+                <a:gd name="csY114" fmla="*/ 1201641 h 1529914"/>
+                <a:gd name="csX115" fmla="*/ 2846786 w 6562673"/>
+                <a:gd name="csY115" fmla="*/ 1201641 h 1529914"/>
+                <a:gd name="csX116" fmla="*/ 2534842 w 6562673"/>
+                <a:gd name="csY116" fmla="*/ 738877 h 1529914"/>
+                <a:gd name="csX117" fmla="*/ 2812420 w 6562673"/>
+                <a:gd name="csY117" fmla="*/ 331531 h 1529914"/>
+                <a:gd name="csX118" fmla="*/ 2556112 w 6562673"/>
+                <a:gd name="csY118" fmla="*/ 331531 h 1529914"/>
+                <a:gd name="csX119" fmla="*/ 2409202 w 6562673"/>
+                <a:gd name="csY119" fmla="*/ 558804 h 1529914"/>
+                <a:gd name="csX120" fmla="*/ 2260533 w 6562673"/>
+                <a:gd name="csY120" fmla="*/ 331531 h 1529914"/>
+                <a:gd name="csX121" fmla="*/ 2851672 w 6562673"/>
+                <a:gd name="csY121" fmla="*/ 331531 h 1529914"/>
+                <a:gd name="csX122" fmla="*/ 3147129 w 6562673"/>
+                <a:gd name="csY122" fmla="*/ 1147859 h 1529914"/>
+                <a:gd name="csX123" fmla="*/ 3156946 w 6562673"/>
+                <a:gd name="csY123" fmla="*/ 1201660 h 1529914"/>
+                <a:gd name="csX124" fmla="*/ 3134161 w 6562673"/>
+                <a:gd name="csY124" fmla="*/ 1272397 h 1529914"/>
+                <a:gd name="csX125" fmla="*/ 3067187 w 6562673"/>
+                <a:gd name="csY125" fmla="*/ 1309384 h 1529914"/>
+                <a:gd name="csX126" fmla="*/ 2998576 w 6562673"/>
+                <a:gd name="csY126" fmla="*/ 1307765 h 1529914"/>
+                <a:gd name="csX127" fmla="*/ 2931602 w 6562673"/>
+                <a:gd name="csY127" fmla="*/ 1301038 h 1529914"/>
+                <a:gd name="csX128" fmla="*/ 2931602 w 6562673"/>
+                <a:gd name="csY128" fmla="*/ 1497925 h 1529914"/>
+                <a:gd name="csX129" fmla="*/ 3001843 w 6562673"/>
+                <a:gd name="csY129" fmla="*/ 1502905 h 1529914"/>
+                <a:gd name="csX130" fmla="*/ 3073722 w 6562673"/>
+                <a:gd name="csY130" fmla="*/ 1506272 h 1529914"/>
+                <a:gd name="csX131" fmla="*/ 3259782 w 6562673"/>
+                <a:gd name="csY131" fmla="*/ 1460817 h 1529914"/>
+                <a:gd name="csX132" fmla="*/ 3364268 w 6562673"/>
+                <a:gd name="csY132" fmla="*/ 1309384 h 1529914"/>
+                <a:gd name="csX133" fmla="*/ 3717005 w 6562673"/>
+                <a:gd name="csY133" fmla="*/ 331546 h 1529914"/>
+                <a:gd name="csX134" fmla="*/ 3476940 w 6562673"/>
+                <a:gd name="csY134" fmla="*/ 331546 h 1529914"/>
+                <a:gd name="csX135" fmla="*/ 3292518 w 6562673"/>
+                <a:gd name="csY135" fmla="*/ 927310 h 1529914"/>
+                <a:gd name="csX136" fmla="*/ 3289244 w 6562673"/>
+                <a:gd name="csY136" fmla="*/ 927310 h 1529914"/>
+                <a:gd name="csX137" fmla="*/ 3098151 w 6562673"/>
+                <a:gd name="csY137" fmla="*/ 331546 h 1529914"/>
+                <a:gd name="csX138" fmla="*/ 435938 w 6562673"/>
+                <a:gd name="csY138" fmla="*/ 488067 h 1529914"/>
+                <a:gd name="csX139" fmla="*/ 530730 w 6562673"/>
+                <a:gd name="csY139" fmla="*/ 511608 h 1529914"/>
+                <a:gd name="csX140" fmla="*/ 591030 w 6562673"/>
+                <a:gd name="csY140" fmla="*/ 573870 h 1529914"/>
+                <a:gd name="csX141" fmla="*/ 625400 w 6562673"/>
+                <a:gd name="csY141" fmla="*/ 661414 h 1529914"/>
+                <a:gd name="csX142" fmla="*/ 635216 w 6562673"/>
+                <a:gd name="csY142" fmla="*/ 764152 h 1529914"/>
+                <a:gd name="csX143" fmla="*/ 625400 w 6562673"/>
+                <a:gd name="csY143" fmla="*/ 868388 h 1529914"/>
+                <a:gd name="csX144" fmla="*/ 592666 w 6562673"/>
+                <a:gd name="csY144" fmla="*/ 959299 h 1529914"/>
+                <a:gd name="csX145" fmla="*/ 530730 w 6562673"/>
+                <a:gd name="csY145" fmla="*/ 1021568 h 1529914"/>
+                <a:gd name="csX146" fmla="*/ 435938 w 6562673"/>
+                <a:gd name="csY146" fmla="*/ 1045102 h 1529914"/>
+                <a:gd name="csX147" fmla="*/ 342905 w 6562673"/>
+                <a:gd name="csY147" fmla="*/ 1021568 h 1529914"/>
+                <a:gd name="csX148" fmla="*/ 279206 w 6562673"/>
+                <a:gd name="csY148" fmla="*/ 957679 h 1529914"/>
+                <a:gd name="csX149" fmla="*/ 243329 w 6562673"/>
+                <a:gd name="csY149" fmla="*/ 866769 h 1529914"/>
+                <a:gd name="csX150" fmla="*/ 231873 w 6562673"/>
+                <a:gd name="csY150" fmla="*/ 765772 h 1529914"/>
+                <a:gd name="csX151" fmla="*/ 241692 w 6562673"/>
+                <a:gd name="csY151" fmla="*/ 663155 h 1529914"/>
+                <a:gd name="csX152" fmla="*/ 275933 w 6562673"/>
+                <a:gd name="csY152" fmla="*/ 573864 h 1529914"/>
+                <a:gd name="csX153" fmla="*/ 339632 w 6562673"/>
+                <a:gd name="csY153" fmla="*/ 511595 h 1529914"/>
+                <a:gd name="csX154" fmla="*/ 435932 w 6562673"/>
+                <a:gd name="csY154" fmla="*/ 488061 h 1529914"/>
+                <a:gd name="csX155" fmla="*/ 1456888 w 6562673"/>
+                <a:gd name="csY155" fmla="*/ 488067 h 1529914"/>
+                <a:gd name="csX156" fmla="*/ 1554826 w 6562673"/>
+                <a:gd name="csY156" fmla="*/ 513349 h 1529914"/>
+                <a:gd name="csX157" fmla="*/ 1618526 w 6562673"/>
+                <a:gd name="csY157" fmla="*/ 575618 h 1529914"/>
+                <a:gd name="csX158" fmla="*/ 1652764 w 6562673"/>
+                <a:gd name="csY158" fmla="*/ 664781 h 1529914"/>
+                <a:gd name="csX159" fmla="*/ 1662587 w 6562673"/>
+                <a:gd name="csY159" fmla="*/ 767519 h 1529914"/>
+                <a:gd name="csX160" fmla="*/ 1652764 w 6562673"/>
+                <a:gd name="csY160" fmla="*/ 870136 h 1529914"/>
+                <a:gd name="csX161" fmla="*/ 1618526 w 6562673"/>
+                <a:gd name="csY161" fmla="*/ 959299 h 1529914"/>
+                <a:gd name="csX162" fmla="*/ 1554826 w 6562673"/>
+                <a:gd name="csY162" fmla="*/ 1021561 h 1529914"/>
+                <a:gd name="csX163" fmla="*/ 1456888 w 6562673"/>
+                <a:gd name="csY163" fmla="*/ 1045102 h 1529914"/>
+                <a:gd name="csX164" fmla="*/ 1358951 w 6562673"/>
+                <a:gd name="csY164" fmla="*/ 1021561 h 1529914"/>
+                <a:gd name="csX165" fmla="*/ 1295251 w 6562673"/>
+                <a:gd name="csY165" fmla="*/ 959299 h 1529914"/>
+                <a:gd name="csX166" fmla="*/ 1262521 w 6562673"/>
+                <a:gd name="csY166" fmla="*/ 870136 h 1529914"/>
+                <a:gd name="csX167" fmla="*/ 1252705 w 6562673"/>
+                <a:gd name="csY167" fmla="*/ 767519 h 1529914"/>
+                <a:gd name="csX168" fmla="*/ 1262521 w 6562673"/>
+                <a:gd name="csY168" fmla="*/ 664781 h 1529914"/>
+                <a:gd name="csX169" fmla="*/ 1295251 w 6562673"/>
+                <a:gd name="csY169" fmla="*/ 575618 h 1529914"/>
+                <a:gd name="csX170" fmla="*/ 1358951 w 6562673"/>
+                <a:gd name="csY170" fmla="*/ 513349 h 1529914"/>
+                <a:gd name="csX171" fmla="*/ 1456888 w 6562673"/>
+                <a:gd name="csY171" fmla="*/ 488067 h 1529914"/>
+                <a:gd name="csX172" fmla="*/ 4202756 w 6562673"/>
+                <a:gd name="csY172" fmla="*/ 488067 h 1529914"/>
+                <a:gd name="csX173" fmla="*/ 4297426 w 6562673"/>
+                <a:gd name="csY173" fmla="*/ 509988 h 1529914"/>
+                <a:gd name="csX174" fmla="*/ 4357852 w 6562673"/>
+                <a:gd name="csY174" fmla="*/ 568891 h 1529914"/>
+                <a:gd name="csX175" fmla="*/ 4390582 w 6562673"/>
+                <a:gd name="csY175" fmla="*/ 654694 h 1529914"/>
+                <a:gd name="csX176" fmla="*/ 4400275 w 6562673"/>
+                <a:gd name="csY176" fmla="*/ 755691 h 1529914"/>
+                <a:gd name="csX177" fmla="*/ 4387307 w 6562673"/>
+                <a:gd name="csY177" fmla="*/ 846601 h 1529914"/>
+                <a:gd name="csX178" fmla="*/ 4351303 w 6562673"/>
+                <a:gd name="csY178" fmla="*/ 922317 h 1529914"/>
+                <a:gd name="csX179" fmla="*/ 4289247 w 6562673"/>
+                <a:gd name="csY179" fmla="*/ 976119 h 1529914"/>
+                <a:gd name="csX180" fmla="*/ 4202756 w 6562673"/>
+                <a:gd name="csY180" fmla="*/ 996414 h 1529914"/>
+                <a:gd name="csX181" fmla="*/ 4112998 w 6562673"/>
+                <a:gd name="csY181" fmla="*/ 972752 h 1529914"/>
+                <a:gd name="csX182" fmla="*/ 4054209 w 6562673"/>
+                <a:gd name="csY182" fmla="*/ 912231 h 1529914"/>
+                <a:gd name="csX183" fmla="*/ 4023117 w 6562673"/>
+                <a:gd name="csY183" fmla="*/ 829788 h 1529914"/>
+                <a:gd name="csX184" fmla="*/ 4014937 w 6562673"/>
+                <a:gd name="csY184" fmla="*/ 735517 h 1529914"/>
+                <a:gd name="csX185" fmla="*/ 4024754 w 6562673"/>
+                <a:gd name="csY185" fmla="*/ 642987 h 1529914"/>
+                <a:gd name="csX186" fmla="*/ 4059121 w 6562673"/>
+                <a:gd name="csY186" fmla="*/ 563783 h 1529914"/>
+                <a:gd name="csX187" fmla="*/ 4117909 w 6562673"/>
+                <a:gd name="csY187" fmla="*/ 508241 h 1529914"/>
+                <a:gd name="csX188" fmla="*/ 4202756 w 6562673"/>
+                <a:gd name="csY188" fmla="*/ 488067 h 1529914"/>
+                <a:gd name="csX189" fmla="*/ 5204048 w 6562673"/>
+                <a:gd name="csY189" fmla="*/ 488067 h 1529914"/>
+                <a:gd name="csX190" fmla="*/ 5329811 w 6562673"/>
+                <a:gd name="csY190" fmla="*/ 535270 h 1529914"/>
+                <a:gd name="csX191" fmla="*/ 5388600 w 6562673"/>
+                <a:gd name="csY191" fmla="*/ 673255 h 1529914"/>
+                <a:gd name="csX192" fmla="*/ 5011318 w 6562673"/>
+                <a:gd name="csY192" fmla="*/ 673255 h 1529914"/>
+                <a:gd name="csX193" fmla="*/ 5021141 w 6562673"/>
+                <a:gd name="csY193" fmla="*/ 615965 h 1529914"/>
+                <a:gd name="csX194" fmla="*/ 5052234 w 6562673"/>
+                <a:gd name="csY194" fmla="*/ 555444 h 1529914"/>
+                <a:gd name="csX195" fmla="*/ 5111022 w 6562673"/>
+                <a:gd name="csY195" fmla="*/ 508248 h 1529914"/>
+                <a:gd name="csX196" fmla="*/ 5204055 w 6562673"/>
+                <a:gd name="csY196" fmla="*/ 488074 h 1529914"/>
+              </a:gdLst>
+              <a:ahLst/>
+              <a:cxnLst>
+                <a:cxn ang="0">
+                  <a:pos x="csX0" y="csY0"/>
+                </a:cxn>
+                <a:cxn ang="0">
+                  <a:pos x="csX1" y="csY1"/>
+                </a:cxn>
+                <a:cxn ang="0">
+                  <a:pos x="csX2" y="csY2"/>
+                </a:cxn>
+                <a:cxn ang="0">
+                  <a:pos x="csX3" y="csY3"/>
+                </a:cxn>
+                <a:cxn ang="0">
+                  <a:pos x="csX4" y="csY4"/>
+                </a:cxn>
+                <a:cxn ang="0">
+                  <a:pos x="csX5" y="csY5"/>
+                </a:cxn>
+                <a:cxn ang="0">
+                  <a:pos x="csX6" y="csY6"/>
+                </a:cxn>
+                <a:cxn ang="0">
+                  <a:pos x="csX7" y="csY7"/>
+                </a:cxn>
+                <a:cxn ang="0">
+                  <a:pos x="csX8" y="csY8"/>
+                </a:cxn>
+                <a:cxn ang="0">
+                  <a:pos x="csX9" y="csY9"/>
+                </a:cxn>
+                <a:cxn ang="0">
+                  <a:pos x="csX10" y="csY10"/>
+                </a:cxn>
+                <a:cxn ang="0">
+                  <a:pos x="csX11" y="csY11"/>
+                </a:cxn>
+                <a:cxn ang="0">
+                  <a:pos x="csX12" y="csY12"/>
+                </a:cxn>
+                <a:cxn ang="0">
+                  <a:pos x="csX13" y="csY13"/>
+                </a:cxn>
+                <a:cxn ang="0">
+                  <a:pos x="csX14" y="csY14"/>
+                </a:cxn>
+                <a:cxn ang="0">
+                  <a:pos x="csX15" y="csY15"/>
+                </a:cxn>
+                <a:cxn ang="0">
+                  <a:pos x="csX16" y="csY16"/>
+                </a:cxn>
+                <a:cxn ang="0">
+                  <a:pos x="csX17" y="csY17"/>
+                </a:cxn>
+                <a:cxn ang="0">
+                  <a:pos x="csX18" y="csY18"/>
+                </a:cxn>
+                <a:cxn ang="0">
+                  <a:pos x="csX19" y="csY19"/>
+                </a:cxn>
+                <a:cxn ang="0">
+                  <a:pos x="csX20" y="csY20"/>
+                </a:cxn>
+                <a:cxn ang="0">
+                  <a:pos x="csX21" y="csY21"/>
+                </a:cxn>
+                <a:cxn ang="0">
+                  <a:pos x="csX22" y="csY22"/>
+                </a:cxn>
+                <a:cxn ang="0">
+                  <a:pos x="csX23" y="csY23"/>
+                </a:cxn>
+                <a:cxn ang="0">
+                  <a:pos x="csX24" y="csY24"/>
+                </a:cxn>
+                <a:cxn ang="0">
+                  <a:pos x="csX25" y="csY25"/>
+                </a:cxn>
+                <a:cxn ang="0">
+                  <a:pos x="csX26" y="csY26"/>
+                </a:cxn>
+                <a:cxn ang="0">
+                  <a:pos x="csX27" y="csY27"/>
+                </a:cxn>
+                <a:cxn ang="0">
+                  <a:pos x="csX28" y="csY28"/>
+                </a:cxn>
+                <a:cxn ang="0">
+                  <a:pos x="csX29" y="csY29"/>
+                </a:cxn>
+                <a:cxn ang="0">
+                  <a:pos x="csX30" y="csY30"/>
+                </a:cxn>
+                <a:cxn ang="0">
+                  <a:pos x="csX31" y="csY31"/>
+                </a:cxn>
+                <a:cxn ang="0">
+                  <a:pos x="csX32" y="csY32"/>
+                </a:cxn>
+                <a:cxn ang="0">
+                  <a:pos x="csX33" y="csY33"/>
+                </a:cxn>
+                <a:cxn ang="0">
+                  <a:pos x="csX34" y="csY34"/>
+                </a:cxn>
+                <a:cxn ang="0">
+                  <a:pos x="csX35" y="csY35"/>
+                </a:cxn>
+                <a:cxn ang="0">
+                  <a:pos x="csX36" y="csY36"/>
+                </a:cxn>
+                <a:cxn ang="0">
+                  <a:pos x="csX37" y="csY37"/>
+                </a:cxn>
+                <a:cxn ang="0">
+                  <a:pos x="csX38" y="csY38"/>
+                </a:cxn>
+                <a:cxn ang="0">
+                  <a:pos x="csX39" y="csY39"/>
+                </a:cxn>
+                <a:cxn ang="0">
+                  <a:pos x="csX40" y="csY40"/>
+                </a:cxn>
+                <a:cxn ang="0">
+                  <a:pos x="csX41" y="csY41"/>
+                </a:cxn>
+                <a:cxn ang="0">
+                  <a:pos x="csX42" y="csY42"/>
+                </a:cxn>
+                <a:cxn ang="0">
+                  <a:pos x="csX43" y="csY43"/>
+                </a:cxn>
+                <a:cxn ang="0">
+                  <a:pos x="csX44" y="csY44"/>
+                </a:cxn>
+                <a:cxn ang="0">
+                  <a:pos x="csX45" y="csY45"/>
+                </a:cxn>
+                <a:cxn ang="0">
+                  <a:pos x="csX46" y="csY46"/>
+                </a:cxn>
+                <a:cxn ang="0">
+                  <a:pos x="csX47" y="csY47"/>
+                </a:cxn>
+                <a:cxn ang="0">
+                  <a:pos x="csX48" y="csY48"/>
+                </a:cxn>
+                <a:cxn ang="0">
+                  <a:pos x="csX49" y="csY49"/>
+                </a:cxn>
+                <a:cxn ang="0">
+                  <a:pos x="csX50" y="csY50"/>
+                </a:cxn>
+                <a:cxn ang="0">
+                  <a:pos x="csX51" y="csY51"/>
+                </a:cxn>
+                <a:cxn ang="0">
+                  <a:pos x="csX52" y="csY52"/>
+                </a:cxn>
+                <a:cxn ang="0">
+                  <a:pos x="csX53" y="csY53"/>
+                </a:cxn>
+                <a:cxn ang="0">
+                  <a:pos x="csX54" y="csY54"/>
+                </a:cxn>
+                <a:cxn ang="0">
+                  <a:pos x="csX55" y="csY55"/>
+                </a:cxn>
+                <a:cxn ang="0">
+                  <a:pos x="csX56" y="csY56"/>
+                </a:cxn>
+                <a:cxn ang="0">
+                  <a:pos x="csX57" y="csY57"/>
+                </a:cxn>
+                <a:cxn ang="0">
+                  <a:pos x="csX58" y="csY58"/>
+                </a:cxn>
+                <a:cxn ang="0">
+                  <a:pos x="csX59" y="csY59"/>
+                </a:cxn>
+                <a:cxn ang="0">
+                  <a:pos x="csX60" y="csY60"/>
+                </a:cxn>
+                <a:cxn ang="0">
+                  <a:pos x="csX61" y="csY61"/>
+                </a:cxn>
+                <a:cxn ang="0">
+                  <a:pos x="csX62" y="csY62"/>
+                </a:cxn>
+                <a:cxn ang="0">
+                  <a:pos x="csX63" y="csY63"/>
+                </a:cxn>
+                <a:cxn ang="0">
+                  <a:pos x="csX64" y="csY64"/>
+                </a:cxn>
+                <a:cxn ang="0">
+                  <a:pos x="csX65" y="csY65"/>
+                </a:cxn>
+                <a:cxn ang="0">
+                  <a:pos x="csX66" y="csY66"/>
+                </a:cxn>
+                <a:cxn ang="0">
+                  <a:pos x="csX67" y="csY67"/>
+                </a:cxn>
+                <a:cxn ang="0">
+                  <a:pos x="csX68" y="csY68"/>
+                </a:cxn>
+                <a:cxn ang="0">
+                  <a:pos x="csX69" y="csY69"/>
+                </a:cxn>
+                <a:cxn ang="0">
+                  <a:pos x="csX70" y="csY70"/>
+                </a:cxn>
+                <a:cxn ang="0">
+                  <a:pos x="csX71" y="csY71"/>
+                </a:cxn>
+                <a:cxn ang="0">
+                  <a:pos x="csX72" y="csY72"/>
+                </a:cxn>
+                <a:cxn ang="0">
+                  <a:pos x="csX73" y="csY73"/>
+                </a:cxn>
+                <a:cxn ang="0">
+                  <a:pos x="csX74" y="csY74"/>
+                </a:cxn>
+                <a:cxn ang="0">
+                  <a:pos x="csX75" y="csY75"/>
+                </a:cxn>
+                <a:cxn ang="0">
+                  <a:pos x="csX76" y="csY76"/>
+                </a:cxn>
+                <a:cxn ang="0">
+                  <a:pos x="csX77" y="csY77"/>
+                </a:cxn>
+                <a:cxn ang="0">
+                  <a:pos x="csX78" y="csY78"/>
+                </a:cxn>
+                <a:cxn ang="0">
+                  <a:pos x="csX79" y="csY79"/>
+                </a:cxn>
+                <a:cxn ang="0">
+                  <a:pos x="csX80" y="csY80"/>
+                </a:cxn>
+                <a:cxn ang="0">
+                  <a:pos x="csX81" y="csY81"/>
+                </a:cxn>
+                <a:cxn ang="0">
+                  <a:pos x="csX82" y="csY82"/>
+                </a:cxn>
+                <a:cxn ang="0">
+                  <a:pos x="csX83" y="csY83"/>
+                </a:cxn>
+                <a:cxn ang="0">
+                  <a:pos x="csX84" y="csY84"/>
+                </a:cxn>
+                <a:cxn ang="0">
+                  <a:pos x="csX85" y="csY85"/>
+                </a:cxn>
+                <a:cxn ang="0">
+                  <a:pos x="csX86" y="csY86"/>
+                </a:cxn>
+                <a:cxn ang="0">
+                  <a:pos x="csX87" y="csY87"/>
+                </a:cxn>
+                <a:cxn ang="0">
+                  <a:pos x="csX88" y="csY88"/>
+                </a:cxn>
+                <a:cxn ang="0">
+                  <a:pos x="csX89" y="csY89"/>
+                </a:cxn>
+                <a:cxn ang="0">
+                  <a:pos x="csX90" y="csY90"/>
+                </a:cxn>
+                <a:cxn ang="0">
+                  <a:pos x="csX91" y="csY91"/>
+                </a:cxn>
+                <a:cxn ang="0">
+                  <a:pos x="csX92" y="csY92"/>
+                </a:cxn>
+                <a:cxn ang="0">
+                  <a:pos x="csX93" y="csY93"/>
+                </a:cxn>
+                <a:cxn ang="0">
+                  <a:pos x="csX94" y="csY94"/>
+                </a:cxn>
+                <a:cxn ang="0">
+                  <a:pos x="csX95" y="csY95"/>
+                </a:cxn>
+                <a:cxn ang="0">
+                  <a:pos x="csX96" y="csY96"/>
+                </a:cxn>
+                <a:cxn ang="0">
+                  <a:pos x="csX97" y="csY97"/>
+                </a:cxn>
+                <a:cxn ang="0">
+                  <a:pos x="csX98" y="csY98"/>
+                </a:cxn>
+                <a:cxn ang="0">
+                  <a:pos x="csX99" y="csY99"/>
+                </a:cxn>
+                <a:cxn ang="0">
+                  <a:pos x="csX100" y="csY100"/>
+                </a:cxn>
+                <a:cxn ang="0">
+                  <a:pos x="csX101" y="csY101"/>
+                </a:cxn>
+                <a:cxn ang="0">
+                  <a:pos x="csX102" y="csY102"/>
+                </a:cxn>
+                <a:cxn ang="0">
+                  <a:pos x="csX103" y="csY103"/>
+                </a:cxn>
+                <a:cxn ang="0">
+                  <a:pos x="csX104" y="csY104"/>
+                </a:cxn>
+                <a:cxn ang="0">
+                  <a:pos x="csX105" y="csY105"/>
+                </a:cxn>
+                <a:cxn ang="0">
+                  <a:pos x="csX106" y="csY106"/>
+                </a:cxn>
+                <a:cxn ang="0">
+                  <a:pos x="csX107" y="csY107"/>
+                </a:cxn>
+                <a:cxn ang="0">
+                  <a:pos x="csX108" y="csY108"/>
+                </a:cxn>
+                <a:cxn ang="0">
+                  <a:pos x="csX109" y="csY109"/>
+                </a:cxn>
+                <a:cxn ang="0">
+                  <a:pos x="csX110" y="csY110"/>
+                </a:cxn>
+                <a:cxn ang="0">
+                  <a:pos x="csX111" y="csY111"/>
+                </a:cxn>
+                <a:cxn ang="0">
+                  <a:pos x="csX112" y="csY112"/>
+                </a:cxn>
+                <a:cxn ang="0">
+                  <a:pos x="csX113" y="csY113"/>
+                </a:cxn>
+                <a:cxn ang="0">
+                  <a:pos x="csX114" y="csY114"/>
+                </a:cxn>
+                <a:cxn ang="0">
+                  <a:pos x="csX115" y="csY115"/>
+                </a:cxn>
+                <a:cxn ang="0">
+                  <a:pos x="csX116" y="csY116"/>
+                </a:cxn>
+                <a:cxn ang="0">
+                  <a:pos x="csX117" y="csY117"/>
+                </a:cxn>
+                <a:cxn ang="0">
+                  <a:pos x="csX118" y="csY118"/>
+                </a:cxn>
+                <a:cxn ang="0">
+                  <a:pos x="csX119" y="csY119"/>
+                </a:cxn>
+                <a:cxn ang="0">
+                  <a:pos x="csX120" y="csY120"/>
+                </a:cxn>
+                <a:cxn ang="0">
+                  <a:pos x="csX121" y="csY121"/>
+                </a:cxn>
+                <a:cxn ang="0">
+                  <a:pos x="csX122" y="csY122"/>
+                </a:cxn>
+                <a:cxn ang="0">
+                  <a:pos x="csX123" y="csY123"/>
+                </a:cxn>
+                <a:cxn ang="0">
+                  <a:pos x="csX124" y="csY124"/>
+                </a:cxn>
+                <a:cxn ang="0">
+                  <a:pos x="csX125" y="csY125"/>
+                </a:cxn>
+                <a:cxn ang="0">
+                  <a:pos x="csX126" y="csY126"/>
+                </a:cxn>
+                <a:cxn ang="0">
+                  <a:pos x="csX127" y="csY127"/>
+                </a:cxn>
+                <a:cxn ang="0">
+                  <a:pos x="csX128" y="csY128"/>
+                </a:cxn>
+                <a:cxn ang="0">
+                  <a:pos x="csX129" y="csY129"/>
+                </a:cxn>
+                <a:cxn ang="0">
+                  <a:pos x="csX130" y="csY130"/>
+                </a:cxn>
+                <a:cxn ang="0">
+                  <a:pos x="csX131" y="csY131"/>
+                </a:cxn>
+                <a:cxn ang="0">
+                  <a:pos x="csX132" y="csY132"/>
+                </a:cxn>
+                <a:cxn ang="0">
+                  <a:pos x="csX133" y="csY133"/>
+                </a:cxn>
+                <a:cxn ang="0">
+                  <a:pos x="csX134" y="csY134"/>
+                </a:cxn>
+                <a:cxn ang="0">
+                  <a:pos x="csX135" y="csY135"/>
+                </a:cxn>
+                <a:cxn ang="0">
+                  <a:pos x="csX136" y="csY136"/>
+                </a:cxn>
+                <a:cxn ang="0">
+                  <a:pos x="csX137" y="csY137"/>
+                </a:cxn>
+                <a:cxn ang="0">
+                  <a:pos x="csX138" y="csY138"/>
+                </a:cxn>
+                <a:cxn ang="0">
+                  <a:pos x="csX139" y="csY139"/>
+                </a:cxn>
+                <a:cxn ang="0">
+                  <a:pos x="csX140" y="csY140"/>
+                </a:cxn>
+                <a:cxn ang="0">
+                  <a:pos x="csX141" y="csY141"/>
+                </a:cxn>
+                <a:cxn ang="0">
+                  <a:pos x="csX142" y="csY142"/>
+                </a:cxn>
+                <a:cxn ang="0">
+                  <a:pos x="csX143" y="csY143"/>
+                </a:cxn>
+                <a:cxn ang="0">
+                  <a:pos x="csX144" y="csY144"/>
+                </a:cxn>
+                <a:cxn ang="0">
+                  <a:pos x="csX145" y="csY145"/>
+                </a:cxn>
+                <a:cxn ang="0">
+                  <a:pos x="csX146" y="csY146"/>
+                </a:cxn>
+                <a:cxn ang="0">
+                  <a:pos x="csX147" y="csY147"/>
+                </a:cxn>
+                <a:cxn ang="0">
+                  <a:pos x="csX148" y="csY148"/>
+                </a:cxn>
+                <a:cxn ang="0">
+                  <a:pos x="csX149" y="csY149"/>
+                </a:cxn>
+                <a:cxn ang="0">
+                  <a:pos x="csX150" y="csY150"/>
+                </a:cxn>
+                <a:cxn ang="0">
+                  <a:pos x="csX151" y="csY151"/>
+                </a:cxn>
+                <a:cxn ang="0">
+                  <a:pos x="csX152" y="csY152"/>
+                </a:cxn>
+                <a:cxn ang="0">
+                  <a:pos x="csX153" y="csY153"/>
+                </a:cxn>
+                <a:cxn ang="0">
+                  <a:pos x="csX154" y="csY154"/>
+                </a:cxn>
+                <a:cxn ang="0">
+                  <a:pos x="csX155" y="csY155"/>
+                </a:cxn>
+                <a:cxn ang="0">
+                  <a:pos x="csX156" y="csY156"/>
+                </a:cxn>
+                <a:cxn ang="0">
+                  <a:pos x="csX157" y="csY157"/>
+                </a:cxn>
+                <a:cxn ang="0">
+                  <a:pos x="csX158" y="csY158"/>
+                </a:cxn>
+                <a:cxn ang="0">
+                  <a:pos x="csX159" y="csY159"/>
+                </a:cxn>
+                <a:cxn ang="0">
+                  <a:pos x="csX160" y="csY160"/>
+                </a:cxn>
+                <a:cxn ang="0">
+                  <a:pos x="csX161" y="csY161"/>
+                </a:cxn>
+                <a:cxn ang="0">
+                  <a:pos x="csX162" y="csY162"/>
+                </a:cxn>
+                <a:cxn ang="0">
+                  <a:pos x="csX163" y="csY163"/>
+                </a:cxn>
+                <a:cxn ang="0">
+                  <a:pos x="csX164" y="csY164"/>
+                </a:cxn>
+                <a:cxn ang="0">
+                  <a:pos x="csX165" y="csY165"/>
+                </a:cxn>
+                <a:cxn ang="0">
+                  <a:pos x="csX166" y="csY166"/>
+                </a:cxn>
+                <a:cxn ang="0">
+                  <a:pos x="csX167" y="csY167"/>
+                </a:cxn>
+                <a:cxn ang="0">
+                  <a:pos x="csX168" y="csY168"/>
+                </a:cxn>
+                <a:cxn ang="0">
+                  <a:pos x="csX169" y="csY169"/>
+                </a:cxn>
+                <a:cxn ang="0">
+                  <a:pos x="csX170" y="csY170"/>
+                </a:cxn>
+                <a:cxn ang="0">
+                  <a:pos x="csX171" y="csY171"/>
+                </a:cxn>
+                <a:cxn ang="0">
+                  <a:pos x="csX172" y="csY172"/>
+                </a:cxn>
+                <a:cxn ang="0">
+                  <a:pos x="csX173" y="csY173"/>
+                </a:cxn>
+                <a:cxn ang="0">
+                  <a:pos x="csX174" y="csY174"/>
+                </a:cxn>
+                <a:cxn ang="0">
+                  <a:pos x="csX175" y="csY175"/>
+                </a:cxn>
+                <a:cxn ang="0">
+                  <a:pos x="csX176" y="csY176"/>
+                </a:cxn>
+                <a:cxn ang="0">
+                  <a:pos x="csX177" y="csY177"/>
+                </a:cxn>
+                <a:cxn ang="0">
+                  <a:pos x="csX178" y="csY178"/>
+                </a:cxn>
+                <a:cxn ang="0">
+                  <a:pos x="csX179" y="csY179"/>
+                </a:cxn>
+                <a:cxn ang="0">
+                  <a:pos x="csX180" y="csY180"/>
+                </a:cxn>
+                <a:cxn ang="0">
+                  <a:pos x="csX181" y="csY181"/>
+                </a:cxn>
+                <a:cxn ang="0">
+                  <a:pos x="csX182" y="csY182"/>
+                </a:cxn>
+                <a:cxn ang="0">
+                  <a:pos x="csX183" y="csY183"/>
+                </a:cxn>
+                <a:cxn ang="0">
+                  <a:pos x="csX184" y="csY184"/>
+                </a:cxn>
+                <a:cxn ang="0">
+                  <a:pos x="csX185" y="csY185"/>
+                </a:cxn>
+                <a:cxn ang="0">
+                  <a:pos x="csX186" y="csY186"/>
+                </a:cxn>
+                <a:cxn ang="0">
+                  <a:pos x="csX187" y="csY187"/>
+                </a:cxn>
+                <a:cxn ang="0">
+                  <a:pos x="csX188" y="csY188"/>
+                </a:cxn>
+                <a:cxn ang="0">
+                  <a:pos x="csX189" y="csY189"/>
+                </a:cxn>
+                <a:cxn ang="0">
+                  <a:pos x="csX190" y="csY190"/>
+                </a:cxn>
+                <a:cxn ang="0">
+                  <a:pos x="csX191" y="csY191"/>
+                </a:cxn>
+                <a:cxn ang="0">
+                  <a:pos x="csX192" y="csY192"/>
+                </a:cxn>
+                <a:cxn ang="0">
+                  <a:pos x="csX193" y="csY193"/>
+                </a:cxn>
+                <a:cxn ang="0">
+                  <a:pos x="csX194" y="csY194"/>
+                </a:cxn>
+                <a:cxn ang="0">
+                  <a:pos x="csX195" y="csY195"/>
+                </a:cxn>
+                <a:cxn ang="0">
+                  <a:pos x="csX196" y="csY196"/>
+                </a:cxn>
+              </a:cxnLst>
+              <a:rect l="l" t="t" r="r" b="b"/>
+              <a:pathLst>
+                <a:path w="6562673" h="1529914">
+                  <a:moveTo>
+                    <a:pt x="627044" y="22"/>
+                  </a:moveTo>
+                  <a:lnTo>
+                    <a:pt x="627044" y="437633"/>
+                  </a:lnTo>
+                  <a:lnTo>
+                    <a:pt x="623769" y="437633"/>
+                  </a:lnTo>
+                  <a:cubicBezTo>
+                    <a:pt x="597646" y="394998"/>
+                    <a:pt x="561731" y="362937"/>
+                    <a:pt x="516010" y="341615"/>
+                  </a:cubicBezTo>
+                  <a:cubicBezTo>
+                    <a:pt x="471380" y="319176"/>
+                    <a:pt x="423957" y="307991"/>
+                    <a:pt x="373883" y="307991"/>
+                  </a:cubicBezTo>
+                  <a:cubicBezTo>
+                    <a:pt x="311835" y="307991"/>
+                    <a:pt x="257414" y="320916"/>
+                    <a:pt x="210608" y="346721"/>
+                  </a:cubicBezTo>
+                  <a:cubicBezTo>
+                    <a:pt x="163800" y="371405"/>
+                    <a:pt x="124600" y="404460"/>
+                    <a:pt x="93031" y="445973"/>
+                  </a:cubicBezTo>
+                  <a:cubicBezTo>
+                    <a:pt x="62551" y="487487"/>
+                    <a:pt x="39240" y="535824"/>
+                    <a:pt x="22911" y="590805"/>
+                  </a:cubicBezTo>
+                  <a:cubicBezTo>
+                    <a:pt x="7672" y="644658"/>
+                    <a:pt x="0" y="700704"/>
+                    <a:pt x="0" y="759051"/>
+                  </a:cubicBezTo>
+                  <a:cubicBezTo>
+                    <a:pt x="0" y="819637"/>
+                    <a:pt x="7671" y="877921"/>
+                    <a:pt x="22911" y="934018"/>
+                  </a:cubicBezTo>
+                  <a:cubicBezTo>
+                    <a:pt x="39240" y="990114"/>
+                    <a:pt x="62551" y="1040071"/>
+                    <a:pt x="93031" y="1083830"/>
+                  </a:cubicBezTo>
+                  <a:cubicBezTo>
+                    <a:pt x="124599" y="1126461"/>
+                    <a:pt x="164349" y="1160764"/>
+                    <a:pt x="212245" y="1186568"/>
+                  </a:cubicBezTo>
+                  <a:cubicBezTo>
+                    <a:pt x="260141" y="1211250"/>
+                    <a:pt x="315655" y="1223556"/>
+                    <a:pt x="378794" y="1223556"/>
+                  </a:cubicBezTo>
+                  <a:cubicBezTo>
+                    <a:pt x="434310" y="1223556"/>
+                    <a:pt x="483925" y="1213488"/>
+                    <a:pt x="527464" y="1193289"/>
+                  </a:cubicBezTo>
+                  <a:cubicBezTo>
+                    <a:pt x="572094" y="1171973"/>
+                    <a:pt x="608012" y="1137676"/>
+                    <a:pt x="635223" y="1090551"/>
+                  </a:cubicBezTo>
+                  <a:lnTo>
+                    <a:pt x="638497" y="1090551"/>
+                  </a:lnTo>
+                  <a:lnTo>
+                    <a:pt x="638497" y="1201641"/>
+                  </a:lnTo>
+                  <a:lnTo>
+                    <a:pt x="858923" y="1201641"/>
+                  </a:lnTo>
+                  <a:lnTo>
+                    <a:pt x="858923" y="0"/>
+                  </a:lnTo>
+                  <a:close/>
+                  <a:moveTo>
+                    <a:pt x="1456888" y="307994"/>
+                  </a:moveTo>
+                  <a:cubicBezTo>
+                    <a:pt x="1390488" y="307994"/>
+                    <a:pt x="1330584" y="319178"/>
+                    <a:pt x="1277249" y="341618"/>
+                  </a:cubicBezTo>
+                  <a:cubicBezTo>
+                    <a:pt x="1223907" y="362935"/>
+                    <a:pt x="1178260" y="393879"/>
+                    <a:pt x="1140155" y="434266"/>
+                  </a:cubicBezTo>
+                  <a:cubicBezTo>
+                    <a:pt x="1102056" y="473536"/>
+                    <a:pt x="1072588" y="521752"/>
+                    <a:pt x="1051911" y="578971"/>
+                  </a:cubicBezTo>
+                  <a:cubicBezTo>
+                    <a:pt x="1031228" y="635075"/>
+                    <a:pt x="1020941" y="697949"/>
+                    <a:pt x="1020941" y="767512"/>
+                  </a:cubicBezTo>
+                  <a:cubicBezTo>
+                    <a:pt x="1020941" y="837075"/>
+                    <a:pt x="1031228" y="899829"/>
+                    <a:pt x="1051911" y="955932"/>
+                  </a:cubicBezTo>
+                  <a:cubicBezTo>
+                    <a:pt x="1072595" y="1012035"/>
+                    <a:pt x="1102056" y="1060251"/>
+                    <a:pt x="1140155" y="1100638"/>
+                  </a:cubicBezTo>
+                  <a:cubicBezTo>
+                    <a:pt x="1178254" y="1139908"/>
+                    <a:pt x="1223907" y="1170226"/>
+                    <a:pt x="1277249" y="1191548"/>
+                  </a:cubicBezTo>
+                  <a:cubicBezTo>
+                    <a:pt x="1330591" y="1212870"/>
+                    <a:pt x="1390488" y="1223556"/>
+                    <a:pt x="1456888" y="1223556"/>
+                  </a:cubicBezTo>
+                  <a:cubicBezTo>
+                    <a:pt x="1523289" y="1223556"/>
+                    <a:pt x="1583192" y="1212870"/>
+                    <a:pt x="1636528" y="1191548"/>
+                  </a:cubicBezTo>
+                  <a:cubicBezTo>
+                    <a:pt x="1690953" y="1170233"/>
+                    <a:pt x="1737154" y="1139908"/>
+                    <a:pt x="1775252" y="1100638"/>
+                  </a:cubicBezTo>
+                  <a:cubicBezTo>
+                    <a:pt x="1813351" y="1060251"/>
+                    <a:pt x="1842819" y="1012029"/>
+                    <a:pt x="1863496" y="955932"/>
+                  </a:cubicBezTo>
+                  <a:cubicBezTo>
+                    <a:pt x="1884179" y="899835"/>
+                    <a:pt x="1894466" y="837075"/>
+                    <a:pt x="1894466" y="767512"/>
+                  </a:cubicBezTo>
+                  <a:cubicBezTo>
+                    <a:pt x="1894466" y="697949"/>
+                    <a:pt x="1884179" y="635068"/>
+                    <a:pt x="1863496" y="578971"/>
+                  </a:cubicBezTo>
+                  <a:cubicBezTo>
+                    <a:pt x="1842813" y="521752"/>
+                    <a:pt x="1813351" y="473536"/>
+                    <a:pt x="1775252" y="434266"/>
+                  </a:cubicBezTo>
+                  <a:cubicBezTo>
+                    <a:pt x="1737154" y="393877"/>
+                    <a:pt x="1690953" y="362933"/>
+                    <a:pt x="1636528" y="341618"/>
+                  </a:cubicBezTo>
+                  <a:cubicBezTo>
+                    <a:pt x="1583186" y="319178"/>
+                    <a:pt x="1523289" y="307994"/>
+                    <a:pt x="1456888" y="307994"/>
+                  </a:cubicBezTo>
+                  <a:close/>
+                  <a:moveTo>
+                    <a:pt x="4145586" y="307994"/>
+                  </a:moveTo>
+                  <a:cubicBezTo>
+                    <a:pt x="4086803" y="307994"/>
+                    <a:pt x="4034576" y="319800"/>
+                    <a:pt x="3988859" y="343361"/>
+                  </a:cubicBezTo>
+                  <a:cubicBezTo>
+                    <a:pt x="3944231" y="366923"/>
+                    <a:pt x="3906667" y="398861"/>
+                    <a:pt x="3876194" y="439252"/>
+                  </a:cubicBezTo>
+                  <a:cubicBezTo>
+                    <a:pt x="3845713" y="478522"/>
+                    <a:pt x="3822278" y="524500"/>
+                    <a:pt x="3805952" y="577237"/>
+                  </a:cubicBezTo>
+                  <a:cubicBezTo>
+                    <a:pt x="3790715" y="628845"/>
+                    <a:pt x="3783167" y="682780"/>
+                    <a:pt x="3783167" y="738884"/>
+                  </a:cubicBezTo>
+                  <a:cubicBezTo>
+                    <a:pt x="3783167" y="798347"/>
+                    <a:pt x="3789619" y="855018"/>
+                    <a:pt x="3802677" y="908870"/>
+                  </a:cubicBezTo>
+                  <a:cubicBezTo>
+                    <a:pt x="3816832" y="961601"/>
+                    <a:pt x="3838624" y="1008082"/>
+                    <a:pt x="3868015" y="1048475"/>
+                  </a:cubicBezTo>
+                  <a:cubicBezTo>
+                    <a:pt x="3897405" y="1087745"/>
+                    <a:pt x="3934963" y="1119186"/>
+                    <a:pt x="3980680" y="1142745"/>
+                  </a:cubicBezTo>
+                  <a:cubicBezTo>
+                    <a:pt x="4026397" y="1165183"/>
+                    <a:pt x="4080816" y="1176494"/>
+                    <a:pt x="4143955" y="1176494"/>
+                  </a:cubicBezTo>
+                  <a:cubicBezTo>
+                    <a:pt x="4195119" y="1176494"/>
+                    <a:pt x="4243511" y="1165808"/>
+                    <a:pt x="4289228" y="1144486"/>
+                  </a:cubicBezTo>
+                  <a:cubicBezTo>
+                    <a:pt x="4336034" y="1122048"/>
+                    <a:pt x="4371948" y="1087752"/>
+                    <a:pt x="4396988" y="1041748"/>
+                  </a:cubicBezTo>
+                  <a:lnTo>
+                    <a:pt x="4400263" y="1041748"/>
+                  </a:lnTo>
+                  <a:lnTo>
+                    <a:pt x="4400263" y="1156192"/>
+                  </a:lnTo>
+                  <a:cubicBezTo>
+                    <a:pt x="4401352" y="1217907"/>
+                    <a:pt x="4386682" y="1268979"/>
+                    <a:pt x="4356202" y="1309365"/>
+                  </a:cubicBezTo>
+                  <a:cubicBezTo>
+                    <a:pt x="4326811" y="1349758"/>
+                    <a:pt x="4279514" y="1370015"/>
+                    <a:pt x="4214203" y="1370015"/>
+                  </a:cubicBezTo>
+                  <a:cubicBezTo>
+                    <a:pt x="4172837" y="1370015"/>
+                    <a:pt x="4136375" y="1360941"/>
+                    <a:pt x="4104806" y="1342993"/>
+                  </a:cubicBezTo>
+                  <a:cubicBezTo>
+                    <a:pt x="4073236" y="1326160"/>
+                    <a:pt x="4051992" y="1295344"/>
+                    <a:pt x="4041106" y="1250463"/>
+                  </a:cubicBezTo>
+                  <a:lnTo>
+                    <a:pt x="3810857" y="1250463"/>
+                  </a:lnTo>
+                  <a:cubicBezTo>
+                    <a:pt x="3814125" y="1299827"/>
+                    <a:pt x="3827151" y="1341960"/>
+                    <a:pt x="3850006" y="1376741"/>
+                  </a:cubicBezTo>
+                  <a:cubicBezTo>
+                    <a:pt x="3873957" y="1412645"/>
+                    <a:pt x="3903419" y="1441727"/>
+                    <a:pt x="3938250" y="1464164"/>
+                  </a:cubicBezTo>
+                  <a:cubicBezTo>
+                    <a:pt x="3974177" y="1486601"/>
+                    <a:pt x="4013378" y="1502880"/>
+                    <a:pt x="4055827" y="1512979"/>
+                  </a:cubicBezTo>
+                  <a:cubicBezTo>
+                    <a:pt x="4099372" y="1524201"/>
+                    <a:pt x="4141731" y="1529914"/>
+                    <a:pt x="4183098" y="1529914"/>
+                  </a:cubicBezTo>
+                  <a:cubicBezTo>
+                    <a:pt x="4279979" y="1529914"/>
+                    <a:pt x="4357285" y="1516371"/>
+                    <a:pt x="4414984" y="1489445"/>
+                  </a:cubicBezTo>
+                  <a:cubicBezTo>
+                    <a:pt x="4472683" y="1462513"/>
+                    <a:pt x="4516808" y="1429459"/>
+                    <a:pt x="4547288" y="1390189"/>
+                  </a:cubicBezTo>
+                  <a:cubicBezTo>
+                    <a:pt x="4577769" y="1352047"/>
+                    <a:pt x="4597369" y="1310532"/>
+                    <a:pt x="4606077" y="1265657"/>
+                  </a:cubicBezTo>
+                  <a:cubicBezTo>
+                    <a:pt x="4615874" y="1220782"/>
+                    <a:pt x="4620682" y="1180887"/>
+                    <a:pt x="4620682" y="1146105"/>
+                  </a:cubicBezTo>
+                  <a:lnTo>
+                    <a:pt x="4620682" y="331563"/>
+                  </a:lnTo>
+                  <a:lnTo>
+                    <a:pt x="4400256" y="331563"/>
+                  </a:lnTo>
+                  <a:lnTo>
+                    <a:pt x="4400256" y="447751"/>
+                  </a:lnTo>
+                  <a:lnTo>
+                    <a:pt x="4396982" y="447751"/>
+                  </a:lnTo>
+                  <a:cubicBezTo>
+                    <a:pt x="4368680" y="397265"/>
+                    <a:pt x="4333314" y="361352"/>
+                    <a:pt x="4290858" y="340031"/>
+                  </a:cubicBezTo>
+                  <a:cubicBezTo>
+                    <a:pt x="4249498" y="318713"/>
+                    <a:pt x="4201100" y="308026"/>
+                    <a:pt x="4145586" y="308026"/>
+                  </a:cubicBezTo>
+                  <a:close/>
+                  <a:moveTo>
+                    <a:pt x="5210559" y="307994"/>
+                  </a:moveTo>
+                  <a:cubicBezTo>
+                    <a:pt x="5146336" y="307994"/>
+                    <a:pt x="5087529" y="319800"/>
+                    <a:pt x="5034193" y="343361"/>
+                  </a:cubicBezTo>
+                  <a:cubicBezTo>
+                    <a:pt x="4981940" y="366923"/>
+                    <a:pt x="4936713" y="399482"/>
+                    <a:pt x="4898614" y="440993"/>
+                  </a:cubicBezTo>
+                  <a:cubicBezTo>
+                    <a:pt x="4860516" y="481385"/>
+                    <a:pt x="4831176" y="529601"/>
+                    <a:pt x="4810493" y="585698"/>
+                  </a:cubicBezTo>
+                  <a:cubicBezTo>
+                    <a:pt x="4789810" y="641795"/>
+                    <a:pt x="4779523" y="702444"/>
+                    <a:pt x="4779523" y="767519"/>
+                  </a:cubicBezTo>
+                  <a:cubicBezTo>
+                    <a:pt x="4779523" y="834837"/>
+                    <a:pt x="4789261" y="896475"/>
+                    <a:pt x="4808855" y="952572"/>
+                  </a:cubicBezTo>
+                  <a:cubicBezTo>
+                    <a:pt x="4829539" y="1008669"/>
+                    <a:pt x="4858330" y="1056891"/>
+                    <a:pt x="4895340" y="1097277"/>
+                  </a:cubicBezTo>
+                  <a:cubicBezTo>
+                    <a:pt x="4932349" y="1137670"/>
+                    <a:pt x="4977583" y="1169110"/>
+                    <a:pt x="5030919" y="1191548"/>
+                  </a:cubicBezTo>
+                  <a:cubicBezTo>
+                    <a:pt x="5084261" y="1212863"/>
+                    <a:pt x="5144158" y="1223549"/>
+                    <a:pt x="5210559" y="1223549"/>
+                  </a:cubicBezTo>
+                  <a:cubicBezTo>
+                    <a:pt x="5306350" y="1223549"/>
+                    <a:pt x="5387916" y="1201061"/>
+                    <a:pt x="5455406" y="1156180"/>
+                  </a:cubicBezTo>
+                  <a:cubicBezTo>
+                    <a:pt x="5522896" y="1111305"/>
+                    <a:pt x="5573061" y="1036736"/>
+                    <a:pt x="5605713" y="932392"/>
+                  </a:cubicBezTo>
+                  <a:lnTo>
+                    <a:pt x="5401523" y="932392"/>
+                  </a:lnTo>
+                  <a:cubicBezTo>
+                    <a:pt x="5393904" y="959324"/>
+                    <a:pt x="5373208" y="985173"/>
+                    <a:pt x="5339460" y="1009848"/>
+                  </a:cubicBezTo>
+                  <a:cubicBezTo>
+                    <a:pt x="5305718" y="1033414"/>
+                    <a:pt x="5265544" y="1045095"/>
+                    <a:pt x="5218738" y="1045095"/>
+                  </a:cubicBezTo>
+                  <a:cubicBezTo>
+                    <a:pt x="5153426" y="1045095"/>
+                    <a:pt x="5103262" y="1027695"/>
+                    <a:pt x="5068431" y="992914"/>
+                  </a:cubicBezTo>
+                  <a:cubicBezTo>
+                    <a:pt x="5033600" y="958132"/>
+                    <a:pt x="5014547" y="902086"/>
+                    <a:pt x="5011280" y="824668"/>
+                  </a:cubicBezTo>
+                  <a:lnTo>
+                    <a:pt x="5620318" y="824668"/>
+                  </a:lnTo>
+                  <a:cubicBezTo>
+                    <a:pt x="5624675" y="757349"/>
+                    <a:pt x="5619319" y="692855"/>
+                    <a:pt x="5604076" y="631141"/>
+                  </a:cubicBezTo>
+                  <a:cubicBezTo>
+                    <a:pt x="5588839" y="569433"/>
+                    <a:pt x="5563760" y="514503"/>
+                    <a:pt x="5528923" y="466261"/>
+                  </a:cubicBezTo>
+                  <a:cubicBezTo>
+                    <a:pt x="5495180" y="418013"/>
+                    <a:pt x="5451597" y="379866"/>
+                    <a:pt x="5398261" y="351817"/>
+                  </a:cubicBezTo>
+                  <a:cubicBezTo>
+                    <a:pt x="5344919" y="322646"/>
+                    <a:pt x="5282405" y="307982"/>
+                    <a:pt x="5210559" y="307982"/>
+                  </a:cubicBezTo>
+                  <a:close/>
+                  <a:moveTo>
+                    <a:pt x="6254004" y="307994"/>
+                  </a:moveTo>
+                  <a:cubicBezTo>
+                    <a:pt x="6205018" y="307994"/>
+                    <a:pt x="6157175" y="319800"/>
+                    <a:pt x="6110368" y="343361"/>
+                  </a:cubicBezTo>
+                  <a:cubicBezTo>
+                    <a:pt x="6063562" y="365801"/>
+                    <a:pt x="6025456" y="402213"/>
+                    <a:pt x="5996065" y="452699"/>
+                  </a:cubicBezTo>
+                  <a:lnTo>
+                    <a:pt x="5991154" y="452699"/>
+                  </a:lnTo>
+                  <a:lnTo>
+                    <a:pt x="5991154" y="331527"/>
+                  </a:lnTo>
+                  <a:lnTo>
+                    <a:pt x="5770728" y="331527"/>
+                  </a:lnTo>
+                  <a:lnTo>
+                    <a:pt x="5770728" y="1201609"/>
+                  </a:lnTo>
+                  <a:lnTo>
+                    <a:pt x="6002614" y="1201609"/>
+                  </a:lnTo>
+                  <a:lnTo>
+                    <a:pt x="6002614" y="745572"/>
+                  </a:lnTo>
+                  <a:cubicBezTo>
+                    <a:pt x="6002614" y="656938"/>
+                    <a:pt x="6016736" y="593560"/>
+                    <a:pt x="6045038" y="555412"/>
+                  </a:cubicBezTo>
+                  <a:cubicBezTo>
+                    <a:pt x="6073339" y="516141"/>
+                    <a:pt x="6119121" y="496509"/>
+                    <a:pt x="6182254" y="496509"/>
+                  </a:cubicBezTo>
+                  <a:cubicBezTo>
+                    <a:pt x="6237774" y="496509"/>
+                    <a:pt x="6276421" y="514401"/>
+                    <a:pt x="6298193" y="550304"/>
+                  </a:cubicBezTo>
+                  <a:cubicBezTo>
+                    <a:pt x="6319966" y="585086"/>
+                    <a:pt x="6330800" y="638397"/>
+                    <a:pt x="6330800" y="710204"/>
+                  </a:cubicBezTo>
+                  <a:lnTo>
+                    <a:pt x="6330800" y="1201609"/>
+                  </a:lnTo>
+                  <a:lnTo>
+                    <a:pt x="6562674" y="1201609"/>
+                  </a:lnTo>
+                  <a:lnTo>
+                    <a:pt x="6562674" y="666490"/>
+                  </a:lnTo>
+                  <a:cubicBezTo>
+                    <a:pt x="6562674" y="612637"/>
+                    <a:pt x="6557775" y="563796"/>
+                    <a:pt x="6547978" y="520037"/>
+                  </a:cubicBezTo>
+                  <a:cubicBezTo>
+                    <a:pt x="6539277" y="475156"/>
+                    <a:pt x="6523486" y="437626"/>
+                    <a:pt x="6500605" y="407334"/>
+                  </a:cubicBezTo>
+                  <a:cubicBezTo>
+                    <a:pt x="6477788" y="375918"/>
+                    <a:pt x="6446205" y="351685"/>
+                    <a:pt x="6405954" y="334857"/>
+                  </a:cubicBezTo>
+                  <a:cubicBezTo>
+                    <a:pt x="6366766" y="316905"/>
+                    <a:pt x="6316053" y="307958"/>
+                    <a:pt x="6254010" y="307958"/>
+                  </a:cubicBezTo>
+                  <a:close/>
+                  <a:moveTo>
+                    <a:pt x="1996046" y="331531"/>
+                  </a:moveTo>
+                  <a:lnTo>
+                    <a:pt x="2273623" y="743857"/>
+                  </a:lnTo>
+                  <a:lnTo>
+                    <a:pt x="1969858" y="1201641"/>
+                  </a:lnTo>
+                  <a:lnTo>
+                    <a:pt x="2229563" y="1201641"/>
+                  </a:lnTo>
+                  <a:lnTo>
+                    <a:pt x="2405928" y="927297"/>
+                  </a:lnTo>
+                  <a:lnTo>
+                    <a:pt x="2582171" y="1201641"/>
+                  </a:lnTo>
+                  <a:lnTo>
+                    <a:pt x="2846786" y="1201641"/>
+                  </a:lnTo>
+                  <a:lnTo>
+                    <a:pt x="2534842" y="738877"/>
+                  </a:lnTo>
+                  <a:lnTo>
+                    <a:pt x="2812420" y="331531"/>
+                  </a:lnTo>
+                  <a:lnTo>
+                    <a:pt x="2556112" y="331531"/>
+                  </a:lnTo>
+                  <a:lnTo>
+                    <a:pt x="2409202" y="558804"/>
+                  </a:lnTo>
+                  <a:lnTo>
+                    <a:pt x="2260533" y="331531"/>
+                  </a:lnTo>
+                  <a:close/>
+                  <a:moveTo>
+                    <a:pt x="2851672" y="331531"/>
+                  </a:moveTo>
+                  <a:lnTo>
+                    <a:pt x="3147129" y="1147859"/>
+                  </a:lnTo>
+                  <a:cubicBezTo>
+                    <a:pt x="3153658" y="1164692"/>
+                    <a:pt x="3156946" y="1182583"/>
+                    <a:pt x="3156946" y="1201660"/>
+                  </a:cubicBezTo>
+                  <a:cubicBezTo>
+                    <a:pt x="3156946" y="1227464"/>
+                    <a:pt x="3149404" y="1251075"/>
+                    <a:pt x="3134161" y="1272397"/>
+                  </a:cubicBezTo>
+                  <a:cubicBezTo>
+                    <a:pt x="3120013" y="1293712"/>
+                    <a:pt x="3097674" y="1306018"/>
+                    <a:pt x="3067187" y="1309384"/>
+                  </a:cubicBezTo>
+                  <a:cubicBezTo>
+                    <a:pt x="3044325" y="1310507"/>
+                    <a:pt x="3021437" y="1310009"/>
+                    <a:pt x="2998576" y="1307765"/>
+                  </a:cubicBezTo>
+                  <a:cubicBezTo>
+                    <a:pt x="2975714" y="1305521"/>
+                    <a:pt x="2953374" y="1303282"/>
+                    <a:pt x="2931602" y="1301038"/>
+                  </a:cubicBezTo>
+                  <a:lnTo>
+                    <a:pt x="2931602" y="1497925"/>
+                  </a:lnTo>
+                  <a:cubicBezTo>
+                    <a:pt x="2955553" y="1500170"/>
+                    <a:pt x="2978988" y="1501783"/>
+                    <a:pt x="3001843" y="1502905"/>
+                  </a:cubicBezTo>
+                  <a:cubicBezTo>
+                    <a:pt x="3025795" y="1505149"/>
+                    <a:pt x="3049778" y="1506272"/>
+                    <a:pt x="3073722" y="1506272"/>
+                  </a:cubicBezTo>
+                  <a:cubicBezTo>
+                    <a:pt x="3153188" y="1506272"/>
+                    <a:pt x="3215154" y="1491109"/>
+                    <a:pt x="3259782" y="1460817"/>
+                  </a:cubicBezTo>
+                  <a:cubicBezTo>
+                    <a:pt x="3304416" y="1430524"/>
+                    <a:pt x="3339228" y="1380070"/>
+                    <a:pt x="3364268" y="1309384"/>
+                  </a:cubicBezTo>
+                  <a:lnTo>
+                    <a:pt x="3717005" y="331546"/>
+                  </a:lnTo>
+                  <a:lnTo>
+                    <a:pt x="3476940" y="331546"/>
+                  </a:lnTo>
+                  <a:lnTo>
+                    <a:pt x="3292518" y="927310"/>
+                  </a:lnTo>
+                  <a:lnTo>
+                    <a:pt x="3289244" y="927310"/>
+                  </a:lnTo>
+                  <a:lnTo>
+                    <a:pt x="3098151" y="331546"/>
+                  </a:lnTo>
+                  <a:close/>
+                  <a:moveTo>
+                    <a:pt x="435938" y="488067"/>
+                  </a:moveTo>
+                  <a:cubicBezTo>
+                    <a:pt x="474037" y="488067"/>
+                    <a:pt x="505696" y="495897"/>
+                    <a:pt x="530730" y="511608"/>
+                  </a:cubicBezTo>
+                  <a:cubicBezTo>
+                    <a:pt x="555764" y="527312"/>
+                    <a:pt x="575790" y="548066"/>
+                    <a:pt x="591030" y="573870"/>
+                  </a:cubicBezTo>
+                  <a:cubicBezTo>
+                    <a:pt x="607358" y="598559"/>
+                    <a:pt x="618864" y="627761"/>
+                    <a:pt x="625400" y="661414"/>
+                  </a:cubicBezTo>
+                  <a:cubicBezTo>
+                    <a:pt x="631929" y="693951"/>
+                    <a:pt x="635216" y="728248"/>
+                    <a:pt x="635216" y="764152"/>
+                  </a:cubicBezTo>
+                  <a:cubicBezTo>
+                    <a:pt x="635216" y="800056"/>
+                    <a:pt x="631929" y="834729"/>
+                    <a:pt x="625400" y="868388"/>
+                  </a:cubicBezTo>
+                  <a:cubicBezTo>
+                    <a:pt x="618864" y="902048"/>
+                    <a:pt x="607906" y="932373"/>
+                    <a:pt x="592666" y="959299"/>
+                  </a:cubicBezTo>
+                  <a:cubicBezTo>
+                    <a:pt x="577427" y="985109"/>
+                    <a:pt x="556856" y="1005857"/>
+                    <a:pt x="530730" y="1021568"/>
+                  </a:cubicBezTo>
+                  <a:cubicBezTo>
+                    <a:pt x="505694" y="1037272"/>
+                    <a:pt x="474037" y="1045102"/>
+                    <a:pt x="435938" y="1045102"/>
+                  </a:cubicBezTo>
+                  <a:cubicBezTo>
+                    <a:pt x="400015" y="1045102"/>
+                    <a:pt x="369034" y="1037272"/>
+                    <a:pt x="342905" y="1021568"/>
+                  </a:cubicBezTo>
+                  <a:cubicBezTo>
+                    <a:pt x="317868" y="1004741"/>
+                    <a:pt x="296623" y="983490"/>
+                    <a:pt x="279206" y="957679"/>
+                  </a:cubicBezTo>
+                  <a:cubicBezTo>
+                    <a:pt x="262878" y="930753"/>
+                    <a:pt x="250948" y="900428"/>
+                    <a:pt x="243329" y="866769"/>
+                  </a:cubicBezTo>
+                  <a:cubicBezTo>
+                    <a:pt x="235709" y="833110"/>
+                    <a:pt x="231873" y="799431"/>
+                    <a:pt x="231873" y="765772"/>
+                  </a:cubicBezTo>
+                  <a:cubicBezTo>
+                    <a:pt x="231873" y="729868"/>
+                    <a:pt x="235161" y="695692"/>
+                    <a:pt x="241692" y="663155"/>
+                  </a:cubicBezTo>
+                  <a:cubicBezTo>
+                    <a:pt x="249312" y="629496"/>
+                    <a:pt x="260694" y="599668"/>
+                    <a:pt x="275933" y="573864"/>
+                  </a:cubicBezTo>
+                  <a:cubicBezTo>
+                    <a:pt x="292261" y="548060"/>
+                    <a:pt x="313507" y="527306"/>
+                    <a:pt x="339632" y="511595"/>
+                  </a:cubicBezTo>
+                  <a:cubicBezTo>
+                    <a:pt x="365757" y="495891"/>
+                    <a:pt x="397836" y="488061"/>
+                    <a:pt x="435932" y="488061"/>
+                  </a:cubicBezTo>
+                  <a:close/>
+                  <a:moveTo>
+                    <a:pt x="1456888" y="488067"/>
+                  </a:moveTo>
+                  <a:cubicBezTo>
+                    <a:pt x="1496076" y="488067"/>
+                    <a:pt x="1528703" y="496522"/>
+                    <a:pt x="1554826" y="513349"/>
+                  </a:cubicBezTo>
+                  <a:cubicBezTo>
+                    <a:pt x="1582039" y="529059"/>
+                    <a:pt x="1603283" y="549813"/>
+                    <a:pt x="1618526" y="575618"/>
+                  </a:cubicBezTo>
+                  <a:cubicBezTo>
+                    <a:pt x="1634852" y="601422"/>
+                    <a:pt x="1646235" y="631121"/>
+                    <a:pt x="1652764" y="664781"/>
+                  </a:cubicBezTo>
+                  <a:cubicBezTo>
+                    <a:pt x="1659300" y="698440"/>
+                    <a:pt x="1662587" y="732737"/>
+                    <a:pt x="1662587" y="767519"/>
+                  </a:cubicBezTo>
+                  <a:cubicBezTo>
+                    <a:pt x="1662587" y="802300"/>
+                    <a:pt x="1659300" y="836476"/>
+                    <a:pt x="1652764" y="870136"/>
+                  </a:cubicBezTo>
+                  <a:cubicBezTo>
+                    <a:pt x="1646235" y="902673"/>
+                    <a:pt x="1634852" y="932373"/>
+                    <a:pt x="1618526" y="959299"/>
+                  </a:cubicBezTo>
+                  <a:cubicBezTo>
+                    <a:pt x="1603283" y="985103"/>
+                    <a:pt x="1582039" y="1005857"/>
+                    <a:pt x="1554826" y="1021561"/>
+                  </a:cubicBezTo>
+                  <a:cubicBezTo>
+                    <a:pt x="1528703" y="1037272"/>
+                    <a:pt x="1496076" y="1045102"/>
+                    <a:pt x="1456888" y="1045102"/>
+                  </a:cubicBezTo>
+                  <a:cubicBezTo>
+                    <a:pt x="1417700" y="1045102"/>
+                    <a:pt x="1385074" y="1037272"/>
+                    <a:pt x="1358951" y="1021561"/>
+                  </a:cubicBezTo>
+                  <a:cubicBezTo>
+                    <a:pt x="1332827" y="1005857"/>
+                    <a:pt x="1311577" y="985103"/>
+                    <a:pt x="1295251" y="959299"/>
+                  </a:cubicBezTo>
+                  <a:cubicBezTo>
+                    <a:pt x="1280014" y="932373"/>
+                    <a:pt x="1269050" y="902673"/>
+                    <a:pt x="1262521" y="870136"/>
+                  </a:cubicBezTo>
+                  <a:cubicBezTo>
+                    <a:pt x="1255992" y="836476"/>
+                    <a:pt x="1252705" y="802300"/>
+                    <a:pt x="1252705" y="767519"/>
+                  </a:cubicBezTo>
+                  <a:cubicBezTo>
+                    <a:pt x="1252705" y="732737"/>
+                    <a:pt x="1255992" y="698440"/>
+                    <a:pt x="1262521" y="664781"/>
+                  </a:cubicBezTo>
+                  <a:cubicBezTo>
+                    <a:pt x="1269050" y="631121"/>
+                    <a:pt x="1280014" y="601422"/>
+                    <a:pt x="1295251" y="575618"/>
+                  </a:cubicBezTo>
+                  <a:cubicBezTo>
+                    <a:pt x="1311577" y="549813"/>
+                    <a:pt x="1332827" y="529059"/>
+                    <a:pt x="1358951" y="513349"/>
+                  </a:cubicBezTo>
+                  <a:cubicBezTo>
+                    <a:pt x="1385074" y="496522"/>
+                    <a:pt x="1417700" y="488067"/>
+                    <a:pt x="1456888" y="488067"/>
+                  </a:cubicBezTo>
+                  <a:close/>
+                  <a:moveTo>
+                    <a:pt x="4202756" y="488067"/>
+                  </a:moveTo>
+                  <a:cubicBezTo>
+                    <a:pt x="4240855" y="488067"/>
+                    <a:pt x="4272386" y="495400"/>
+                    <a:pt x="4297426" y="509988"/>
+                  </a:cubicBezTo>
+                  <a:cubicBezTo>
+                    <a:pt x="4322460" y="524577"/>
+                    <a:pt x="4342615" y="544209"/>
+                    <a:pt x="4357852" y="568891"/>
+                  </a:cubicBezTo>
+                  <a:cubicBezTo>
+                    <a:pt x="4373089" y="593579"/>
+                    <a:pt x="4384052" y="622157"/>
+                    <a:pt x="4390582" y="654694"/>
+                  </a:cubicBezTo>
+                  <a:cubicBezTo>
+                    <a:pt x="4397111" y="686109"/>
+                    <a:pt x="4400275" y="719787"/>
+                    <a:pt x="4400275" y="755691"/>
+                  </a:cubicBezTo>
+                  <a:cubicBezTo>
+                    <a:pt x="4400275" y="787106"/>
+                    <a:pt x="4396015" y="817431"/>
+                    <a:pt x="4387307" y="846601"/>
+                  </a:cubicBezTo>
+                  <a:cubicBezTo>
+                    <a:pt x="4379689" y="874650"/>
+                    <a:pt x="4367636" y="899880"/>
+                    <a:pt x="4351303" y="922317"/>
+                  </a:cubicBezTo>
+                  <a:cubicBezTo>
+                    <a:pt x="4334977" y="944755"/>
+                    <a:pt x="4314281" y="962653"/>
+                    <a:pt x="4289247" y="976119"/>
+                  </a:cubicBezTo>
+                  <a:cubicBezTo>
+                    <a:pt x="4264207" y="989579"/>
+                    <a:pt x="4235415" y="996414"/>
+                    <a:pt x="4202756" y="996414"/>
+                  </a:cubicBezTo>
+                  <a:cubicBezTo>
+                    <a:pt x="4166836" y="996414"/>
+                    <a:pt x="4136955" y="988463"/>
+                    <a:pt x="4112998" y="972752"/>
+                  </a:cubicBezTo>
+                  <a:cubicBezTo>
+                    <a:pt x="4089053" y="957048"/>
+                    <a:pt x="4069452" y="936919"/>
+                    <a:pt x="4054209" y="912231"/>
+                  </a:cubicBezTo>
+                  <a:cubicBezTo>
+                    <a:pt x="4040062" y="887549"/>
+                    <a:pt x="4029646" y="860087"/>
+                    <a:pt x="4023117" y="829788"/>
+                  </a:cubicBezTo>
+                  <a:cubicBezTo>
+                    <a:pt x="4017677" y="798373"/>
+                    <a:pt x="4014937" y="766932"/>
+                    <a:pt x="4014937" y="735517"/>
+                  </a:cubicBezTo>
+                  <a:cubicBezTo>
+                    <a:pt x="4014937" y="702980"/>
+                    <a:pt x="4018224" y="672164"/>
+                    <a:pt x="4024754" y="642987"/>
+                  </a:cubicBezTo>
+                  <a:cubicBezTo>
+                    <a:pt x="4032372" y="612694"/>
+                    <a:pt x="4043884" y="586227"/>
+                    <a:pt x="4059121" y="563783"/>
+                  </a:cubicBezTo>
+                  <a:cubicBezTo>
+                    <a:pt x="4075447" y="540224"/>
+                    <a:pt x="4095053" y="521708"/>
+                    <a:pt x="4117909" y="508241"/>
+                  </a:cubicBezTo>
+                  <a:cubicBezTo>
+                    <a:pt x="4141860" y="494781"/>
+                    <a:pt x="4170104" y="488067"/>
+                    <a:pt x="4202756" y="488067"/>
+                  </a:cubicBezTo>
+                  <a:close/>
+                  <a:moveTo>
+                    <a:pt x="5204048" y="488067"/>
+                  </a:moveTo>
+                  <a:cubicBezTo>
+                    <a:pt x="5260652" y="488067"/>
+                    <a:pt x="5302599" y="503855"/>
+                    <a:pt x="5329811" y="535270"/>
+                  </a:cubicBezTo>
+                  <a:cubicBezTo>
+                    <a:pt x="5358113" y="566685"/>
+                    <a:pt x="5377713" y="612663"/>
+                    <a:pt x="5388600" y="673255"/>
+                  </a:cubicBezTo>
+                  <a:lnTo>
+                    <a:pt x="5011318" y="673255"/>
+                  </a:lnTo>
+                  <a:cubicBezTo>
+                    <a:pt x="5012408" y="656422"/>
+                    <a:pt x="5015695" y="637287"/>
+                    <a:pt x="5021141" y="615965"/>
+                  </a:cubicBezTo>
+                  <a:cubicBezTo>
+                    <a:pt x="5027670" y="594650"/>
+                    <a:pt x="5038080" y="574521"/>
+                    <a:pt x="5052234" y="555444"/>
+                  </a:cubicBezTo>
+                  <a:cubicBezTo>
+                    <a:pt x="5067471" y="536373"/>
+                    <a:pt x="5087071" y="520592"/>
+                    <a:pt x="5111022" y="508248"/>
+                  </a:cubicBezTo>
+                  <a:cubicBezTo>
+                    <a:pt x="5136056" y="494781"/>
+                    <a:pt x="5167039" y="488074"/>
+                    <a:pt x="5204055" y="488074"/>
+                  </a:cubicBezTo>
+                  <a:close/>
+                </a:path>
+              </a:pathLst>
+            </a:custGeom>
+            <a:solidFill>
+              <a:schemeClr val="bg1"/>
+            </a:solidFill>
+            <a:ln w="45070" cap="flat">
+              <a:noFill/>
+              <a:prstDash val="solid"/>
+              <a:miter/>
+            </a:ln>
+          </p:spPr>
+          <p:txBody>
+            <a:bodyPr/>
+            <a:lstStyle/>
+            <a:p>
+              <a:endParaRPr lang="en-US"/>
+            </a:p>
+          </p:txBody>
+        </p:sp>
+        <p:sp>
+          <p:nvSpPr>
+            <p:cNvPr id="11" name="Freeform 10">
+              <a:extLst>
+                <a:ext uri="{FF2B5EF4-FFF2-40B4-BE49-F238E27FC236}">
+                  <a16:creationId xmlns:a16="http://schemas.microsoft.com/office/drawing/2014/main" id="{724A3A37-3D13-7FCD-E982-98391B82C64E}"/>
+                </a:ext>
+              </a:extLst>
+            </p:cNvPr>
+            <p:cNvSpPr/>
+            <p:nvPr/>
+          </p:nvSpPr>
+          <p:spPr>
+            <a:xfrm>
+              <a:off x="3943399" y="5266327"/>
+              <a:ext cx="467355" cy="200681"/>
+            </a:xfrm>
+            <a:custGeom>
+              <a:avLst/>
+              <a:gdLst>
+                <a:gd name="csX0" fmla="*/ 0 w 467355"/>
+                <a:gd name="csY0" fmla="*/ 200681 h 200681"/>
+                <a:gd name="csX1" fmla="*/ 115553 w 467355"/>
+                <a:gd name="csY1" fmla="*/ 2538 h 200681"/>
+                <a:gd name="csX2" fmla="*/ 362070 w 467355"/>
+                <a:gd name="csY2" fmla="*/ 0 h 200681"/>
+                <a:gd name="csX3" fmla="*/ 467356 w 467355"/>
+                <a:gd name="csY3" fmla="*/ 200681 h 200681"/>
+              </a:gdLst>
+              <a:ahLst/>
+              <a:cxnLst>
+                <a:cxn ang="0">
+                  <a:pos x="csX0" y="csY0"/>
+                </a:cxn>
+                <a:cxn ang="0">
+                  <a:pos x="csX1" y="csY1"/>
+                </a:cxn>
+                <a:cxn ang="0">
+                  <a:pos x="csX2" y="csY2"/>
+                </a:cxn>
+                <a:cxn ang="0">
+                  <a:pos x="csX3" y="csY3"/>
+                </a:cxn>
+              </a:cxnLst>
+              <a:rect l="l" t="t" r="r" b="b"/>
+              <a:pathLst>
+                <a:path w="467355" h="200681">
+                  <a:moveTo>
+                    <a:pt x="0" y="200681"/>
+                  </a:moveTo>
+                  <a:cubicBezTo>
+                    <a:pt x="64196" y="134631"/>
+                    <a:pt x="89875" y="81289"/>
+                    <a:pt x="115553" y="2538"/>
+                  </a:cubicBezTo>
+                  <a:lnTo>
+                    <a:pt x="362070" y="0"/>
+                  </a:lnTo>
+                  <a:cubicBezTo>
+                    <a:pt x="382135" y="102630"/>
+                    <a:pt x="415187" y="160276"/>
+                    <a:pt x="467356" y="200681"/>
+                  </a:cubicBezTo>
+                  <a:close/>
+                </a:path>
+              </a:pathLst>
+            </a:custGeom>
+            <a:gradFill>
+              <a:gsLst>
+                <a:gs pos="0">
+                  <a:srgbClr val="5373B4"/>
+                </a:gs>
+                <a:gs pos="50000">
+                  <a:srgbClr val="6784BD"/>
+                </a:gs>
+                <a:gs pos="100000">
+                  <a:srgbClr val="7C95C6"/>
+                </a:gs>
+              </a:gsLst>
+              <a:lin ang="5400000" scaled="1"/>
+            </a:gradFill>
+            <a:ln w="32193" cap="flat">
+              <a:solidFill>
+                <a:srgbClr val="000000"/>
+              </a:solidFill>
+              <a:prstDash val="solid"/>
+              <a:miter/>
+            </a:ln>
+          </p:spPr>
+          <p:txBody>
+            <a:bodyPr/>
+            <a:lstStyle/>
+            <a:p>
+              <a:endParaRPr lang="en-US"/>
+            </a:p>
+          </p:txBody>
+        </p:sp>
+        <p:sp>
+          <p:nvSpPr>
+            <p:cNvPr id="12" name="Freeform 11">
+              <a:extLst>
+                <a:ext uri="{FF2B5EF4-FFF2-40B4-BE49-F238E27FC236}">
+                  <a16:creationId xmlns:a16="http://schemas.microsoft.com/office/drawing/2014/main" id="{FD59F25E-EA86-8A21-2C6E-0BF1B8582DEF}"/>
+                </a:ext>
+              </a:extLst>
+            </p:cNvPr>
+            <p:cNvSpPr/>
+            <p:nvPr/>
+          </p:nvSpPr>
+          <p:spPr>
+            <a:xfrm>
+              <a:off x="5144125" y="5246899"/>
+              <a:ext cx="2008243" cy="226363"/>
+            </a:xfrm>
+            <a:custGeom>
+              <a:avLst/>
+              <a:gdLst>
+                <a:gd name="csX0" fmla="*/ 146491 w 2008243"/>
+                <a:gd name="csY0" fmla="*/ 12822 h 226363"/>
+                <a:gd name="csX1" fmla="*/ 2008244 w 2008243"/>
+                <a:gd name="csY1" fmla="*/ 0 h 226363"/>
+                <a:gd name="csX2" fmla="*/ 2000187 w 2008243"/>
+                <a:gd name="csY2" fmla="*/ 216016 h 226363"/>
+                <a:gd name="csX3" fmla="*/ 0 w 2008243"/>
+                <a:gd name="csY3" fmla="*/ 226364 h 226363"/>
+                <a:gd name="csX4" fmla="*/ 146465 w 2008243"/>
+                <a:gd name="csY4" fmla="*/ 12822 h 226363"/>
+              </a:gdLst>
+              <a:ahLst/>
+              <a:cxnLst>
+                <a:cxn ang="0">
+                  <a:pos x="csX0" y="csY0"/>
+                </a:cxn>
+                <a:cxn ang="0">
+                  <a:pos x="csX1" y="csY1"/>
+                </a:cxn>
+                <a:cxn ang="0">
+                  <a:pos x="csX2" y="csY2"/>
+                </a:cxn>
+                <a:cxn ang="0">
+                  <a:pos x="csX3" y="csY3"/>
+                </a:cxn>
+                <a:cxn ang="0">
+                  <a:pos x="csX4" y="csY4"/>
+                </a:cxn>
+              </a:cxnLst>
+              <a:rect l="l" t="t" r="r" b="b"/>
+              <a:pathLst>
+                <a:path w="2008243" h="226363">
+                  <a:moveTo>
+                    <a:pt x="146491" y="12822"/>
+                  </a:moveTo>
+                  <a:lnTo>
+                    <a:pt x="2008244" y="0"/>
+                  </a:lnTo>
+                  <a:lnTo>
+                    <a:pt x="2000187" y="216016"/>
+                  </a:lnTo>
+                  <a:lnTo>
+                    <a:pt x="0" y="226364"/>
+                  </a:lnTo>
+                  <a:cubicBezTo>
+                    <a:pt x="81347" y="161111"/>
+                    <a:pt x="126749" y="80613"/>
+                    <a:pt x="146465" y="12822"/>
+                  </a:cubicBezTo>
+                  <a:close/>
+                </a:path>
+              </a:pathLst>
+            </a:custGeom>
+            <a:gradFill>
+              <a:gsLst>
+                <a:gs pos="0">
+                  <a:srgbClr val="5373B4"/>
+                </a:gs>
+                <a:gs pos="50000">
+                  <a:srgbClr val="6784BD"/>
+                </a:gs>
+                <a:gs pos="100000">
+                  <a:srgbClr val="7C95C6"/>
+                </a:gs>
+              </a:gsLst>
+              <a:lin ang="5400000" scaled="1"/>
+            </a:gradFill>
+            <a:ln w="26905" cap="flat">
+              <a:solidFill>
+                <a:srgbClr val="000000"/>
+              </a:solidFill>
+              <a:prstDash val="solid"/>
+              <a:miter/>
+            </a:ln>
+          </p:spPr>
+          <p:txBody>
+            <a:bodyPr/>
+            <a:lstStyle/>
+            <a:p>
+              <a:endParaRPr lang="en-US"/>
+            </a:p>
+          </p:txBody>
+        </p:sp>
+      </p:grpSp>
+    </p:spTree>
+    <p:extLst>
+      <p:ext uri="{BB962C8B-B14F-4D97-AF65-F5344CB8AC3E}">
+        <p14:creationId xmlns:p14="http://schemas.microsoft.com/office/powerpoint/2010/main" val="3386412215"/>
+      </p:ext>
+    </p:extLst>
+  </p:cSld>
+  <p:clrMapOvr>
+    <a:masterClrMapping/>
+  </p:clrMapOvr>
+</p:sld>
+</file>
+
+<file path=ppt/slides/slide4.xml><?xml version="1.0" encoding="utf-8"?>
+<p:sld xmlns:a="http://schemas.openxmlformats.org/drawingml/2006/main" xmlns:r="http://schemas.openxmlformats.org/officeDocument/2006/relationships" xmlns:p="http://schemas.openxmlformats.org/presentationml/2006/main">
+  <p:cSld>
+    <p:spTree>
+      <p:nvGrpSpPr>
+        <p:cNvPr id="1" name="">
+          <a:extLst>
+            <a:ext uri="{FF2B5EF4-FFF2-40B4-BE49-F238E27FC236}">
+              <a16:creationId xmlns:a16="http://schemas.microsoft.com/office/drawing/2014/main" id="{EC99CA48-5213-966A-437B-CD0857C3BB22}"/>
+            </a:ext>
+          </a:extLst>
+        </p:cNvPr>
+        <p:cNvGrpSpPr/>
+        <p:nvPr/>
+      </p:nvGrpSpPr>
+      <p:grpSpPr>
+        <a:xfrm>
+          <a:off x="0" y="0"/>
+          <a:ext cx="0" cy="0"/>
+          <a:chOff x="0" y="0"/>
+          <a:chExt cx="0" cy="0"/>
+        </a:xfrm>
+      </p:grpSpPr>
+      <p:sp>
+        <p:nvSpPr>
+          <p:cNvPr id="7" name="Rounded Rectangle 6">
+            <a:extLst>
+              <a:ext uri="{FF2B5EF4-FFF2-40B4-BE49-F238E27FC236}">
+                <a16:creationId xmlns:a16="http://schemas.microsoft.com/office/drawing/2014/main" id="{91E8E123-B895-5F28-35BB-979EDD129AC9}"/>
+              </a:ext>
+            </a:extLst>
+          </p:cNvPr>
+          <p:cNvSpPr/>
+          <p:nvPr/>
+        </p:nvSpPr>
+        <p:spPr>
+          <a:xfrm>
+            <a:off x="226031" y="687277"/>
+            <a:ext cx="11650895" cy="2321960"/>
+          </a:xfrm>
+          <a:prstGeom prst="roundRect">
+            <a:avLst/>
+          </a:prstGeom>
+          <a:solidFill>
+            <a:srgbClr val="00B050"/>
+          </a:solidFill>
+          <a:ln>
+            <a:noFill/>
+          </a:ln>
+        </p:spPr>
+        <p:style>
+          <a:lnRef idx="2">
+            <a:schemeClr val="accent1">
+              <a:shade val="15000"/>
+            </a:schemeClr>
+          </a:lnRef>
+          <a:fillRef idx="1">
+            <a:schemeClr val="accent1"/>
+          </a:fillRef>
+          <a:effectRef idx="0">
+            <a:schemeClr val="accent1"/>
+          </a:effectRef>
+          <a:fontRef idx="minor">
+            <a:schemeClr val="lt1"/>
+          </a:fontRef>
+        </p:style>
+        <p:txBody>
+          <a:bodyPr rtlCol="0" anchor="ctr"/>
+          <a:lstStyle/>
+          <a:p>
+            <a:pPr algn="ctr"/>
+            <a:endParaRPr lang="en-US"/>
+          </a:p>
+        </p:txBody>
+      </p:sp>
       <p:pic>
         <p:nvPicPr>
-          <p:cNvPr id="3" name="Graphic 2">
+          <p:cNvPr id="5" name="Picture 4" descr="A silver dragon with wings and blue eyes&#10;&#10;Description automatically generated">
             <a:extLst>
               <a:ext uri="{FF2B5EF4-FFF2-40B4-BE49-F238E27FC236}">
-                <a16:creationId xmlns:a16="http://schemas.microsoft.com/office/drawing/2014/main" id="{0EB51060-DF6F-95C1-A360-C35540D2CCD6}"/>
+                <a16:creationId xmlns:a16="http://schemas.microsoft.com/office/drawing/2014/main" id="{D5AEBF05-B542-25D8-45EE-5D1DB5FCE3CF}"/>
               </a:ext>
             </a:extLst>
           </p:cNvPr>
@@ -4063,31 +8312,163 @@
           <p:nvPr/>
         </p:nvPicPr>
         <p:blipFill>
-          <a:blip r:embed="rId3">
-            <a:extLst>
-              <a:ext uri="{96DAC541-7B7A-43D3-8B79-37D633B846F1}">
-                <asvg:svgBlip xmlns:asvg="http://schemas.microsoft.com/office/drawing/2016/SVG/main" r:embed="rId4"/>
-              </a:ext>
-            </a:extLst>
-          </a:blip>
+          <a:blip r:embed="rId2"/>
           <a:stretch>
             <a:fillRect/>
           </a:stretch>
         </p:blipFill>
         <p:spPr>
           <a:xfrm>
-            <a:off x="528113" y="3726910"/>
-            <a:ext cx="6703212" cy="1976588"/>
+            <a:off x="357143" y="517367"/>
+            <a:ext cx="2661781" cy="2661781"/>
           </a:xfrm>
           <a:prstGeom prst="rect">
             <a:avLst/>
           </a:prstGeom>
         </p:spPr>
       </p:pic>
+      <p:sp>
+        <p:nvSpPr>
+          <p:cNvPr id="6" name="TextBox 5">
+            <a:extLst>
+              <a:ext uri="{FF2B5EF4-FFF2-40B4-BE49-F238E27FC236}">
+                <a16:creationId xmlns:a16="http://schemas.microsoft.com/office/drawing/2014/main" id="{D3890D06-B8D3-5397-13A7-778BC6677F76}"/>
+              </a:ext>
+            </a:extLst>
+          </p:cNvPr>
+          <p:cNvSpPr txBox="1"/>
+          <p:nvPr/>
+        </p:nvSpPr>
+        <p:spPr>
+          <a:xfrm>
+            <a:off x="3105048" y="1032649"/>
+            <a:ext cx="8837099" cy="1631216"/>
+          </a:xfrm>
+          <a:prstGeom prst="rect">
+            <a:avLst/>
+          </a:prstGeom>
+          <a:noFill/>
+        </p:spPr>
+        <p:txBody>
+          <a:bodyPr wrap="none" rtlCol="0">
+            <a:spAutoFit/>
+          </a:bodyPr>
+          <a:lstStyle/>
+          <a:p>
+            <a:r>
+              <a:rPr lang="en-US" sz="10000" dirty="0">
+                <a:solidFill>
+                  <a:schemeClr val="bg1"/>
+                </a:solidFill>
+              </a:rPr>
+              <a:t>CLANG-FORMAT</a:t>
+            </a:r>
+          </a:p>
+        </p:txBody>
+      </p:sp>
+      <p:sp>
+        <p:nvSpPr>
+          <p:cNvPr id="8" name="Rounded Rectangle 7">
+            <a:extLst>
+              <a:ext uri="{FF2B5EF4-FFF2-40B4-BE49-F238E27FC236}">
+                <a16:creationId xmlns:a16="http://schemas.microsoft.com/office/drawing/2014/main" id="{30FBF7E5-C962-C4F8-770B-AF38DB1677D9}"/>
+              </a:ext>
+            </a:extLst>
+          </p:cNvPr>
+          <p:cNvSpPr/>
+          <p:nvPr/>
+        </p:nvSpPr>
+        <p:spPr>
+          <a:xfrm>
+            <a:off x="113015" y="3554224"/>
+            <a:ext cx="12037231" cy="2321960"/>
+          </a:xfrm>
+          <a:prstGeom prst="roundRect">
+            <a:avLst/>
+          </a:prstGeom>
+          <a:solidFill>
+            <a:srgbClr val="FF9300"/>
+          </a:solidFill>
+          <a:ln>
+            <a:noFill/>
+          </a:ln>
+        </p:spPr>
+        <p:style>
+          <a:lnRef idx="2">
+            <a:schemeClr val="accent1">
+              <a:shade val="15000"/>
+            </a:schemeClr>
+          </a:lnRef>
+          <a:fillRef idx="1">
+            <a:schemeClr val="accent1"/>
+          </a:fillRef>
+          <a:effectRef idx="0">
+            <a:schemeClr val="accent1"/>
+          </a:effectRef>
+          <a:fontRef idx="minor">
+            <a:schemeClr val="lt1"/>
+          </a:fontRef>
+        </p:style>
+        <p:txBody>
+          <a:bodyPr rtlCol="0" anchor="ctr"/>
+          <a:lstStyle/>
+          <a:p>
+            <a:pPr algn="ctr"/>
+            <a:endParaRPr lang="en-US"/>
+          </a:p>
+        </p:txBody>
+      </p:sp>
+      <p:sp>
+        <p:nvSpPr>
+          <p:cNvPr id="10" name="TextBox 9">
+            <a:extLst>
+              <a:ext uri="{FF2B5EF4-FFF2-40B4-BE49-F238E27FC236}">
+                <a16:creationId xmlns:a16="http://schemas.microsoft.com/office/drawing/2014/main" id="{BAECFDC5-D83C-FFFA-CD46-1646E13539C0}"/>
+              </a:ext>
+            </a:extLst>
+          </p:cNvPr>
+          <p:cNvSpPr txBox="1"/>
+          <p:nvPr/>
+        </p:nvSpPr>
+        <p:spPr>
+          <a:xfrm>
+            <a:off x="171450" y="3899596"/>
+            <a:ext cx="11907533" cy="1631216"/>
+          </a:xfrm>
+          <a:prstGeom prst="rect">
+            <a:avLst/>
+          </a:prstGeom>
+          <a:noFill/>
+          <a:effectLst>
+            <a:outerShdw blurRad="50800" dist="38100" dir="2700000" algn="tl" rotWithShape="0">
+              <a:prstClr val="black"/>
+            </a:outerShdw>
+          </a:effectLst>
+        </p:spPr>
+        <p:txBody>
+          <a:bodyPr wrap="square" rtlCol="0">
+            <a:spAutoFit/>
+          </a:bodyPr>
+          <a:lstStyle/>
+          <a:p>
+            <a:pPr algn="ctr"/>
+            <a:r>
+              <a:rPr lang="en-US" sz="10000" b="1" kern="0" spc="-600" dirty="0">
+                <a:solidFill>
+                  <a:schemeClr val="bg1"/>
+                </a:solidFill>
+                <a:latin typeface="Courier New" panose="02070309020205020404" pitchFamily="49" charset="0"/>
+                <a:cs typeface="Courier New" panose="02070309020205020404" pitchFamily="49" charset="0"/>
+              </a:rPr>
+              <a:t>2310stylecheck.sh</a:t>
+            </a:r>
+          </a:p>
+        </p:txBody>
+      </p:sp>
     </p:spTree>
     <p:extLst>
       <p:ext uri="{BB962C8B-B14F-4D97-AF65-F5344CB8AC3E}">
-        <p14:creationId xmlns:p14="http://schemas.microsoft.com/office/powerpoint/2010/main" val="3386412215"/>
+        <p14:creationId xmlns:p14="http://schemas.microsoft.com/office/powerpoint/2010/main" val="1963047677"/>
       </p:ext>
     </p:extLst>
   </p:cSld>
